--- a/Slides/Sharda_11e_full_accessible_ppt_07.pptx
+++ b/Slides/Sharda_11e_full_accessible_ppt_07.pptx
@@ -5,73 +5,70 @@
     <p:sldMasterId id="2147483648" r:id="rId1"/>
   </p:sldMasterIdLst>
   <p:notesMasterIdLst>
-    <p:notesMasterId r:id="rId63"/>
+    <p:notesMasterId r:id="rId60"/>
   </p:notesMasterIdLst>
   <p:handoutMasterIdLst>
-    <p:handoutMasterId r:id="rId64"/>
+    <p:handoutMasterId r:id="rId61"/>
   </p:handoutMasterIdLst>
   <p:sldIdLst>
     <p:sldId id="1074" r:id="rId2"/>
     <p:sldId id="1135" r:id="rId3"/>
     <p:sldId id="1166" r:id="rId4"/>
-    <p:sldId id="1167" r:id="rId5"/>
-    <p:sldId id="1168" r:id="rId6"/>
-    <p:sldId id="1169" r:id="rId7"/>
-    <p:sldId id="1170" r:id="rId8"/>
-    <p:sldId id="1171" r:id="rId9"/>
-    <p:sldId id="1172" r:id="rId10"/>
-    <p:sldId id="1173" r:id="rId11"/>
-    <p:sldId id="1174" r:id="rId12"/>
-    <p:sldId id="1175" r:id="rId13"/>
-    <p:sldId id="1176" r:id="rId14"/>
-    <p:sldId id="1177" r:id="rId15"/>
-    <p:sldId id="1179" r:id="rId16"/>
-    <p:sldId id="1180" r:id="rId17"/>
-    <p:sldId id="1181" r:id="rId18"/>
-    <p:sldId id="1182" r:id="rId19"/>
-    <p:sldId id="1185" r:id="rId20"/>
-    <p:sldId id="1186" r:id="rId21"/>
-    <p:sldId id="1187" r:id="rId22"/>
-    <p:sldId id="1188" r:id="rId23"/>
-    <p:sldId id="1189" r:id="rId24"/>
-    <p:sldId id="1191" r:id="rId25"/>
-    <p:sldId id="1240" r:id="rId26"/>
-    <p:sldId id="1194" r:id="rId27"/>
-    <p:sldId id="1195" r:id="rId28"/>
-    <p:sldId id="1196" r:id="rId29"/>
-    <p:sldId id="1197" r:id="rId30"/>
-    <p:sldId id="1198" r:id="rId31"/>
-    <p:sldId id="1199" r:id="rId32"/>
-    <p:sldId id="1200" r:id="rId33"/>
-    <p:sldId id="1205" r:id="rId34"/>
-    <p:sldId id="1208" r:id="rId35"/>
-    <p:sldId id="1209" r:id="rId36"/>
-    <p:sldId id="1210" r:id="rId37"/>
-    <p:sldId id="1211" r:id="rId38"/>
-    <p:sldId id="1212" r:id="rId39"/>
-    <p:sldId id="1213" r:id="rId40"/>
-    <p:sldId id="1214" r:id="rId41"/>
-    <p:sldId id="1215" r:id="rId42"/>
-    <p:sldId id="1216" r:id="rId43"/>
-    <p:sldId id="1217" r:id="rId44"/>
-    <p:sldId id="1218" r:id="rId45"/>
-    <p:sldId id="1219" r:id="rId46"/>
-    <p:sldId id="1220" r:id="rId47"/>
-    <p:sldId id="1223" r:id="rId48"/>
-    <p:sldId id="1224" r:id="rId49"/>
-    <p:sldId id="1225" r:id="rId50"/>
-    <p:sldId id="1226" r:id="rId51"/>
-    <p:sldId id="1227" r:id="rId52"/>
-    <p:sldId id="1228" r:id="rId53"/>
-    <p:sldId id="1229" r:id="rId54"/>
-    <p:sldId id="1231" r:id="rId55"/>
-    <p:sldId id="1232" r:id="rId56"/>
-    <p:sldId id="1233" r:id="rId57"/>
-    <p:sldId id="1234" r:id="rId58"/>
-    <p:sldId id="1235" r:id="rId59"/>
-    <p:sldId id="1236" r:id="rId60"/>
-    <p:sldId id="1237" r:id="rId61"/>
-    <p:sldId id="1165" r:id="rId62"/>
+    <p:sldId id="1170" r:id="rId5"/>
+    <p:sldId id="1171" r:id="rId6"/>
+    <p:sldId id="1172" r:id="rId7"/>
+    <p:sldId id="1173" r:id="rId8"/>
+    <p:sldId id="1174" r:id="rId9"/>
+    <p:sldId id="1175" r:id="rId10"/>
+    <p:sldId id="1176" r:id="rId11"/>
+    <p:sldId id="1177" r:id="rId12"/>
+    <p:sldId id="1179" r:id="rId13"/>
+    <p:sldId id="1180" r:id="rId14"/>
+    <p:sldId id="1181" r:id="rId15"/>
+    <p:sldId id="1182" r:id="rId16"/>
+    <p:sldId id="1185" r:id="rId17"/>
+    <p:sldId id="1186" r:id="rId18"/>
+    <p:sldId id="1187" r:id="rId19"/>
+    <p:sldId id="1188" r:id="rId20"/>
+    <p:sldId id="1189" r:id="rId21"/>
+    <p:sldId id="1191" r:id="rId22"/>
+    <p:sldId id="1240" r:id="rId23"/>
+    <p:sldId id="1194" r:id="rId24"/>
+    <p:sldId id="1195" r:id="rId25"/>
+    <p:sldId id="1196" r:id="rId26"/>
+    <p:sldId id="1197" r:id="rId27"/>
+    <p:sldId id="1198" r:id="rId28"/>
+    <p:sldId id="1199" r:id="rId29"/>
+    <p:sldId id="1200" r:id="rId30"/>
+    <p:sldId id="1205" r:id="rId31"/>
+    <p:sldId id="1208" r:id="rId32"/>
+    <p:sldId id="1209" r:id="rId33"/>
+    <p:sldId id="1210" r:id="rId34"/>
+    <p:sldId id="1211" r:id="rId35"/>
+    <p:sldId id="1212" r:id="rId36"/>
+    <p:sldId id="1213" r:id="rId37"/>
+    <p:sldId id="1214" r:id="rId38"/>
+    <p:sldId id="1215" r:id="rId39"/>
+    <p:sldId id="1216" r:id="rId40"/>
+    <p:sldId id="1217" r:id="rId41"/>
+    <p:sldId id="1218" r:id="rId42"/>
+    <p:sldId id="1219" r:id="rId43"/>
+    <p:sldId id="1220" r:id="rId44"/>
+    <p:sldId id="1223" r:id="rId45"/>
+    <p:sldId id="1224" r:id="rId46"/>
+    <p:sldId id="1225" r:id="rId47"/>
+    <p:sldId id="1226" r:id="rId48"/>
+    <p:sldId id="1227" r:id="rId49"/>
+    <p:sldId id="1228" r:id="rId50"/>
+    <p:sldId id="1229" r:id="rId51"/>
+    <p:sldId id="1231" r:id="rId52"/>
+    <p:sldId id="1232" r:id="rId53"/>
+    <p:sldId id="1233" r:id="rId54"/>
+    <p:sldId id="1234" r:id="rId55"/>
+    <p:sldId id="1235" r:id="rId56"/>
+    <p:sldId id="1236" r:id="rId57"/>
+    <p:sldId id="1237" r:id="rId58"/>
+    <p:sldId id="1165" r:id="rId59"/>
   </p:sldIdLst>
   <p:sldSz cx="9144000" cy="6858000" type="screen4x3"/>
   <p:notesSz cx="6858000" cy="9144000"/>
@@ -326,7 +323,7 @@
           <a:p>
             <a:fld id="{8D8D874E-E9D5-433B-A149-BDF6BFDD40A8}" type="datetimeFigureOut">
               <a:rPr lang="en-US" smtClean="0"/>
-              <a:t>11/15/21</a:t>
+              <a:t>11/22/21</a:t>
             </a:fld>
             <a:endParaRPr lang="en-US" dirty="0"/>
           </a:p>
@@ -491,7 +488,7 @@
           <a:p>
             <a:fld id="{EA051F04-9E25-42C3-8BC5-EC2E8469D95E}" type="datetimeFigureOut">
               <a:rPr lang="en-US" smtClean="0"/>
-              <a:t>11/15/21</a:t>
+              <a:t>11/22/21</a:t>
             </a:fld>
             <a:endParaRPr lang="en-US" dirty="0"/>
           </a:p>
@@ -5502,180 +5499,6 @@
 </p:notes>
 </file>
 
-<file path=ppt/notesSlides/notesSlide58.xml><?xml version="1.0" encoding="utf-8"?>
-<p:notes xmlns:a="http://schemas.openxmlformats.org/drawingml/2006/main" xmlns:r="http://schemas.openxmlformats.org/officeDocument/2006/relationships" xmlns:p="http://schemas.openxmlformats.org/presentationml/2006/main">
-  <p:cSld>
-    <p:spTree>
-      <p:nvGrpSpPr>
-        <p:cNvPr id="1" name=""/>
-        <p:cNvGrpSpPr/>
-        <p:nvPr/>
-      </p:nvGrpSpPr>
-      <p:grpSpPr>
-        <a:xfrm>
-          <a:off x="0" y="0"/>
-          <a:ext cx="0" cy="0"/>
-          <a:chOff x="0" y="0"/>
-          <a:chExt cx="0" cy="0"/>
-        </a:xfrm>
-      </p:grpSpPr>
-      <p:sp>
-        <p:nvSpPr>
-          <p:cNvPr id="2" name="Slide Image Placeholder 1"/>
-          <p:cNvSpPr>
-            <a:spLocks noGrp="1" noRot="1" noChangeAspect="1"/>
-          </p:cNvSpPr>
-          <p:nvPr>
-            <p:ph type="sldImg"/>
-          </p:nvPr>
-        </p:nvSpPr>
-        <p:spPr/>
-      </p:sp>
-      <p:sp>
-        <p:nvSpPr>
-          <p:cNvPr id="3" name="Notes Placeholder 2"/>
-          <p:cNvSpPr>
-            <a:spLocks noGrp="1"/>
-          </p:cNvSpPr>
-          <p:nvPr>
-            <p:ph type="body" idx="1"/>
-          </p:nvPr>
-        </p:nvSpPr>
-        <p:spPr/>
-        <p:txBody>
-          <a:bodyPr/>
-          <a:lstStyle/>
-          <a:p>
-            <a:pPr defTabSz="931774">
-              <a:defRPr/>
-            </a:pPr>
-            <a:endParaRPr lang="en-US" dirty="0"/>
-          </a:p>
-        </p:txBody>
-      </p:sp>
-      <p:sp>
-        <p:nvSpPr>
-          <p:cNvPr id="4" name="Slide Number Placeholder 3"/>
-          <p:cNvSpPr>
-            <a:spLocks noGrp="1"/>
-          </p:cNvSpPr>
-          <p:nvPr>
-            <p:ph type="sldNum" sz="quarter" idx="10"/>
-          </p:nvPr>
-        </p:nvSpPr>
-        <p:spPr/>
-        <p:txBody>
-          <a:bodyPr/>
-          <a:lstStyle/>
-          <a:p>
-            <a:fld id="{A73D6722-9B4D-4E29-B226-C325925A8118}" type="slidenum">
-              <a:rPr lang="en-US" smtClean="0"/>
-              <a:t>58</a:t>
-            </a:fld>
-            <a:endParaRPr lang="en-US" dirty="0"/>
-          </a:p>
-        </p:txBody>
-      </p:sp>
-    </p:spTree>
-    <p:extLst>
-      <p:ext uri="{BB962C8B-B14F-4D97-AF65-F5344CB8AC3E}">
-        <p14:creationId xmlns:p14="http://schemas.microsoft.com/office/powerpoint/2010/main" val="2124979669"/>
-      </p:ext>
-    </p:extLst>
-  </p:cSld>
-  <p:clrMapOvr>
-    <a:masterClrMapping/>
-  </p:clrMapOvr>
-</p:notes>
-</file>
-
-<file path=ppt/notesSlides/notesSlide59.xml><?xml version="1.0" encoding="utf-8"?>
-<p:notes xmlns:a="http://schemas.openxmlformats.org/drawingml/2006/main" xmlns:r="http://schemas.openxmlformats.org/officeDocument/2006/relationships" xmlns:p="http://schemas.openxmlformats.org/presentationml/2006/main">
-  <p:cSld>
-    <p:spTree>
-      <p:nvGrpSpPr>
-        <p:cNvPr id="1" name=""/>
-        <p:cNvGrpSpPr/>
-        <p:nvPr/>
-      </p:nvGrpSpPr>
-      <p:grpSpPr>
-        <a:xfrm>
-          <a:off x="0" y="0"/>
-          <a:ext cx="0" cy="0"/>
-          <a:chOff x="0" y="0"/>
-          <a:chExt cx="0" cy="0"/>
-        </a:xfrm>
-      </p:grpSpPr>
-      <p:sp>
-        <p:nvSpPr>
-          <p:cNvPr id="2" name="Slide Image Placeholder 1"/>
-          <p:cNvSpPr>
-            <a:spLocks noGrp="1" noRot="1" noChangeAspect="1"/>
-          </p:cNvSpPr>
-          <p:nvPr>
-            <p:ph type="sldImg"/>
-          </p:nvPr>
-        </p:nvSpPr>
-        <p:spPr/>
-      </p:sp>
-      <p:sp>
-        <p:nvSpPr>
-          <p:cNvPr id="3" name="Notes Placeholder 2"/>
-          <p:cNvSpPr>
-            <a:spLocks noGrp="1"/>
-          </p:cNvSpPr>
-          <p:nvPr>
-            <p:ph type="body" idx="1"/>
-          </p:nvPr>
-        </p:nvSpPr>
-        <p:spPr/>
-        <p:txBody>
-          <a:bodyPr/>
-          <a:lstStyle/>
-          <a:p>
-            <a:pPr defTabSz="931774">
-              <a:defRPr/>
-            </a:pPr>
-            <a:endParaRPr lang="en-US" dirty="0"/>
-          </a:p>
-        </p:txBody>
-      </p:sp>
-      <p:sp>
-        <p:nvSpPr>
-          <p:cNvPr id="4" name="Slide Number Placeholder 3"/>
-          <p:cNvSpPr>
-            <a:spLocks noGrp="1"/>
-          </p:cNvSpPr>
-          <p:nvPr>
-            <p:ph type="sldNum" sz="quarter" idx="10"/>
-          </p:nvPr>
-        </p:nvSpPr>
-        <p:spPr/>
-        <p:txBody>
-          <a:bodyPr/>
-          <a:lstStyle/>
-          <a:p>
-            <a:fld id="{A73D6722-9B4D-4E29-B226-C325925A8118}" type="slidenum">
-              <a:rPr lang="en-US" smtClean="0"/>
-              <a:t>59</a:t>
-            </a:fld>
-            <a:endParaRPr lang="en-US" dirty="0"/>
-          </a:p>
-        </p:txBody>
-      </p:sp>
-    </p:spTree>
-    <p:extLst>
-      <p:ext uri="{BB962C8B-B14F-4D97-AF65-F5344CB8AC3E}">
-        <p14:creationId xmlns:p14="http://schemas.microsoft.com/office/powerpoint/2010/main" val="2124979669"/>
-      </p:ext>
-    </p:extLst>
-  </p:cSld>
-  <p:clrMapOvr>
-    <a:masterClrMapping/>
-  </p:clrMapOvr>
-</p:notes>
-</file>
-
 <file path=ppt/notesSlides/notesSlide6.xml><?xml version="1.0" encoding="utf-8"?>
 <p:notes xmlns:a="http://schemas.openxmlformats.org/drawingml/2006/main" xmlns:r="http://schemas.openxmlformats.org/officeDocument/2006/relationships" xmlns:p="http://schemas.openxmlformats.org/presentationml/2006/main">
   <p:cSld>
@@ -5745,93 +5568,6 @@
             <a:fld id="{A73D6722-9B4D-4E29-B226-C325925A8118}" type="slidenum">
               <a:rPr lang="en-US" smtClean="0"/>
               <a:t>6</a:t>
-            </a:fld>
-            <a:endParaRPr lang="en-US" dirty="0"/>
-          </a:p>
-        </p:txBody>
-      </p:sp>
-    </p:spTree>
-    <p:extLst>
-      <p:ext uri="{BB962C8B-B14F-4D97-AF65-F5344CB8AC3E}">
-        <p14:creationId xmlns:p14="http://schemas.microsoft.com/office/powerpoint/2010/main" val="2124979669"/>
-      </p:ext>
-    </p:extLst>
-  </p:cSld>
-  <p:clrMapOvr>
-    <a:masterClrMapping/>
-  </p:clrMapOvr>
-</p:notes>
-</file>
-
-<file path=ppt/notesSlides/notesSlide60.xml><?xml version="1.0" encoding="utf-8"?>
-<p:notes xmlns:a="http://schemas.openxmlformats.org/drawingml/2006/main" xmlns:r="http://schemas.openxmlformats.org/officeDocument/2006/relationships" xmlns:p="http://schemas.openxmlformats.org/presentationml/2006/main">
-  <p:cSld>
-    <p:spTree>
-      <p:nvGrpSpPr>
-        <p:cNvPr id="1" name=""/>
-        <p:cNvGrpSpPr/>
-        <p:nvPr/>
-      </p:nvGrpSpPr>
-      <p:grpSpPr>
-        <a:xfrm>
-          <a:off x="0" y="0"/>
-          <a:ext cx="0" cy="0"/>
-          <a:chOff x="0" y="0"/>
-          <a:chExt cx="0" cy="0"/>
-        </a:xfrm>
-      </p:grpSpPr>
-      <p:sp>
-        <p:nvSpPr>
-          <p:cNvPr id="2" name="Slide Image Placeholder 1"/>
-          <p:cNvSpPr>
-            <a:spLocks noGrp="1" noRot="1" noChangeAspect="1"/>
-          </p:cNvSpPr>
-          <p:nvPr>
-            <p:ph type="sldImg"/>
-          </p:nvPr>
-        </p:nvSpPr>
-        <p:spPr/>
-      </p:sp>
-      <p:sp>
-        <p:nvSpPr>
-          <p:cNvPr id="3" name="Notes Placeholder 2"/>
-          <p:cNvSpPr>
-            <a:spLocks noGrp="1"/>
-          </p:cNvSpPr>
-          <p:nvPr>
-            <p:ph type="body" idx="1"/>
-          </p:nvPr>
-        </p:nvSpPr>
-        <p:spPr/>
-        <p:txBody>
-          <a:bodyPr/>
-          <a:lstStyle/>
-          <a:p>
-            <a:pPr defTabSz="931774">
-              <a:defRPr/>
-            </a:pPr>
-            <a:endParaRPr lang="en-US" dirty="0"/>
-          </a:p>
-        </p:txBody>
-      </p:sp>
-      <p:sp>
-        <p:nvSpPr>
-          <p:cNvPr id="4" name="Slide Number Placeholder 3"/>
-          <p:cNvSpPr>
-            <a:spLocks noGrp="1"/>
-          </p:cNvSpPr>
-          <p:nvPr>
-            <p:ph type="sldNum" sz="quarter" idx="10"/>
-          </p:nvPr>
-        </p:nvSpPr>
-        <p:spPr/>
-        <p:txBody>
-          <a:bodyPr/>
-          <a:lstStyle/>
-          <a:p>
-            <a:fld id="{A73D6722-9B4D-4E29-B226-C325925A8118}" type="slidenum">
-              <a:rPr lang="en-US" smtClean="0"/>
-              <a:t>60</a:t>
             </a:fld>
             <a:endParaRPr lang="en-US" dirty="0"/>
           </a:p>
@@ -6375,7 +6111,7 @@
           <a:p>
             <a:fld id="{A9DF6EFB-3F44-496C-A842-1E0B3D3B975A}" type="datetimeFigureOut">
               <a:rPr lang="en-US" smtClean="0"/>
-              <a:t>11/15/21</a:t>
+              <a:t>11/22/21</a:t>
             </a:fld>
             <a:endParaRPr lang="en-US" dirty="0"/>
           </a:p>
@@ -6743,7 +6479,7 @@
           <a:p>
             <a:fld id="{A9DF6EFB-3F44-496C-A842-1E0B3D3B975A}" type="datetimeFigureOut">
               <a:rPr lang="en-US" smtClean="0"/>
-              <a:t>11/15/21</a:t>
+              <a:t>11/22/21</a:t>
             </a:fld>
             <a:endParaRPr lang="en-US" dirty="0"/>
           </a:p>
@@ -7090,7 +6826,7 @@
           <a:p>
             <a:fld id="{A9DF6EFB-3F44-496C-A842-1E0B3D3B975A}" type="datetimeFigureOut">
               <a:rPr lang="en-US" smtClean="0"/>
-              <a:t>11/15/21</a:t>
+              <a:t>11/22/21</a:t>
             </a:fld>
             <a:endParaRPr lang="en-US" dirty="0"/>
           </a:p>
@@ -7433,7 +7169,7 @@
           <a:p>
             <a:fld id="{A9DF6EFB-3F44-496C-A842-1E0B3D3B975A}" type="datetimeFigureOut">
               <a:rPr lang="en-US" smtClean="0"/>
-              <a:t>11/15/21</a:t>
+              <a:t>11/22/21</a:t>
             </a:fld>
             <a:endParaRPr lang="en-US" dirty="0"/>
           </a:p>
@@ -7555,7 +7291,7 @@
           <a:p>
             <a:fld id="{A9DF6EFB-3F44-496C-A842-1E0B3D3B975A}" type="datetimeFigureOut">
               <a:rPr lang="en-US" smtClean="0"/>
-              <a:t>11/15/21</a:t>
+              <a:t>11/22/21</a:t>
             </a:fld>
             <a:endParaRPr lang="en-US" dirty="0"/>
           </a:p>
@@ -7664,7 +7400,7 @@
             <a:fld id="{A9DF6EFB-3F44-496C-A842-1E0B3D3B975A}" type="datetimeFigureOut">
               <a:rPr lang="en-US" smtClean="0"/>
               <a:pPr/>
-              <a:t>11/15/21</a:t>
+              <a:t>11/22/21</a:t>
             </a:fld>
             <a:endParaRPr lang="en-US" dirty="0"/>
           </a:p>
@@ -8660,7 +8396,7 @@
             <a:fld id="{A9DF6EFB-3F44-496C-A842-1E0B3D3B975A}" type="datetimeFigureOut">
               <a:rPr lang="en-US" smtClean="0"/>
               <a:pPr/>
-              <a:t>11/15/21</a:t>
+              <a:t>11/22/21</a:t>
             </a:fld>
             <a:endParaRPr lang="en-US" dirty="0"/>
           </a:p>
@@ -9049,7 +8785,7 @@
             <a:fld id="{A9DF6EFB-3F44-496C-A842-1E0B3D3B975A}" type="datetimeFigureOut">
               <a:rPr lang="en-US" smtClean="0"/>
               <a:pPr/>
-              <a:t>11/15/21</a:t>
+              <a:t>11/22/21</a:t>
             </a:fld>
             <a:endParaRPr lang="en-US" dirty="0"/>
           </a:p>
@@ -9319,7 +9055,7 @@
             <a:fld id="{A9DF6EFB-3F44-496C-A842-1E0B3D3B975A}" type="datetimeFigureOut">
               <a:rPr lang="en-US" smtClean="0"/>
               <a:pPr/>
-              <a:t>11/15/21</a:t>
+              <a:t>11/22/21</a:t>
             </a:fld>
             <a:endParaRPr lang="en-US" dirty="0"/>
           </a:p>
@@ -9582,7 +9318,7 @@
           <a:p>
             <a:fld id="{A9DF6EFB-3F44-496C-A842-1E0B3D3B975A}" type="datetimeFigureOut">
               <a:rPr lang="en-US" smtClean="0"/>
-              <a:t>11/15/21</a:t>
+              <a:t>11/22/21</a:t>
             </a:fld>
             <a:endParaRPr lang="en-US" dirty="0"/>
           </a:p>
@@ -9818,7 +9554,7 @@
             <a:fld id="{A9DF6EFB-3F44-496C-A842-1E0B3D3B975A}" type="datetimeFigureOut">
               <a:rPr lang="en-US" smtClean="0"/>
               <a:pPr/>
-              <a:t>11/15/21</a:t>
+              <a:t>11/22/21</a:t>
             </a:fld>
             <a:endParaRPr lang="en-US" dirty="0"/>
           </a:p>
@@ -10195,7 +9931,7 @@
           <a:p>
             <a:fld id="{A9DF6EFB-3F44-496C-A842-1E0B3D3B975A}" type="datetimeFigureOut">
               <a:rPr lang="en-US" smtClean="0"/>
-              <a:t>11/15/21</a:t>
+              <a:t>11/22/21</a:t>
             </a:fld>
             <a:endParaRPr lang="en-US" dirty="0"/>
           </a:p>
@@ -10821,7 +10557,7 @@
           <a:p>
             <a:fld id="{A9DF6EFB-3F44-496C-A842-1E0B3D3B975A}" type="datetimeFigureOut">
               <a:rPr lang="en-US" smtClean="0"/>
-              <a:t>11/15/21</a:t>
+              <a:t>11/22/21</a:t>
             </a:fld>
             <a:endParaRPr lang="en-US" dirty="0"/>
           </a:p>
@@ -11951,7 +11687,7 @@
           <a:p>
             <a:fld id="{A9DF6EFB-3F44-496C-A842-1E0B3D3B975A}" type="datetimeFigureOut">
               <a:rPr lang="en-US" smtClean="0"/>
-              <a:t>11/15/21</a:t>
+              <a:t>11/22/21</a:t>
             </a:fld>
             <a:endParaRPr lang="en-US" dirty="0"/>
           </a:p>
@@ -12212,7 +11948,7 @@
             <a:fld id="{A9DF6EFB-3F44-496C-A842-1E0B3D3B975A}" type="datetimeFigureOut">
               <a:rPr lang="en-US" smtClean="0"/>
               <a:pPr/>
-              <a:t>11/15/21</a:t>
+              <a:t>11/22/21</a:t>
             </a:fld>
             <a:endParaRPr lang="en-US" dirty="0"/>
           </a:p>
@@ -12945,7 +12681,13 @@
               <a:rPr lang="en-US" sz="3600" dirty="0">
                 <a:latin typeface="+mj-lt"/>
               </a:rPr>
-              <a:t>Data Mining versus Text Mining</a:t>
+              <a:t>Text Mining Terminology </a:t>
+            </a:r>
+            <a:r>
+              <a:rPr lang="en-US" sz="2800" dirty="0">
+                <a:latin typeface="+mj-lt"/>
+              </a:rPr>
+              <a:t>(1 of 2)</a:t>
             </a:r>
           </a:p>
         </p:txBody>
@@ -12963,7 +12705,7 @@
         <p:spPr>
           <a:xfrm>
             <a:off x="457200" y="990600"/>
-            <a:ext cx="8153400" cy="4131900"/>
+            <a:ext cx="8153400" cy="4301177"/>
           </a:xfrm>
         </p:spPr>
         <p:txBody>
@@ -12972,88 +12714,107 @@
           </a:bodyPr>
           <a:lstStyle/>
           <a:p>
-            <a:r>
-              <a:rPr lang="en-US" sz="2400" dirty="0"/>
-              <a:t>Both seek for novel and useful patterns</a:t>
-            </a:r>
-          </a:p>
-          <a:p>
-            <a:r>
-              <a:rPr lang="en-US" sz="2400" dirty="0"/>
-              <a:t>Both are semi-automated processes</a:t>
-            </a:r>
-          </a:p>
-          <a:p>
-            <a:r>
-              <a:rPr lang="en-US" sz="2400" dirty="0"/>
-              <a:t>Difference is the nature of the data: </a:t>
-            </a:r>
-          </a:p>
-          <a:p>
-            <a:pPr marL="790575" lvl="1" indent="-342900"/>
-            <a:r>
-              <a:rPr lang="en-US" sz="2400" dirty="0"/>
-              <a:t>Structured versus unstructured data</a:t>
-            </a:r>
-          </a:p>
-          <a:p>
-            <a:pPr marL="790575" lvl="1" indent="-342900"/>
-            <a:r>
-              <a:rPr lang="en-US" sz="2400" dirty="0">
-                <a:solidFill>
-                  <a:schemeClr val="bg2"/>
-                </a:solidFill>
-              </a:rPr>
-              <a:t>Structured data: </a:t>
-            </a:r>
-            <a:r>
-              <a:rPr lang="en-US" sz="2400" dirty="0"/>
-              <a:t>in databases</a:t>
-            </a:r>
-          </a:p>
-          <a:p>
-            <a:pPr marL="790575" lvl="1" indent="-342900"/>
-            <a:r>
-              <a:rPr lang="en-US" sz="2400" dirty="0">
-                <a:solidFill>
-                  <a:schemeClr val="bg2"/>
-                </a:solidFill>
-              </a:rPr>
-              <a:t>Unstructured data: </a:t>
-            </a:r>
-            <a:r>
-              <a:rPr lang="en-US" sz="2400" dirty="0"/>
-              <a:t>Word documents, </a:t>
-            </a:r>
-            <a:r>
-              <a:rPr lang="en-US" sz="2400" spc="-300" dirty="0"/>
-              <a:t>P D </a:t>
-            </a:r>
-            <a:r>
-              <a:rPr lang="en-US" sz="2400" dirty="0"/>
-              <a:t>F files, text excerpts, </a:t>
-            </a:r>
-            <a:r>
-              <a:rPr lang="en-US" sz="2400" spc="-300" dirty="0"/>
-              <a:t>X M </a:t>
-            </a:r>
-            <a:r>
-              <a:rPr lang="en-US" sz="2400" dirty="0"/>
-              <a:t>L files, and so on</a:t>
-            </a:r>
-          </a:p>
-          <a:p>
-            <a:r>
-              <a:rPr lang="en-US" sz="2400" dirty="0">
-                <a:solidFill>
-                  <a:schemeClr val="bg2"/>
-                </a:solidFill>
-              </a:rPr>
-              <a:t>To perform text mining </a:t>
-            </a:r>
-            <a:r>
-              <a:rPr lang="en-US" sz="2400" dirty="0"/>
-              <a:t>– first, impose structure to the data, then mine the structured data. </a:t>
+            <a:pPr>
+              <a:tabLst>
+                <a:tab pos="266700" algn="l"/>
+              </a:tabLst>
+            </a:pPr>
+            <a:r>
+              <a:rPr lang="en-US" sz="2400" dirty="0"/>
+              <a:t>Unstructured or </a:t>
+            </a:r>
+            <a:r>
+              <a:rPr lang="en-US" sz="2400" dirty="0" err="1"/>
+              <a:t>semistructured</a:t>
+            </a:r>
+            <a:r>
+              <a:rPr lang="en-US" sz="2400" dirty="0"/>
+              <a:t> data</a:t>
+            </a:r>
+          </a:p>
+          <a:p>
+            <a:pPr>
+              <a:tabLst>
+                <a:tab pos="266700" algn="l"/>
+              </a:tabLst>
+            </a:pPr>
+            <a:r>
+              <a:rPr lang="en-US" sz="2400" dirty="0"/>
+              <a:t>Corpus (and corpora)</a:t>
+            </a:r>
+          </a:p>
+          <a:p>
+            <a:pPr>
+              <a:tabLst>
+                <a:tab pos="266700" algn="l"/>
+              </a:tabLst>
+            </a:pPr>
+            <a:r>
+              <a:rPr lang="en-US" sz="2400" dirty="0"/>
+              <a:t>Terms</a:t>
+            </a:r>
+          </a:p>
+          <a:p>
+            <a:pPr>
+              <a:tabLst>
+                <a:tab pos="266700" algn="l"/>
+              </a:tabLst>
+            </a:pPr>
+            <a:r>
+              <a:rPr lang="en-US" sz="2400" dirty="0"/>
+              <a:t>Concepts</a:t>
+            </a:r>
+          </a:p>
+          <a:p>
+            <a:pPr>
+              <a:tabLst>
+                <a:tab pos="266700" algn="l"/>
+              </a:tabLst>
+            </a:pPr>
+            <a:r>
+              <a:rPr lang="en-US" sz="2400" dirty="0"/>
+              <a:t>Stemming</a:t>
+            </a:r>
+          </a:p>
+          <a:p>
+            <a:pPr>
+              <a:tabLst>
+                <a:tab pos="266700" algn="l"/>
+              </a:tabLst>
+            </a:pPr>
+            <a:r>
+              <a:rPr lang="en-US" sz="2400" dirty="0"/>
+              <a:t>Stop words (and include words)</a:t>
+            </a:r>
+          </a:p>
+          <a:p>
+            <a:pPr>
+              <a:tabLst>
+                <a:tab pos="266700" algn="l"/>
+              </a:tabLst>
+            </a:pPr>
+            <a:r>
+              <a:rPr lang="en-US" sz="2400" dirty="0"/>
+              <a:t>Synonyms (and </a:t>
+            </a:r>
+            <a:r>
+              <a:rPr lang="en-US" sz="2400" dirty="0" err="1"/>
+              <a:t>polysemes</a:t>
+            </a:r>
+            <a:r>
+              <a:rPr lang="en-US" sz="2400" dirty="0"/>
+              <a:t>)</a:t>
+            </a:r>
+          </a:p>
+          <a:p>
+            <a:pPr>
+              <a:tabLst>
+                <a:tab pos="266700" algn="l"/>
+              </a:tabLst>
+            </a:pPr>
+            <a:r>
+              <a:rPr lang="en-US" sz="2400" dirty="0"/>
+              <a:t>Tokenizing</a:t>
             </a:r>
           </a:p>
         </p:txBody>
@@ -13061,7 +12822,7 @@
     </p:spTree>
     <p:extLst>
       <p:ext uri="{BB962C8B-B14F-4D97-AF65-F5344CB8AC3E}">
-        <p14:creationId xmlns:p14="http://schemas.microsoft.com/office/powerpoint/2010/main" val="2923824914"/>
+        <p14:creationId xmlns:p14="http://schemas.microsoft.com/office/powerpoint/2010/main" val="1074112682"/>
       </p:ext>
     </p:extLst>
   </p:cSld>
@@ -13114,7 +12875,7 @@
               <a:rPr lang="en-US" sz="3600" dirty="0">
                 <a:latin typeface="+mj-lt"/>
               </a:rPr>
-              <a:t>Text Mining Concepts </a:t>
+              <a:t>Text Mining Terminology </a:t>
             </a:r>
             <a:r>
               <a:rPr lang="en-US" sz="2800" dirty="0">
@@ -13122,9 +12883,6 @@
               </a:rPr>
               <a:t>(2 of 2)</a:t>
             </a:r>
-            <a:endParaRPr lang="en-US" sz="3600" dirty="0">
-              <a:latin typeface="+mj-lt"/>
-            </a:endParaRPr>
           </a:p>
         </p:txBody>
       </p:sp>
@@ -13141,7 +12899,7 @@
         <p:spPr>
           <a:xfrm>
             <a:off x="457200" y="990600"/>
-            <a:ext cx="8153400" cy="4562788"/>
+            <a:ext cx="8153400" cy="4070345"/>
           </a:xfrm>
         </p:spPr>
         <p:txBody>
@@ -13152,41 +12910,51 @@
           <a:p>
             <a:r>
               <a:rPr lang="en-US" sz="2400" dirty="0"/>
-              <a:t>Benefits of text mining are obvious especially in text-rich data environments</a:t>
+              <a:t>Term dictionary</a:t>
+            </a:r>
+          </a:p>
+          <a:p>
+            <a:r>
+              <a:rPr lang="en-US" sz="2400" dirty="0"/>
+              <a:t>Word frequency</a:t>
+            </a:r>
+          </a:p>
+          <a:p>
+            <a:r>
+              <a:rPr lang="en-US" sz="2400" dirty="0"/>
+              <a:t>Part-of-speech tagging</a:t>
+            </a:r>
+          </a:p>
+          <a:p>
+            <a:r>
+              <a:rPr lang="en-US" sz="2400" dirty="0"/>
+              <a:t>Morphology</a:t>
+            </a:r>
+          </a:p>
+          <a:p>
+            <a:r>
+              <a:rPr lang="en-US" sz="2400" dirty="0"/>
+              <a:t>Term-by-document matrix</a:t>
             </a:r>
           </a:p>
           <a:p>
             <a:pPr marL="790575" lvl="1" indent="-342900"/>
             <a:r>
               <a:rPr lang="en-US" sz="2400" dirty="0"/>
-              <a:t>e.g., law (court orders), academic research (research articles), finance (quarterly reports), medicine (discharge summaries), biology (molecular interactions), technology (patent files), marketing (customer comments), etc.  </a:t>
-            </a:r>
-          </a:p>
-          <a:p>
-            <a:r>
-              <a:rPr lang="en-US" sz="2400" dirty="0"/>
-              <a:t>Electronic communization records (e.g., Email)</a:t>
+              <a:t>Occurrence matrix</a:t>
+            </a:r>
+          </a:p>
+          <a:p>
+            <a:r>
+              <a:rPr lang="en-US" sz="2400" dirty="0"/>
+              <a:t>Singular value decomposition</a:t>
             </a:r>
           </a:p>
           <a:p>
             <a:pPr marL="790575" lvl="1" indent="-342900"/>
             <a:r>
               <a:rPr lang="en-US" sz="2400" dirty="0"/>
-              <a:t>Spam filtering</a:t>
-            </a:r>
-          </a:p>
-          <a:p>
-            <a:pPr marL="790575" lvl="1" indent="-342900"/>
-            <a:r>
-              <a:rPr lang="en-US" sz="2400" dirty="0"/>
-              <a:t>Email prioritization and categorization</a:t>
-            </a:r>
-          </a:p>
-          <a:p>
-            <a:pPr marL="790575" lvl="1" indent="-342900"/>
-            <a:r>
-              <a:rPr lang="en-US" sz="2400" dirty="0"/>
-              <a:t>Automatic response generation</a:t>
+              <a:t>Latent semantic indexing</a:t>
             </a:r>
           </a:p>
         </p:txBody>
@@ -13194,7 +12962,7 @@
     </p:spTree>
     <p:extLst>
       <p:ext uri="{BB962C8B-B14F-4D97-AF65-F5344CB8AC3E}">
-        <p14:creationId xmlns:p14="http://schemas.microsoft.com/office/powerpoint/2010/main" val="1317946711"/>
+        <p14:creationId xmlns:p14="http://schemas.microsoft.com/office/powerpoint/2010/main" val="3412635352"/>
       </p:ext>
     </p:extLst>
   </p:cSld>
@@ -13233,8 +13001,8 @@
         </p:nvSpPr>
         <p:spPr>
           <a:xfrm>
-            <a:off x="457200" y="82379"/>
-            <a:ext cx="8153400" cy="553998"/>
+            <a:off x="457200" y="62864"/>
+            <a:ext cx="8153400" cy="984886"/>
           </a:xfrm>
         </p:spPr>
         <p:txBody>
@@ -13247,14 +13015,32 @@
               <a:rPr lang="en-US" sz="3600" dirty="0">
                 <a:latin typeface="+mj-lt"/>
               </a:rPr>
-              <a:t>Text Mining Application Area</a:t>
-            </a:r>
-          </a:p>
-        </p:txBody>
-      </p:sp>
-      <p:sp>
-        <p:nvSpPr>
-          <p:cNvPr id="5" name="Content Placeholder 4"/>
+              <a:t>Natural Language Processing (</a:t>
+            </a:r>
+            <a:r>
+              <a:rPr lang="en-US" sz="3600" spc="-450" dirty="0">
+                <a:latin typeface="+mj-lt"/>
+              </a:rPr>
+              <a:t>N L </a:t>
+            </a:r>
+            <a:r>
+              <a:rPr lang="en-US" sz="3600" dirty="0">
+                <a:latin typeface="+mj-lt"/>
+              </a:rPr>
+              <a:t>P) </a:t>
+            </a:r>
+            <a:r>
+              <a:rPr lang="en-US" sz="2800" dirty="0">
+                <a:latin typeface="+mj-lt"/>
+              </a:rPr>
+              <a:t>(1 of 4)</a:t>
+            </a:r>
+          </a:p>
+        </p:txBody>
+      </p:sp>
+      <p:sp>
+        <p:nvSpPr>
+          <p:cNvPr id="3" name="Content Placeholder 2"/>
           <p:cNvSpPr>
             <a:spLocks noGrp="1"/>
           </p:cNvSpPr>
@@ -13264,55 +13050,89 @@
         </p:nvSpPr>
         <p:spPr>
           <a:xfrm>
-            <a:off x="457200" y="990600"/>
-            <a:ext cx="8153400" cy="3739485"/>
+            <a:off x="457200" y="1200150"/>
+            <a:ext cx="8153400" cy="4462760"/>
           </a:xfrm>
         </p:spPr>
         <p:txBody>
-          <a:bodyPr wrap="square">
+          <a:bodyPr>
             <a:spAutoFit/>
           </a:bodyPr>
           <a:lstStyle/>
           <a:p>
-            <a:r>
-              <a:rPr lang="en-US" sz="2400" dirty="0"/>
-              <a:t>Information extraction</a:t>
-            </a:r>
-          </a:p>
-          <a:p>
-            <a:r>
-              <a:rPr lang="en-US" sz="2400" dirty="0"/>
-              <a:t>Topic tracking</a:t>
-            </a:r>
-          </a:p>
-          <a:p>
-            <a:r>
-              <a:rPr lang="en-US" sz="2400" dirty="0"/>
-              <a:t>Summarization</a:t>
-            </a:r>
-          </a:p>
-          <a:p>
-            <a:r>
-              <a:rPr lang="en-US" sz="2400" dirty="0"/>
-              <a:t>Categorization</a:t>
-            </a:r>
-          </a:p>
-          <a:p>
-            <a:r>
-              <a:rPr lang="en-US" sz="2400" dirty="0"/>
-              <a:t>Clustering</a:t>
-            </a:r>
-          </a:p>
-          <a:p>
-            <a:r>
-              <a:rPr lang="en-US" sz="2400" dirty="0"/>
-              <a:t>Concept linking</a:t>
-            </a:r>
-          </a:p>
-          <a:p>
-            <a:r>
-              <a:rPr lang="en-US" sz="2400" dirty="0"/>
-              <a:t>Question answering</a:t>
+            <a:pPr marL="266700" indent="-266700"/>
+            <a:r>
+              <a:rPr lang="en-US" sz="2400" dirty="0"/>
+              <a:t>Structuring a collection of text</a:t>
+            </a:r>
+          </a:p>
+          <a:p>
+            <a:pPr marL="714375" lvl="1" indent="-266700"/>
+            <a:r>
+              <a:rPr lang="en-US" sz="2400" dirty="0">
+                <a:solidFill>
+                  <a:schemeClr val="bg2"/>
+                </a:solidFill>
+              </a:rPr>
+              <a:t>Old approach:</a:t>
+            </a:r>
+            <a:r>
+              <a:rPr lang="en-US" sz="2400" dirty="0"/>
+              <a:t> bag-of-words</a:t>
+            </a:r>
+          </a:p>
+          <a:p>
+            <a:pPr marL="714375" lvl="1" indent="-266700"/>
+            <a:r>
+              <a:rPr lang="en-US" sz="2400" dirty="0">
+                <a:solidFill>
+                  <a:schemeClr val="bg2"/>
+                </a:solidFill>
+              </a:rPr>
+              <a:t>New approach:</a:t>
+            </a:r>
+            <a:r>
+              <a:rPr lang="en-US" sz="2400" dirty="0"/>
+              <a:t> natural language processing</a:t>
+            </a:r>
+          </a:p>
+          <a:p>
+            <a:pPr marL="266700" indent="-266700"/>
+            <a:r>
+              <a:rPr lang="en-US" sz="2400" spc="-300" dirty="0"/>
+              <a:t>N L </a:t>
+            </a:r>
+            <a:r>
+              <a:rPr lang="en-US" sz="2400" dirty="0"/>
+              <a:t>P is …</a:t>
+            </a:r>
+          </a:p>
+          <a:p>
+            <a:pPr marL="714375" lvl="1" indent="-266700"/>
+            <a:r>
+              <a:rPr lang="en-US" sz="2400" dirty="0"/>
+              <a:t>a very important concept in text mining</a:t>
+            </a:r>
+          </a:p>
+          <a:p>
+            <a:pPr marL="714375" lvl="1" indent="-266700"/>
+            <a:r>
+              <a:rPr lang="en-US" sz="2400" dirty="0"/>
+              <a:t>a subfield of artificial intelligence and computational linguistics</a:t>
+            </a:r>
+          </a:p>
+          <a:p>
+            <a:pPr marL="714375" lvl="1" indent="-266700"/>
+            <a:r>
+              <a:rPr lang="en-US" sz="2400" dirty="0"/>
+              <a:t>the studies of "understanding" the natural human language</a:t>
+            </a:r>
+          </a:p>
+          <a:p>
+            <a:pPr marL="266700" indent="-266700"/>
+            <a:r>
+              <a:rPr lang="en-US" sz="2400" dirty="0"/>
+              <a:t>Syntax- versus semantics-based text mining</a:t>
             </a:r>
           </a:p>
         </p:txBody>
@@ -13320,7 +13140,7 @@
     </p:spTree>
     <p:extLst>
       <p:ext uri="{BB962C8B-B14F-4D97-AF65-F5344CB8AC3E}">
-        <p14:creationId xmlns:p14="http://schemas.microsoft.com/office/powerpoint/2010/main" val="3673619111"/>
+        <p14:creationId xmlns:p14="http://schemas.microsoft.com/office/powerpoint/2010/main" val="2309004663"/>
       </p:ext>
     </p:extLst>
   </p:cSld>
@@ -13359,8 +13179,8 @@
         </p:nvSpPr>
         <p:spPr>
           <a:xfrm>
-            <a:off x="457200" y="82379"/>
-            <a:ext cx="8153400" cy="553998"/>
+            <a:off x="457200" y="66675"/>
+            <a:ext cx="8153400" cy="984885"/>
           </a:xfrm>
         </p:spPr>
         <p:txBody>
@@ -13373,20 +13193,32 @@
               <a:rPr lang="en-US" sz="3600" dirty="0">
                 <a:latin typeface="+mj-lt"/>
               </a:rPr>
-              <a:t>Text Mining Terminology </a:t>
+              <a:t>Natural Language Processing (</a:t>
+            </a:r>
+            <a:r>
+              <a:rPr lang="en-US" sz="3600" spc="-450" dirty="0">
+                <a:latin typeface="+mj-lt"/>
+              </a:rPr>
+              <a:t>N L </a:t>
+            </a:r>
+            <a:r>
+              <a:rPr lang="en-US" sz="3600" dirty="0">
+                <a:latin typeface="+mj-lt"/>
+              </a:rPr>
+              <a:t>P) </a:t>
             </a:r>
             <a:r>
               <a:rPr lang="en-US" sz="2800" dirty="0">
                 <a:latin typeface="+mj-lt"/>
               </a:rPr>
-              <a:t>(1 of 2)</a:t>
-            </a:r>
-          </a:p>
-        </p:txBody>
-      </p:sp>
-      <p:sp>
-        <p:nvSpPr>
-          <p:cNvPr id="5" name="Content Placeholder 4"/>
+              <a:t>(2 of 4)</a:t>
+            </a:r>
+          </a:p>
+        </p:txBody>
+      </p:sp>
+      <p:sp>
+        <p:nvSpPr>
+          <p:cNvPr id="3" name="Content Placeholder 2"/>
           <p:cNvSpPr>
             <a:spLocks noGrp="1"/>
           </p:cNvSpPr>
@@ -13396,117 +13228,56 @@
         </p:nvSpPr>
         <p:spPr>
           <a:xfrm>
-            <a:off x="457200" y="990600"/>
-            <a:ext cx="8153400" cy="4301177"/>
+            <a:off x="457200" y="1200150"/>
+            <a:ext cx="8153400" cy="2893100"/>
           </a:xfrm>
         </p:spPr>
         <p:txBody>
-          <a:bodyPr wrap="square">
+          <a:bodyPr>
             <a:spAutoFit/>
           </a:bodyPr>
           <a:lstStyle/>
           <a:p>
-            <a:pPr>
-              <a:tabLst>
-                <a:tab pos="266700" algn="l"/>
-              </a:tabLst>
-            </a:pPr>
-            <a:r>
-              <a:rPr lang="en-US" sz="2400" dirty="0"/>
-              <a:t>Unstructured or </a:t>
-            </a:r>
-            <a:r>
-              <a:rPr lang="en-US" sz="2400" dirty="0" err="1"/>
-              <a:t>semistructured</a:t>
-            </a:r>
-            <a:r>
-              <a:rPr lang="en-US" sz="2400" dirty="0"/>
-              <a:t> data</a:t>
-            </a:r>
-          </a:p>
-          <a:p>
-            <a:pPr>
-              <a:tabLst>
-                <a:tab pos="266700" algn="l"/>
-              </a:tabLst>
-            </a:pPr>
-            <a:r>
-              <a:rPr lang="en-US" sz="2400" dirty="0"/>
-              <a:t>Corpus (and corpora)</a:t>
-            </a:r>
-          </a:p>
-          <a:p>
-            <a:pPr>
-              <a:tabLst>
-                <a:tab pos="266700" algn="l"/>
-              </a:tabLst>
-            </a:pPr>
-            <a:r>
-              <a:rPr lang="en-US" sz="2400" dirty="0"/>
-              <a:t>Terms</a:t>
-            </a:r>
-          </a:p>
-          <a:p>
-            <a:pPr>
-              <a:tabLst>
-                <a:tab pos="266700" algn="l"/>
-              </a:tabLst>
-            </a:pPr>
-            <a:r>
-              <a:rPr lang="en-US" sz="2400" dirty="0"/>
-              <a:t>Concepts</a:t>
-            </a:r>
-          </a:p>
-          <a:p>
-            <a:pPr>
-              <a:tabLst>
-                <a:tab pos="266700" algn="l"/>
-              </a:tabLst>
-            </a:pPr>
-            <a:r>
-              <a:rPr lang="en-US" sz="2400" dirty="0"/>
-              <a:t>Stemming</a:t>
-            </a:r>
-          </a:p>
-          <a:p>
-            <a:pPr>
-              <a:tabLst>
-                <a:tab pos="266700" algn="l"/>
-              </a:tabLst>
-            </a:pPr>
-            <a:r>
-              <a:rPr lang="en-US" sz="2400" dirty="0"/>
-              <a:t>Stop words (and include words)</a:t>
-            </a:r>
-          </a:p>
-          <a:p>
-            <a:pPr>
-              <a:tabLst>
-                <a:tab pos="266700" algn="l"/>
-              </a:tabLst>
-            </a:pPr>
-            <a:r>
-              <a:rPr lang="en-US" sz="2400" dirty="0"/>
-              <a:t>Synonyms (and </a:t>
-            </a:r>
-            <a:r>
-              <a:rPr lang="en-US" sz="2400" dirty="0" err="1"/>
-              <a:t>polysemes</a:t>
-            </a:r>
-            <a:r>
-              <a:rPr lang="en-US" sz="2400" dirty="0"/>
-              <a:t>)</a:t>
-            </a:r>
-          </a:p>
-          <a:p>
-            <a:pPr>
-              <a:tabLst>
-                <a:tab pos="266700" algn="l"/>
-              </a:tabLst>
-            </a:pPr>
-            <a:r>
-              <a:rPr lang="en-US" sz="2400" dirty="0"/>
-              <a:t>Tokenizing</a:t>
+            <a:pPr marL="266700" indent="-266700"/>
+            <a:r>
+              <a:rPr lang="en-US" sz="2400" dirty="0"/>
+              <a:t>What is “Understanding” ?</a:t>
+            </a:r>
+          </a:p>
+          <a:p>
+            <a:pPr marL="714375" lvl="1" indent="-266700"/>
+            <a:r>
+              <a:rPr lang="en-US" sz="2400" dirty="0"/>
+              <a:t>Human understands, what about computers?</a:t>
+            </a:r>
+          </a:p>
+          <a:p>
+            <a:pPr marL="714375" lvl="1" indent="-266700"/>
+            <a:r>
+              <a:rPr lang="en-US" sz="2400" dirty="0"/>
+              <a:t>Natural language is vague, context driven</a:t>
+            </a:r>
+          </a:p>
+          <a:p>
+            <a:pPr marL="714375" lvl="1" indent="-266700"/>
+            <a:r>
+              <a:rPr lang="en-US" sz="2400" dirty="0"/>
+              <a:t>True understanding requires extensive knowledge of a topic</a:t>
+            </a:r>
+          </a:p>
+          <a:p>
+            <a:pPr marL="714375" lvl="1" indent="-266700"/>
+            <a:r>
+              <a:rPr lang="en-US" sz="2400" dirty="0">
+                <a:solidFill>
+                  <a:schemeClr val="bg2"/>
+                </a:solidFill>
+              </a:rPr>
+              <a:t>Can/will computers ever understand natural language the same/accurate way we do</a:t>
+            </a:r>
+            <a:r>
+              <a:rPr lang="en-US" sz="2400" dirty="0"/>
+              <a:t>?</a:t>
             </a:r>
           </a:p>
         </p:txBody>
@@ -13514,7 +13285,7 @@
     </p:spTree>
     <p:extLst>
       <p:ext uri="{BB962C8B-B14F-4D97-AF65-F5344CB8AC3E}">
-        <p14:creationId xmlns:p14="http://schemas.microsoft.com/office/powerpoint/2010/main" val="1074112682"/>
+        <p14:creationId xmlns:p14="http://schemas.microsoft.com/office/powerpoint/2010/main" val="1599712951"/>
       </p:ext>
     </p:extLst>
   </p:cSld>
@@ -13553,8 +13324,8 @@
         </p:nvSpPr>
         <p:spPr>
           <a:xfrm>
-            <a:off x="457200" y="82379"/>
-            <a:ext cx="8153400" cy="553998"/>
+            <a:off x="457200" y="80117"/>
+            <a:ext cx="8153400" cy="984885"/>
           </a:xfrm>
         </p:spPr>
         <p:txBody>
@@ -13567,20 +13338,36 @@
               <a:rPr lang="en-US" sz="3600" dirty="0">
                 <a:latin typeface="+mj-lt"/>
               </a:rPr>
-              <a:t>Text Mining Terminology </a:t>
+              <a:t>Natural Language Processing (</a:t>
+            </a:r>
+            <a:r>
+              <a:rPr lang="en-US" sz="3600" spc="-500" dirty="0">
+                <a:latin typeface="+mj-lt"/>
+              </a:rPr>
+              <a:t>N L </a:t>
+            </a:r>
+            <a:r>
+              <a:rPr lang="en-US" sz="3600" dirty="0">
+                <a:latin typeface="+mj-lt"/>
+              </a:rPr>
+              <a:t>P)</a:t>
+            </a:r>
+            <a:r>
+              <a:rPr lang="en-US" sz="3600" dirty="0"/>
+              <a:t> </a:t>
             </a:r>
             <a:r>
               <a:rPr lang="en-US" sz="2800" dirty="0">
                 <a:latin typeface="+mj-lt"/>
               </a:rPr>
-              <a:t>(2 of 2)</a:t>
-            </a:r>
-          </a:p>
-        </p:txBody>
-      </p:sp>
-      <p:sp>
-        <p:nvSpPr>
-          <p:cNvPr id="5" name="Content Placeholder 4"/>
+              <a:t>(3 of 4)</a:t>
+            </a:r>
+          </a:p>
+        </p:txBody>
+      </p:sp>
+      <p:sp>
+        <p:nvSpPr>
+          <p:cNvPr id="3" name="Content Placeholder 2"/>
           <p:cNvSpPr>
             <a:spLocks noGrp="1"/>
           </p:cNvSpPr>
@@ -13590,63 +13377,92 @@
         </p:nvSpPr>
         <p:spPr>
           <a:xfrm>
-            <a:off x="457200" y="990600"/>
-            <a:ext cx="8153400" cy="4070345"/>
+            <a:off x="457200" y="1200150"/>
+            <a:ext cx="8153400" cy="4462760"/>
           </a:xfrm>
         </p:spPr>
         <p:txBody>
-          <a:bodyPr wrap="square">
+          <a:bodyPr>
             <a:spAutoFit/>
           </a:bodyPr>
           <a:lstStyle/>
           <a:p>
-            <a:r>
-              <a:rPr lang="en-US" sz="2400" dirty="0"/>
-              <a:t>Term dictionary</a:t>
-            </a:r>
-          </a:p>
-          <a:p>
-            <a:r>
-              <a:rPr lang="en-US" sz="2400" dirty="0"/>
-              <a:t>Word frequency</a:t>
-            </a:r>
-          </a:p>
-          <a:p>
-            <a:r>
-              <a:rPr lang="en-US" sz="2400" dirty="0"/>
-              <a:t>Part-of-speech tagging</a:t>
-            </a:r>
-          </a:p>
-          <a:p>
-            <a:r>
-              <a:rPr lang="en-US" sz="2400" dirty="0"/>
-              <a:t>Morphology</a:t>
-            </a:r>
-          </a:p>
-          <a:p>
-            <a:r>
-              <a:rPr lang="en-US" sz="2400" dirty="0"/>
-              <a:t>Term-by-document matrix</a:t>
-            </a:r>
-          </a:p>
-          <a:p>
-            <a:pPr marL="790575" lvl="1" indent="-342900"/>
-            <a:r>
-              <a:rPr lang="en-US" sz="2400" dirty="0"/>
-              <a:t>Occurrence matrix</a:t>
-            </a:r>
-          </a:p>
-          <a:p>
-            <a:r>
-              <a:rPr lang="en-US" sz="2400" dirty="0"/>
-              <a:t>Singular value decomposition</a:t>
-            </a:r>
-          </a:p>
-          <a:p>
-            <a:pPr marL="790575" lvl="1" indent="-342900"/>
-            <a:r>
-              <a:rPr lang="en-US" sz="2400" dirty="0"/>
-              <a:t>Latent semantic indexing</a:t>
+            <a:pPr marL="266700" indent="-266700"/>
+            <a:r>
+              <a:rPr lang="en-US" sz="2400" dirty="0"/>
+              <a:t>Challenges in </a:t>
+            </a:r>
+            <a:r>
+              <a:rPr lang="en-US" sz="2400" spc="-300" dirty="0"/>
+              <a:t>N L </a:t>
+            </a:r>
+            <a:r>
+              <a:rPr lang="en-US" sz="2400" dirty="0"/>
+              <a:t>P</a:t>
+            </a:r>
+          </a:p>
+          <a:p>
+            <a:pPr marL="714375" lvl="1" indent="-266700"/>
+            <a:r>
+              <a:rPr lang="en-US" sz="2400" dirty="0"/>
+              <a:t>Part-of-speech tagging	</a:t>
+            </a:r>
+          </a:p>
+          <a:p>
+            <a:pPr marL="714375" lvl="1" indent="-266700"/>
+            <a:r>
+              <a:rPr lang="en-US" sz="2400" dirty="0"/>
+              <a:t>Text segmentation</a:t>
+            </a:r>
+          </a:p>
+          <a:p>
+            <a:pPr marL="714375" lvl="1" indent="-266700"/>
+            <a:r>
+              <a:rPr lang="en-US" sz="2400" dirty="0"/>
+              <a:t>Word sense disambiguation	</a:t>
+            </a:r>
+          </a:p>
+          <a:p>
+            <a:pPr marL="714375" lvl="1" indent="-266700"/>
+            <a:r>
+              <a:rPr lang="en-US" sz="2400" dirty="0"/>
+              <a:t>Syntax ambiguity</a:t>
+            </a:r>
+          </a:p>
+          <a:p>
+            <a:pPr marL="714375" lvl="1" indent="-266700"/>
+            <a:r>
+              <a:rPr lang="en-US" sz="2400" dirty="0"/>
+              <a:t>Imperfect or irregular input</a:t>
+            </a:r>
+          </a:p>
+          <a:p>
+            <a:pPr marL="714375" lvl="1" indent="-266700"/>
+            <a:r>
+              <a:rPr lang="en-US" sz="2400" dirty="0"/>
+              <a:t>Speech acts</a:t>
+            </a:r>
+          </a:p>
+          <a:p>
+            <a:pPr marL="266700" indent="-266700"/>
+            <a:r>
+              <a:rPr lang="en-US" sz="2400" dirty="0"/>
+              <a:t>Dream of </a:t>
+            </a:r>
+            <a:r>
+              <a:rPr lang="en-US" sz="2400" spc="-300" dirty="0"/>
+              <a:t>A </a:t>
+            </a:r>
+            <a:r>
+              <a:rPr lang="en-US" sz="2400" dirty="0"/>
+              <a:t>I community </a:t>
+            </a:r>
+          </a:p>
+          <a:p>
+            <a:pPr marL="714375" lvl="1" indent="-266700"/>
+            <a:r>
+              <a:rPr lang="en-US" sz="2400" dirty="0"/>
+              <a:t>to have algorithms that are capable of automatically reading and obtaining knowledge from text</a:t>
             </a:r>
           </a:p>
         </p:txBody>
@@ -13654,7 +13470,7 @@
     </p:spTree>
     <p:extLst>
       <p:ext uri="{BB962C8B-B14F-4D97-AF65-F5344CB8AC3E}">
-        <p14:creationId xmlns:p14="http://schemas.microsoft.com/office/powerpoint/2010/main" val="3412635352"/>
+        <p14:creationId xmlns:p14="http://schemas.microsoft.com/office/powerpoint/2010/main" val="2473835415"/>
       </p:ext>
     </p:extLst>
   </p:cSld>
@@ -13693,8 +13509,8 @@
         </p:nvSpPr>
         <p:spPr>
           <a:xfrm>
-            <a:off x="457200" y="62864"/>
-            <a:ext cx="8153400" cy="984886"/>
+            <a:off x="457200" y="80117"/>
+            <a:ext cx="8153400" cy="984885"/>
           </a:xfrm>
         </p:spPr>
         <p:txBody>
@@ -13710,7 +13526,7 @@
               <a:t>Natural Language Processing (</a:t>
             </a:r>
             <a:r>
-              <a:rPr lang="en-US" sz="3600" spc="-450" dirty="0">
+              <a:rPr lang="en-US" sz="3600" spc="-500" dirty="0">
                 <a:latin typeface="+mj-lt"/>
               </a:rPr>
               <a:t>N L </a:t>
@@ -13719,13 +13535,17 @@
               <a:rPr lang="en-US" sz="3600" dirty="0">
                 <a:latin typeface="+mj-lt"/>
               </a:rPr>
-              <a:t>P) </a:t>
+              <a:t>P)</a:t>
+            </a:r>
+            <a:r>
+              <a:rPr lang="en-US" sz="3600" dirty="0"/>
+              <a:t> </a:t>
             </a:r>
             <a:r>
               <a:rPr lang="en-US" sz="2800" dirty="0">
                 <a:latin typeface="+mj-lt"/>
               </a:rPr>
-              <a:t>(1 of 4)</a:t>
+              <a:t>(4 of 4)</a:t>
             </a:r>
           </a:p>
         </p:txBody>
@@ -13742,8 +13562,8 @@
         </p:nvSpPr>
         <p:spPr>
           <a:xfrm>
-            <a:off x="457200" y="1200150"/>
-            <a:ext cx="8153400" cy="4462760"/>
+            <a:off x="457200" y="1190625"/>
+            <a:ext cx="8153400" cy="4270400"/>
           </a:xfrm>
         </p:spPr>
         <p:txBody>
@@ -13754,85 +13574,68 @@
           <a:p>
             <a:pPr marL="266700" indent="-266700"/>
             <a:r>
-              <a:rPr lang="en-US" sz="2400" dirty="0"/>
-              <a:t>Structuring a collection of text</a:t>
-            </a:r>
+              <a:rPr lang="en-US" sz="2400" dirty="0" err="1"/>
+              <a:t>WordNet</a:t>
+            </a:r>
+            <a:endParaRPr lang="en-US" sz="2400" dirty="0"/>
           </a:p>
           <a:p>
             <a:pPr marL="714375" lvl="1" indent="-266700"/>
             <a:r>
-              <a:rPr lang="en-US" sz="2400" dirty="0">
-                <a:solidFill>
-                  <a:schemeClr val="bg2"/>
-                </a:solidFill>
-              </a:rPr>
-              <a:t>Old approach:</a:t>
-            </a:r>
-            <a:r>
-              <a:rPr lang="en-US" sz="2400" dirty="0"/>
-              <a:t> bag-of-words</a:t>
+              <a:rPr lang="en-US" sz="2400" dirty="0"/>
+              <a:t>A laboriously hand-coded database of English words, their definitions, sets of synonyms, and various semantic relations between synonym sets.</a:t>
             </a:r>
           </a:p>
           <a:p>
             <a:pPr marL="714375" lvl="1" indent="-266700"/>
             <a:r>
-              <a:rPr lang="en-US" sz="2400" dirty="0">
-                <a:solidFill>
-                  <a:schemeClr val="bg2"/>
-                </a:solidFill>
-              </a:rPr>
-              <a:t>New approach:</a:t>
-            </a:r>
-            <a:r>
-              <a:rPr lang="en-US" sz="2400" dirty="0"/>
-              <a:t> natural language processing</a:t>
-            </a:r>
-          </a:p>
-          <a:p>
-            <a:pPr marL="266700" indent="-266700"/>
+              <a:rPr lang="en-US" sz="2400" dirty="0"/>
+              <a:t>A major resource for </a:t>
+            </a:r>
             <a:r>
               <a:rPr lang="en-US" sz="2400" spc="-300" dirty="0"/>
               <a:t>N L </a:t>
             </a:r>
             <a:r>
               <a:rPr lang="en-US" sz="2400" dirty="0"/>
-              <a:t>P is …</a:t>
+              <a:t>P.</a:t>
             </a:r>
           </a:p>
           <a:p>
             <a:pPr marL="714375" lvl="1" indent="-266700"/>
             <a:r>
               <a:rPr lang="en-US" sz="2400" dirty="0"/>
-              <a:t>a very important concept in text mining</a:t>
+              <a:t>Need automation to be completed.</a:t>
+            </a:r>
+          </a:p>
+          <a:p>
+            <a:pPr marL="266700" indent="-266700"/>
+            <a:r>
+              <a:rPr lang="en-US" sz="2400" dirty="0"/>
+              <a:t>Sentiment Analysis</a:t>
             </a:r>
           </a:p>
           <a:p>
             <a:pPr marL="714375" lvl="1" indent="-266700"/>
             <a:r>
               <a:rPr lang="en-US" sz="2400" dirty="0"/>
-              <a:t>a subfield of artificial intelligence and computational linguistics</a:t>
+              <a:t>A technique used to detect favorable and unfavorable opinions toward specific products and services </a:t>
             </a:r>
           </a:p>
           <a:p>
             <a:pPr marL="714375" lvl="1" indent="-266700"/>
             <a:r>
-              <a:rPr lang="en-US" sz="2400" dirty="0"/>
-              <a:t>the studies of "understanding" the natural human language</a:t>
-            </a:r>
-          </a:p>
-          <a:p>
-            <a:pPr marL="266700" indent="-266700"/>
-            <a:r>
-              <a:rPr lang="en-US" sz="2400" dirty="0"/>
-              <a:t>Syntax- versus semantics-based text mining</a:t>
-            </a:r>
+              <a:rPr lang="en-US" sz="2400" dirty="0" err="1"/>
+              <a:t>SentiWordNet</a:t>
+            </a:r>
+            <a:endParaRPr lang="en-US" sz="2400" dirty="0"/>
           </a:p>
         </p:txBody>
       </p:sp>
     </p:spTree>
     <p:extLst>
       <p:ext uri="{BB962C8B-B14F-4D97-AF65-F5344CB8AC3E}">
-        <p14:creationId xmlns:p14="http://schemas.microsoft.com/office/powerpoint/2010/main" val="2309004663"/>
+        <p14:creationId xmlns:p14="http://schemas.microsoft.com/office/powerpoint/2010/main" val="2549483082"/>
       </p:ext>
     </p:extLst>
   </p:cSld>
@@ -13872,7 +13675,7 @@
         <p:spPr>
           <a:xfrm>
             <a:off x="457200" y="66675"/>
-            <a:ext cx="8153400" cy="984885"/>
+            <a:ext cx="8153400" cy="553998"/>
           </a:xfrm>
         </p:spPr>
         <p:txBody>
@@ -13881,12 +13684,6 @@
           </a:bodyPr>
           <a:lstStyle/>
           <a:p>
-            <a:r>
-              <a:rPr lang="en-US" sz="3600" dirty="0">
-                <a:latin typeface="+mj-lt"/>
-              </a:rPr>
-              <a:t>Natural Language Processing (</a:t>
-            </a:r>
             <a:r>
               <a:rPr lang="en-US" sz="3600" spc="-450" dirty="0">
                 <a:latin typeface="+mj-lt"/>
@@ -13897,13 +13694,7 @@
               <a:rPr lang="en-US" sz="3600" dirty="0">
                 <a:latin typeface="+mj-lt"/>
               </a:rPr>
-              <a:t>P) </a:t>
-            </a:r>
-            <a:r>
-              <a:rPr lang="en-US" sz="2800" dirty="0">
-                <a:latin typeface="+mj-lt"/>
-              </a:rPr>
-              <a:t>(2 of 4)</a:t>
+              <a:t>P Task Categories</a:t>
             </a:r>
           </a:p>
         </p:txBody>
@@ -13920,8 +13711,8 @@
         </p:nvSpPr>
         <p:spPr>
           <a:xfrm>
-            <a:off x="457200" y="1200150"/>
-            <a:ext cx="8153400" cy="2893100"/>
+            <a:off x="457200" y="762000"/>
+            <a:ext cx="8153400" cy="4301177"/>
           </a:xfrm>
         </p:spPr>
         <p:txBody>
@@ -13933,51 +13724,65 @@
             <a:pPr marL="266700" indent="-266700"/>
             <a:r>
               <a:rPr lang="en-US" sz="2400" dirty="0"/>
-              <a:t>What is “Understanding” ?</a:t>
-            </a:r>
-          </a:p>
-          <a:p>
-            <a:pPr marL="714375" lvl="1" indent="-266700"/>
-            <a:r>
-              <a:rPr lang="en-US" sz="2400" dirty="0"/>
-              <a:t>Human understands, what about computers?</a:t>
-            </a:r>
-          </a:p>
-          <a:p>
-            <a:pPr marL="714375" lvl="1" indent="-266700"/>
-            <a:r>
-              <a:rPr lang="en-US" sz="2400" dirty="0"/>
-              <a:t>Natural language is vague, context driven</a:t>
-            </a:r>
-          </a:p>
-          <a:p>
-            <a:pPr marL="714375" lvl="1" indent="-266700"/>
-            <a:r>
-              <a:rPr lang="en-US" sz="2400" dirty="0"/>
-              <a:t>True understanding requires extensive knowledge of a topic</a:t>
-            </a:r>
-          </a:p>
-          <a:p>
-            <a:pPr marL="714375" lvl="1" indent="-266700"/>
-            <a:r>
-              <a:rPr lang="en-US" sz="2400" dirty="0">
-                <a:solidFill>
-                  <a:schemeClr val="bg2"/>
-                </a:solidFill>
-              </a:rPr>
-              <a:t>Can/will computers ever understand natural language the same/accurate way we do</a:t>
-            </a:r>
-            <a:r>
-              <a:rPr lang="en-US" sz="2400" dirty="0"/>
-              <a:t>?</a:t>
-            </a:r>
+              <a:t>Question answering</a:t>
+            </a:r>
+          </a:p>
+          <a:p>
+            <a:pPr marL="266700" indent="-266700"/>
+            <a:r>
+              <a:rPr lang="en-US" sz="2400" dirty="0"/>
+              <a:t>Automatic summarization</a:t>
+            </a:r>
+          </a:p>
+          <a:p>
+            <a:pPr marL="266700" indent="-266700"/>
+            <a:r>
+              <a:rPr lang="en-US" sz="2400" dirty="0"/>
+              <a:t>Natural language generation &amp; understanding</a:t>
+            </a:r>
+          </a:p>
+          <a:p>
+            <a:pPr marL="266700" indent="-266700"/>
+            <a:r>
+              <a:rPr lang="en-US" sz="2400" dirty="0"/>
+              <a:t>Machine translation</a:t>
+            </a:r>
+          </a:p>
+          <a:p>
+            <a:pPr marL="266700" indent="-266700"/>
+            <a:r>
+              <a:rPr lang="en-US" sz="2400" dirty="0"/>
+              <a:t>Foreign language reading &amp; writing</a:t>
+            </a:r>
+          </a:p>
+          <a:p>
+            <a:pPr marL="266700" indent="-266700"/>
+            <a:r>
+              <a:rPr lang="en-US" sz="2400" dirty="0"/>
+              <a:t>Speech recognition</a:t>
+            </a:r>
+          </a:p>
+          <a:p>
+            <a:pPr marL="266700" indent="-266700"/>
+            <a:r>
+              <a:rPr lang="en-US" sz="2400" dirty="0"/>
+              <a:t>Text proofing, optical character recognition</a:t>
+            </a:r>
+          </a:p>
+          <a:p>
+            <a:pPr marL="266700" indent="-266700"/>
+            <a:r>
+              <a:rPr lang="en-US" sz="2400" dirty="0"/>
+              <a:t>Optical character recognition</a:t>
+            </a:r>
+            <a:endParaRPr lang="en-US" sz="2200" dirty="0"/>
           </a:p>
         </p:txBody>
       </p:sp>
     </p:spTree>
     <p:extLst>
       <p:ext uri="{BB962C8B-B14F-4D97-AF65-F5344CB8AC3E}">
-        <p14:creationId xmlns:p14="http://schemas.microsoft.com/office/powerpoint/2010/main" val="1599712951"/>
+        <p14:creationId xmlns:p14="http://schemas.microsoft.com/office/powerpoint/2010/main" val="1892720883"/>
       </p:ext>
     </p:extLst>
   </p:cSld>
@@ -14016,8 +13821,8 @@
         </p:nvSpPr>
         <p:spPr>
           <a:xfrm>
-            <a:off x="457200" y="80117"/>
-            <a:ext cx="8153400" cy="984885"/>
+            <a:off x="457200" y="66675"/>
+            <a:ext cx="8153400" cy="553998"/>
           </a:xfrm>
         </p:spPr>
         <p:txBody>
@@ -14030,30 +13835,17 @@
               <a:rPr lang="en-US" sz="3600" dirty="0">
                 <a:latin typeface="+mj-lt"/>
               </a:rPr>
-              <a:t>Natural Language Processing (</a:t>
-            </a:r>
-            <a:r>
-              <a:rPr lang="en-US" sz="3600" spc="-500" dirty="0">
-                <a:latin typeface="+mj-lt"/>
-              </a:rPr>
-              <a:t>N L </a:t>
-            </a:r>
-            <a:r>
-              <a:rPr lang="en-US" sz="3600" dirty="0">
-                <a:latin typeface="+mj-lt"/>
-              </a:rPr>
-              <a:t>P)</a:t>
-            </a:r>
-            <a:r>
-              <a:rPr lang="en-US" sz="3600" dirty="0"/>
-              <a:t> </a:t>
+              <a:t>Text Mining Applications </a:t>
             </a:r>
             <a:r>
               <a:rPr lang="en-US" sz="2800" dirty="0">
                 <a:latin typeface="+mj-lt"/>
               </a:rPr>
-              <a:t>(3 of 4)</a:t>
-            </a:r>
+              <a:t>(1 of 2)</a:t>
+            </a:r>
+            <a:endParaRPr lang="en-US" sz="3600" dirty="0">
+              <a:latin typeface="+mj-lt"/>
+            </a:endParaRPr>
           </a:p>
         </p:txBody>
       </p:sp>
@@ -14069,8 +13861,8 @@
         </p:nvSpPr>
         <p:spPr>
           <a:xfrm>
-            <a:off x="457200" y="1200150"/>
-            <a:ext cx="8153400" cy="4462760"/>
+            <a:off x="457200" y="762000"/>
+            <a:ext cx="8153400" cy="4285789"/>
           </a:xfrm>
         </p:spPr>
         <p:txBody>
@@ -14082,79 +13874,83 @@
             <a:pPr marL="266700" indent="-266700"/>
             <a:r>
               <a:rPr lang="en-US" sz="2400" dirty="0"/>
-              <a:t>Challenges in </a:t>
+              <a:t>Marketing applications</a:t>
+            </a:r>
+          </a:p>
+          <a:p>
+            <a:pPr marL="714375" lvl="1" indent="-266700"/>
+            <a:r>
+              <a:rPr lang="en-US" sz="2400" dirty="0"/>
+              <a:t>Enables better </a:t>
             </a:r>
             <a:r>
               <a:rPr lang="en-US" sz="2400" spc="-300" dirty="0"/>
-              <a:t>N L </a:t>
-            </a:r>
-            <a:r>
-              <a:rPr lang="en-US" sz="2400" dirty="0"/>
-              <a:t>P</a:t>
+              <a:t>C R </a:t>
+            </a:r>
+            <a:r>
+              <a:rPr lang="en-US" sz="2400" dirty="0"/>
+              <a:t>M</a:t>
+            </a:r>
+          </a:p>
+          <a:p>
+            <a:pPr marL="266700" indent="-266700"/>
+            <a:r>
+              <a:rPr lang="en-US" sz="2400" dirty="0"/>
+              <a:t>Security applications</a:t>
             </a:r>
           </a:p>
           <a:p>
             <a:pPr marL="714375" lvl="1" indent="-266700"/>
             <a:r>
-              <a:rPr lang="en-US" sz="2400" dirty="0"/>
-              <a:t>Part-of-speech tagging	</a:t>
+              <a:rPr lang="en-US" sz="2400" spc="-300" dirty="0"/>
+              <a:t>E C H E L O </a:t>
+            </a:r>
+            <a:r>
+              <a:rPr lang="en-US" sz="2400" dirty="0"/>
+              <a:t>N, </a:t>
+            </a:r>
+            <a:r>
+              <a:rPr lang="en-US" sz="2400" spc="-300" dirty="0"/>
+              <a:t>O A S I </a:t>
+            </a:r>
+            <a:r>
+              <a:rPr lang="en-US" sz="2400" dirty="0"/>
+              <a:t>S</a:t>
             </a:r>
           </a:p>
           <a:p>
             <a:pPr marL="714375" lvl="1" indent="-266700"/>
             <a:r>
               <a:rPr lang="en-US" sz="2400" dirty="0"/>
-              <a:t>Text segmentation</a:t>
+              <a:t>Deception detection (…example coming up)</a:t>
+            </a:r>
+          </a:p>
+          <a:p>
+            <a:pPr marL="266700" indent="-266700"/>
+            <a:r>
+              <a:rPr lang="en-US" sz="2400" dirty="0"/>
+              <a:t>Medicine and biology</a:t>
             </a:r>
           </a:p>
           <a:p>
             <a:pPr marL="714375" lvl="1" indent="-266700"/>
             <a:r>
               <a:rPr lang="en-US" sz="2400" dirty="0"/>
-              <a:t>Word sense disambiguation	</a:t>
+              <a:t>Literature-based gene identification (…)</a:t>
+            </a:r>
+          </a:p>
+          <a:p>
+            <a:pPr marL="266700" indent="-266700"/>
+            <a:r>
+              <a:rPr lang="en-US" sz="2400" dirty="0"/>
+              <a:t>Academic applications</a:t>
             </a:r>
           </a:p>
           <a:p>
             <a:pPr marL="714375" lvl="1" indent="-266700"/>
             <a:r>
               <a:rPr lang="en-US" sz="2400" dirty="0"/>
-              <a:t>Syntax ambiguity</a:t>
-            </a:r>
-          </a:p>
-          <a:p>
-            <a:pPr marL="714375" lvl="1" indent="-266700"/>
-            <a:r>
-              <a:rPr lang="en-US" sz="2400" dirty="0"/>
-              <a:t>Imperfect or irregular input</a:t>
-            </a:r>
-          </a:p>
-          <a:p>
-            <a:pPr marL="714375" lvl="1" indent="-266700"/>
-            <a:r>
-              <a:rPr lang="en-US" sz="2400" dirty="0"/>
-              <a:t>Speech acts</a:t>
-            </a:r>
-          </a:p>
-          <a:p>
-            <a:pPr marL="266700" indent="-266700"/>
-            <a:r>
-              <a:rPr lang="en-US" sz="2400" dirty="0"/>
-              <a:t>Dream of </a:t>
-            </a:r>
-            <a:r>
-              <a:rPr lang="en-US" sz="2400" spc="-300" dirty="0"/>
-              <a:t>A </a:t>
-            </a:r>
-            <a:r>
-              <a:rPr lang="en-US" sz="2400" dirty="0"/>
-              <a:t>I community </a:t>
-            </a:r>
-          </a:p>
-          <a:p>
-            <a:pPr marL="714375" lvl="1" indent="-266700"/>
-            <a:r>
-              <a:rPr lang="en-US" sz="2400" dirty="0"/>
-              <a:t>to have algorithms that are capable of automatically reading and obtaining knowledge from text</a:t>
+              <a:t>Research stream analysis</a:t>
             </a:r>
           </a:p>
         </p:txBody>
@@ -14162,7 +13958,7 @@
     </p:spTree>
     <p:extLst>
       <p:ext uri="{BB962C8B-B14F-4D97-AF65-F5344CB8AC3E}">
-        <p14:creationId xmlns:p14="http://schemas.microsoft.com/office/powerpoint/2010/main" val="2473835415"/>
+        <p14:creationId xmlns:p14="http://schemas.microsoft.com/office/powerpoint/2010/main" val="3681385579"/>
       </p:ext>
     </p:extLst>
   </p:cSld>
@@ -14201,737 +13997,6 @@
         </p:nvSpPr>
         <p:spPr>
           <a:xfrm>
-            <a:off x="457200" y="80117"/>
-            <a:ext cx="8153400" cy="984885"/>
-          </a:xfrm>
-        </p:spPr>
-        <p:txBody>
-          <a:bodyPr wrap="square">
-            <a:spAutoFit/>
-          </a:bodyPr>
-          <a:lstStyle/>
-          <a:p>
-            <a:r>
-              <a:rPr lang="en-US" sz="3600" dirty="0">
-                <a:latin typeface="+mj-lt"/>
-              </a:rPr>
-              <a:t>Natural Language Processing (</a:t>
-            </a:r>
-            <a:r>
-              <a:rPr lang="en-US" sz="3600" spc="-500" dirty="0">
-                <a:latin typeface="+mj-lt"/>
-              </a:rPr>
-              <a:t>N L </a:t>
-            </a:r>
-            <a:r>
-              <a:rPr lang="en-US" sz="3600" dirty="0">
-                <a:latin typeface="+mj-lt"/>
-              </a:rPr>
-              <a:t>P)</a:t>
-            </a:r>
-            <a:r>
-              <a:rPr lang="en-US" sz="3600" dirty="0"/>
-              <a:t> </a:t>
-            </a:r>
-            <a:r>
-              <a:rPr lang="en-US" sz="2800" dirty="0">
-                <a:latin typeface="+mj-lt"/>
-              </a:rPr>
-              <a:t>(4 of 4)</a:t>
-            </a:r>
-          </a:p>
-        </p:txBody>
-      </p:sp>
-      <p:sp>
-        <p:nvSpPr>
-          <p:cNvPr id="3" name="Content Placeholder 2"/>
-          <p:cNvSpPr>
-            <a:spLocks noGrp="1"/>
-          </p:cNvSpPr>
-          <p:nvPr>
-            <p:ph idx="13"/>
-          </p:nvPr>
-        </p:nvSpPr>
-        <p:spPr>
-          <a:xfrm>
-            <a:off x="457200" y="1190625"/>
-            <a:ext cx="8153400" cy="4270400"/>
-          </a:xfrm>
-        </p:spPr>
-        <p:txBody>
-          <a:bodyPr>
-            <a:spAutoFit/>
-          </a:bodyPr>
-          <a:lstStyle/>
-          <a:p>
-            <a:pPr marL="266700" indent="-266700"/>
-            <a:r>
-              <a:rPr lang="en-US" sz="2400" dirty="0" err="1"/>
-              <a:t>WordNet</a:t>
-            </a:r>
-            <a:endParaRPr lang="en-US" sz="2400" dirty="0"/>
-          </a:p>
-          <a:p>
-            <a:pPr marL="714375" lvl="1" indent="-266700"/>
-            <a:r>
-              <a:rPr lang="en-US" sz="2400" dirty="0"/>
-              <a:t>A laboriously hand-coded database of English words, their definitions, sets of synonyms, and various semantic relations between synonym sets.</a:t>
-            </a:r>
-          </a:p>
-          <a:p>
-            <a:pPr marL="714375" lvl="1" indent="-266700"/>
-            <a:r>
-              <a:rPr lang="en-US" sz="2400" dirty="0"/>
-              <a:t>A major resource for </a:t>
-            </a:r>
-            <a:r>
-              <a:rPr lang="en-US" sz="2400" spc="-300" dirty="0"/>
-              <a:t>N L </a:t>
-            </a:r>
-            <a:r>
-              <a:rPr lang="en-US" sz="2400" dirty="0"/>
-              <a:t>P.</a:t>
-            </a:r>
-          </a:p>
-          <a:p>
-            <a:pPr marL="714375" lvl="1" indent="-266700"/>
-            <a:r>
-              <a:rPr lang="en-US" sz="2400" dirty="0"/>
-              <a:t>Need automation to be completed.</a:t>
-            </a:r>
-          </a:p>
-          <a:p>
-            <a:pPr marL="266700" indent="-266700"/>
-            <a:r>
-              <a:rPr lang="en-US" sz="2400" dirty="0"/>
-              <a:t>Sentiment Analysis</a:t>
-            </a:r>
-          </a:p>
-          <a:p>
-            <a:pPr marL="714375" lvl="1" indent="-266700"/>
-            <a:r>
-              <a:rPr lang="en-US" sz="2400" dirty="0"/>
-              <a:t>A technique used to detect favorable and unfavorable opinions toward specific products and services </a:t>
-            </a:r>
-          </a:p>
-          <a:p>
-            <a:pPr marL="714375" lvl="1" indent="-266700"/>
-            <a:r>
-              <a:rPr lang="en-US" sz="2400" dirty="0" err="1"/>
-              <a:t>SentiWordNet</a:t>
-            </a:r>
-            <a:endParaRPr lang="en-US" sz="2400" dirty="0"/>
-          </a:p>
-        </p:txBody>
-      </p:sp>
-    </p:spTree>
-    <p:extLst>
-      <p:ext uri="{BB962C8B-B14F-4D97-AF65-F5344CB8AC3E}">
-        <p14:creationId xmlns:p14="http://schemas.microsoft.com/office/powerpoint/2010/main" val="2549483082"/>
-      </p:ext>
-    </p:extLst>
-  </p:cSld>
-  <p:clrMapOvr>
-    <a:masterClrMapping/>
-  </p:clrMapOvr>
-</p:sld>
-</file>
-
-<file path=ppt/slides/slide19.xml><?xml version="1.0" encoding="utf-8"?>
-<p:sld xmlns:a="http://schemas.openxmlformats.org/drawingml/2006/main" xmlns:r="http://schemas.openxmlformats.org/officeDocument/2006/relationships" xmlns:p="http://schemas.openxmlformats.org/presentationml/2006/main">
-  <p:cSld>
-    <p:spTree>
-      <p:nvGrpSpPr>
-        <p:cNvPr id="1" name=""/>
-        <p:cNvGrpSpPr/>
-        <p:nvPr/>
-      </p:nvGrpSpPr>
-      <p:grpSpPr>
-        <a:xfrm>
-          <a:off x="0" y="0"/>
-          <a:ext cx="0" cy="0"/>
-          <a:chOff x="0" y="0"/>
-          <a:chExt cx="0" cy="0"/>
-        </a:xfrm>
-      </p:grpSpPr>
-      <p:sp>
-        <p:nvSpPr>
-          <p:cNvPr id="2" name="Title 1"/>
-          <p:cNvSpPr>
-            <a:spLocks noGrp="1"/>
-          </p:cNvSpPr>
-          <p:nvPr>
-            <p:ph type="title"/>
-          </p:nvPr>
-        </p:nvSpPr>
-        <p:spPr>
-          <a:xfrm>
-            <a:off x="457200" y="66675"/>
-            <a:ext cx="8153400" cy="553998"/>
-          </a:xfrm>
-        </p:spPr>
-        <p:txBody>
-          <a:bodyPr wrap="square">
-            <a:spAutoFit/>
-          </a:bodyPr>
-          <a:lstStyle/>
-          <a:p>
-            <a:r>
-              <a:rPr lang="en-US" sz="3600" spc="-450" dirty="0">
-                <a:latin typeface="+mj-lt"/>
-              </a:rPr>
-              <a:t>N L </a:t>
-            </a:r>
-            <a:r>
-              <a:rPr lang="en-US" sz="3600" dirty="0">
-                <a:latin typeface="+mj-lt"/>
-              </a:rPr>
-              <a:t>P Task Categories</a:t>
-            </a:r>
-          </a:p>
-        </p:txBody>
-      </p:sp>
-      <p:sp>
-        <p:nvSpPr>
-          <p:cNvPr id="3" name="Content Placeholder 2"/>
-          <p:cNvSpPr>
-            <a:spLocks noGrp="1"/>
-          </p:cNvSpPr>
-          <p:nvPr>
-            <p:ph idx="13"/>
-          </p:nvPr>
-        </p:nvSpPr>
-        <p:spPr>
-          <a:xfrm>
-            <a:off x="457200" y="762000"/>
-            <a:ext cx="8153400" cy="4301177"/>
-          </a:xfrm>
-        </p:spPr>
-        <p:txBody>
-          <a:bodyPr>
-            <a:spAutoFit/>
-          </a:bodyPr>
-          <a:lstStyle/>
-          <a:p>
-            <a:pPr marL="266700" indent="-266700"/>
-            <a:r>
-              <a:rPr lang="en-US" sz="2400" dirty="0"/>
-              <a:t>Question answering</a:t>
-            </a:r>
-          </a:p>
-          <a:p>
-            <a:pPr marL="266700" indent="-266700"/>
-            <a:r>
-              <a:rPr lang="en-US" sz="2400" dirty="0"/>
-              <a:t>Automatic summarization</a:t>
-            </a:r>
-          </a:p>
-          <a:p>
-            <a:pPr marL="266700" indent="-266700"/>
-            <a:r>
-              <a:rPr lang="en-US" sz="2400" dirty="0"/>
-              <a:t>Natural language generation &amp; understanding</a:t>
-            </a:r>
-          </a:p>
-          <a:p>
-            <a:pPr marL="266700" indent="-266700"/>
-            <a:r>
-              <a:rPr lang="en-US" sz="2400" dirty="0"/>
-              <a:t>Machine translation</a:t>
-            </a:r>
-          </a:p>
-          <a:p>
-            <a:pPr marL="266700" indent="-266700"/>
-            <a:r>
-              <a:rPr lang="en-US" sz="2400" dirty="0"/>
-              <a:t>Foreign language reading &amp; writing</a:t>
-            </a:r>
-          </a:p>
-          <a:p>
-            <a:pPr marL="266700" indent="-266700"/>
-            <a:r>
-              <a:rPr lang="en-US" sz="2400" dirty="0"/>
-              <a:t>Speech recognition</a:t>
-            </a:r>
-          </a:p>
-          <a:p>
-            <a:pPr marL="266700" indent="-266700"/>
-            <a:r>
-              <a:rPr lang="en-US" sz="2400" dirty="0"/>
-              <a:t>Text proofing, optical character recognition</a:t>
-            </a:r>
-          </a:p>
-          <a:p>
-            <a:pPr marL="266700" indent="-266700"/>
-            <a:r>
-              <a:rPr lang="en-US" sz="2400" dirty="0"/>
-              <a:t>Optical character recognition</a:t>
-            </a:r>
-            <a:endParaRPr lang="en-US" sz="2200" dirty="0"/>
-          </a:p>
-        </p:txBody>
-      </p:sp>
-    </p:spTree>
-    <p:extLst>
-      <p:ext uri="{BB962C8B-B14F-4D97-AF65-F5344CB8AC3E}">
-        <p14:creationId xmlns:p14="http://schemas.microsoft.com/office/powerpoint/2010/main" val="1892720883"/>
-      </p:ext>
-    </p:extLst>
-  </p:cSld>
-  <p:clrMapOvr>
-    <a:masterClrMapping/>
-  </p:clrMapOvr>
-</p:sld>
-</file>
-
-<file path=ppt/slides/slide2.xml><?xml version="1.0" encoding="utf-8"?>
-<p:sld xmlns:a="http://schemas.openxmlformats.org/drawingml/2006/main" xmlns:r="http://schemas.openxmlformats.org/officeDocument/2006/relationships" xmlns:p="http://schemas.openxmlformats.org/presentationml/2006/main">
-  <p:cSld>
-    <p:spTree>
-      <p:nvGrpSpPr>
-        <p:cNvPr id="1" name=""/>
-        <p:cNvGrpSpPr/>
-        <p:nvPr/>
-      </p:nvGrpSpPr>
-      <p:grpSpPr>
-        <a:xfrm>
-          <a:off x="0" y="0"/>
-          <a:ext cx="0" cy="0"/>
-          <a:chOff x="0" y="0"/>
-          <a:chExt cx="0" cy="0"/>
-        </a:xfrm>
-      </p:grpSpPr>
-      <p:sp>
-        <p:nvSpPr>
-          <p:cNvPr id="2" name="Title 1"/>
-          <p:cNvSpPr>
-            <a:spLocks noGrp="1"/>
-          </p:cNvSpPr>
-          <p:nvPr>
-            <p:ph type="title"/>
-          </p:nvPr>
-        </p:nvSpPr>
-        <p:spPr>
-          <a:xfrm>
-            <a:off x="456154" y="74652"/>
-            <a:ext cx="8153400" cy="553998"/>
-          </a:xfrm>
-        </p:spPr>
-        <p:txBody>
-          <a:bodyPr wrap="square">
-            <a:spAutoFit/>
-          </a:bodyPr>
-          <a:lstStyle/>
-          <a:p>
-            <a:r>
-              <a:rPr lang="en-IN" altLang="en-US" dirty="0"/>
-              <a:t>Learning Objectives </a:t>
-            </a:r>
-            <a:r>
-              <a:rPr lang="en-IN" altLang="en-US" sz="2800" dirty="0"/>
-              <a:t>(1 of 2)</a:t>
-            </a:r>
-            <a:endParaRPr lang="en-US" dirty="0"/>
-          </a:p>
-        </p:txBody>
-      </p:sp>
-      <p:sp>
-        <p:nvSpPr>
-          <p:cNvPr id="3" name="Content Placeholder 2"/>
-          <p:cNvSpPr>
-            <a:spLocks noGrp="1"/>
-          </p:cNvSpPr>
-          <p:nvPr>
-            <p:ph idx="1"/>
-          </p:nvPr>
-        </p:nvSpPr>
-        <p:spPr>
-          <a:xfrm>
-            <a:off x="456154" y="990600"/>
-            <a:ext cx="8153400" cy="4462760"/>
-          </a:xfrm>
-        </p:spPr>
-        <p:txBody>
-          <a:bodyPr wrap="square">
-            <a:spAutoFit/>
-          </a:bodyPr>
-          <a:lstStyle/>
-          <a:p>
-            <a:pPr marL="0" indent="0">
-              <a:buClr>
-                <a:schemeClr val="bg1"/>
-              </a:buClr>
-              <a:buNone/>
-              <a:tabLst>
-                <a:tab pos="714375" algn="l"/>
-              </a:tabLst>
-            </a:pPr>
-            <a:r>
-              <a:rPr lang="en-US" sz="2400" b="1" dirty="0">
-                <a:solidFill>
-                  <a:srgbClr val="007FA3"/>
-                </a:solidFill>
-              </a:rPr>
-              <a:t>7.1</a:t>
-            </a:r>
-            <a:r>
-              <a:rPr lang="en-US" sz="2400" dirty="0"/>
-              <a:t> 	Describe text mining and understand the need for text 	mining</a:t>
-            </a:r>
-          </a:p>
-          <a:p>
-            <a:pPr marL="119063" indent="-119063">
-              <a:buClr>
-                <a:schemeClr val="bg1"/>
-              </a:buClr>
-              <a:buNone/>
-              <a:tabLst>
-                <a:tab pos="714375" algn="l"/>
-              </a:tabLst>
-            </a:pPr>
-            <a:r>
-              <a:rPr lang="en-US" sz="2400" b="1" dirty="0">
-                <a:solidFill>
-                  <a:srgbClr val="007FA3"/>
-                </a:solidFill>
-              </a:rPr>
-              <a:t>7.2</a:t>
-            </a:r>
-            <a:r>
-              <a:rPr lang="en-US" sz="2400" b="1" dirty="0">
-                <a:solidFill>
-                  <a:schemeClr val="accent1"/>
-                </a:solidFill>
-              </a:rPr>
-              <a:t> 	</a:t>
-            </a:r>
-            <a:r>
-              <a:rPr lang="en-US" sz="2400" dirty="0"/>
-              <a:t>Differentiate among text analytics, text mining and data 	mining</a:t>
-            </a:r>
-          </a:p>
-          <a:p>
-            <a:pPr marL="119063" indent="-119063">
-              <a:buClr>
-                <a:schemeClr val="bg1"/>
-              </a:buClr>
-              <a:buNone/>
-              <a:tabLst>
-                <a:tab pos="714375" algn="l"/>
-              </a:tabLst>
-            </a:pPr>
-            <a:r>
-              <a:rPr lang="en-US" sz="2400" b="1" dirty="0">
-                <a:solidFill>
-                  <a:srgbClr val="007FA3"/>
-                </a:solidFill>
-              </a:rPr>
-              <a:t>7.3</a:t>
-            </a:r>
-            <a:r>
-              <a:rPr lang="en-US" sz="2400" dirty="0"/>
-              <a:t> 	Understand the different application areas for text 	mining</a:t>
-            </a:r>
-          </a:p>
-          <a:p>
-            <a:pPr marL="0" lvl="0" indent="0">
-              <a:buClr>
-                <a:schemeClr val="lt1"/>
-              </a:buClr>
-              <a:buSzPct val="25000"/>
-              <a:buNone/>
-              <a:tabLst>
-                <a:tab pos="714375" algn="l"/>
-              </a:tabLst>
-            </a:pPr>
-            <a:r>
-              <a:rPr lang="en-US" sz="2400" b="1" dirty="0">
-                <a:solidFill>
-                  <a:srgbClr val="007FA3"/>
-                </a:solidFill>
-              </a:rPr>
-              <a:t>7.4</a:t>
-            </a:r>
-            <a:r>
-              <a:rPr lang="en-US" sz="2400" b="1" dirty="0">
-                <a:solidFill>
-                  <a:schemeClr val="accent1"/>
-                </a:solidFill>
-              </a:rPr>
-              <a:t> 	</a:t>
-            </a:r>
-            <a:r>
-              <a:rPr lang="en-US" sz="2400" dirty="0"/>
-              <a:t>Know the process of carrying out a text mining project</a:t>
-            </a:r>
-          </a:p>
-          <a:p>
-            <a:pPr marL="0" indent="0">
-              <a:buClr>
-                <a:schemeClr val="lt1"/>
-              </a:buClr>
-              <a:buSzPct val="25000"/>
-              <a:buNone/>
-              <a:tabLst>
-                <a:tab pos="714375" algn="l"/>
-              </a:tabLst>
-            </a:pPr>
-            <a:r>
-              <a:rPr lang="en-US" sz="2400" b="1" dirty="0">
-                <a:solidFill>
-                  <a:srgbClr val="007FA3"/>
-                </a:solidFill>
-              </a:rPr>
-              <a:t>7.5</a:t>
-            </a:r>
-            <a:r>
-              <a:rPr lang="en-US" sz="2400" dirty="0"/>
-              <a:t> 	Appreciate the different methods to introduce structure 	to text-based data</a:t>
-            </a:r>
-            <a:br>
-              <a:rPr lang="en-US" sz="2400" dirty="0"/>
-            </a:br>
-            <a:r>
-              <a:rPr lang="en-US" sz="2400" b="1" dirty="0">
-                <a:solidFill>
-                  <a:srgbClr val="007FA3"/>
-                </a:solidFill>
-              </a:rPr>
-              <a:t>7.6</a:t>
-            </a:r>
-            <a:r>
-              <a:rPr lang="en-US" sz="2400" b="1" dirty="0">
-                <a:solidFill>
-                  <a:schemeClr val="accent1"/>
-                </a:solidFill>
-              </a:rPr>
-              <a:t> 	</a:t>
-            </a:r>
-            <a:r>
-              <a:rPr lang="en-US" sz="2400" dirty="0"/>
-              <a:t>Describe sentiment analysis</a:t>
-            </a:r>
-          </a:p>
-        </p:txBody>
-      </p:sp>
-    </p:spTree>
-    <p:extLst>
-      <p:ext uri="{BB962C8B-B14F-4D97-AF65-F5344CB8AC3E}">
-        <p14:creationId xmlns:p14="http://schemas.microsoft.com/office/powerpoint/2010/main" val="1944379431"/>
-      </p:ext>
-    </p:extLst>
-  </p:cSld>
-  <p:clrMapOvr>
-    <a:masterClrMapping/>
-  </p:clrMapOvr>
-</p:sld>
-</file>
-
-<file path=ppt/slides/slide20.xml><?xml version="1.0" encoding="utf-8"?>
-<p:sld xmlns:a="http://schemas.openxmlformats.org/drawingml/2006/main" xmlns:r="http://schemas.openxmlformats.org/officeDocument/2006/relationships" xmlns:p="http://schemas.openxmlformats.org/presentationml/2006/main">
-  <p:cSld>
-    <p:spTree>
-      <p:nvGrpSpPr>
-        <p:cNvPr id="1" name=""/>
-        <p:cNvGrpSpPr/>
-        <p:nvPr/>
-      </p:nvGrpSpPr>
-      <p:grpSpPr>
-        <a:xfrm>
-          <a:off x="0" y="0"/>
-          <a:ext cx="0" cy="0"/>
-          <a:chOff x="0" y="0"/>
-          <a:chExt cx="0" cy="0"/>
-        </a:xfrm>
-      </p:grpSpPr>
-      <p:sp>
-        <p:nvSpPr>
-          <p:cNvPr id="2" name="Title 1"/>
-          <p:cNvSpPr>
-            <a:spLocks noGrp="1"/>
-          </p:cNvSpPr>
-          <p:nvPr>
-            <p:ph type="title"/>
-          </p:nvPr>
-        </p:nvSpPr>
-        <p:spPr>
-          <a:xfrm>
-            <a:off x="457200" y="66675"/>
-            <a:ext cx="8153400" cy="553998"/>
-          </a:xfrm>
-        </p:spPr>
-        <p:txBody>
-          <a:bodyPr wrap="square">
-            <a:spAutoFit/>
-          </a:bodyPr>
-          <a:lstStyle/>
-          <a:p>
-            <a:r>
-              <a:rPr lang="en-US" sz="3600" dirty="0">
-                <a:latin typeface="+mj-lt"/>
-              </a:rPr>
-              <a:t>Text Mining Applications </a:t>
-            </a:r>
-            <a:r>
-              <a:rPr lang="en-US" sz="2800" dirty="0">
-                <a:latin typeface="+mj-lt"/>
-              </a:rPr>
-              <a:t>(1 of 2)</a:t>
-            </a:r>
-            <a:endParaRPr lang="en-US" sz="3600" dirty="0">
-              <a:latin typeface="+mj-lt"/>
-            </a:endParaRPr>
-          </a:p>
-        </p:txBody>
-      </p:sp>
-      <p:sp>
-        <p:nvSpPr>
-          <p:cNvPr id="3" name="Content Placeholder 2"/>
-          <p:cNvSpPr>
-            <a:spLocks noGrp="1"/>
-          </p:cNvSpPr>
-          <p:nvPr>
-            <p:ph idx="13"/>
-          </p:nvPr>
-        </p:nvSpPr>
-        <p:spPr>
-          <a:xfrm>
-            <a:off x="457200" y="762000"/>
-            <a:ext cx="8153400" cy="4285789"/>
-          </a:xfrm>
-        </p:spPr>
-        <p:txBody>
-          <a:bodyPr>
-            <a:spAutoFit/>
-          </a:bodyPr>
-          <a:lstStyle/>
-          <a:p>
-            <a:pPr marL="266700" indent="-266700"/>
-            <a:r>
-              <a:rPr lang="en-US" sz="2400" dirty="0"/>
-              <a:t>Marketing applications</a:t>
-            </a:r>
-          </a:p>
-          <a:p>
-            <a:pPr marL="714375" lvl="1" indent="-266700"/>
-            <a:r>
-              <a:rPr lang="en-US" sz="2400" dirty="0"/>
-              <a:t>Enables better </a:t>
-            </a:r>
-            <a:r>
-              <a:rPr lang="en-US" sz="2400" spc="-300" dirty="0"/>
-              <a:t>C R </a:t>
-            </a:r>
-            <a:r>
-              <a:rPr lang="en-US" sz="2400" dirty="0"/>
-              <a:t>M</a:t>
-            </a:r>
-          </a:p>
-          <a:p>
-            <a:pPr marL="266700" indent="-266700"/>
-            <a:r>
-              <a:rPr lang="en-US" sz="2400" dirty="0"/>
-              <a:t>Security applications</a:t>
-            </a:r>
-          </a:p>
-          <a:p>
-            <a:pPr marL="714375" lvl="1" indent="-266700"/>
-            <a:r>
-              <a:rPr lang="en-US" sz="2400" spc="-300" dirty="0"/>
-              <a:t>E C H E L O </a:t>
-            </a:r>
-            <a:r>
-              <a:rPr lang="en-US" sz="2400" dirty="0"/>
-              <a:t>N, </a:t>
-            </a:r>
-            <a:r>
-              <a:rPr lang="en-US" sz="2400" spc="-300" dirty="0"/>
-              <a:t>O A S I </a:t>
-            </a:r>
-            <a:r>
-              <a:rPr lang="en-US" sz="2400" dirty="0"/>
-              <a:t>S</a:t>
-            </a:r>
-          </a:p>
-          <a:p>
-            <a:pPr marL="714375" lvl="1" indent="-266700"/>
-            <a:r>
-              <a:rPr lang="en-US" sz="2400" dirty="0"/>
-              <a:t>Deception detection (…example coming up)</a:t>
-            </a:r>
-          </a:p>
-          <a:p>
-            <a:pPr marL="266700" indent="-266700"/>
-            <a:r>
-              <a:rPr lang="en-US" sz="2400" dirty="0"/>
-              <a:t>Medicine and biology</a:t>
-            </a:r>
-          </a:p>
-          <a:p>
-            <a:pPr marL="714375" lvl="1" indent="-266700"/>
-            <a:r>
-              <a:rPr lang="en-US" sz="2400" dirty="0"/>
-              <a:t>Literature-based gene identification (…)</a:t>
-            </a:r>
-          </a:p>
-          <a:p>
-            <a:pPr marL="266700" indent="-266700"/>
-            <a:r>
-              <a:rPr lang="en-US" sz="2400" dirty="0"/>
-              <a:t>Academic applications</a:t>
-            </a:r>
-          </a:p>
-          <a:p>
-            <a:pPr marL="714375" lvl="1" indent="-266700"/>
-            <a:r>
-              <a:rPr lang="en-US" sz="2400" dirty="0"/>
-              <a:t>Research stream analysis</a:t>
-            </a:r>
-          </a:p>
-        </p:txBody>
-      </p:sp>
-    </p:spTree>
-    <p:extLst>
-      <p:ext uri="{BB962C8B-B14F-4D97-AF65-F5344CB8AC3E}">
-        <p14:creationId xmlns:p14="http://schemas.microsoft.com/office/powerpoint/2010/main" val="3681385579"/>
-      </p:ext>
-    </p:extLst>
-  </p:cSld>
-  <p:clrMapOvr>
-    <a:masterClrMapping/>
-  </p:clrMapOvr>
-</p:sld>
-</file>
-
-<file path=ppt/slides/slide21.xml><?xml version="1.0" encoding="utf-8"?>
-<p:sld xmlns:a="http://schemas.openxmlformats.org/drawingml/2006/main" xmlns:r="http://schemas.openxmlformats.org/officeDocument/2006/relationships" xmlns:p="http://schemas.openxmlformats.org/presentationml/2006/main">
-  <p:cSld>
-    <p:spTree>
-      <p:nvGrpSpPr>
-        <p:cNvPr id="1" name=""/>
-        <p:cNvGrpSpPr/>
-        <p:nvPr/>
-      </p:nvGrpSpPr>
-      <p:grpSpPr>
-        <a:xfrm>
-          <a:off x="0" y="0"/>
-          <a:ext cx="0" cy="0"/>
-          <a:chOff x="0" y="0"/>
-          <a:chExt cx="0" cy="0"/>
-        </a:xfrm>
-      </p:grpSpPr>
-      <p:sp>
-        <p:nvSpPr>
-          <p:cNvPr id="2" name="Title 1"/>
-          <p:cNvSpPr>
-            <a:spLocks noGrp="1"/>
-          </p:cNvSpPr>
-          <p:nvPr>
-            <p:ph type="title"/>
-          </p:nvPr>
-        </p:nvSpPr>
-        <p:spPr>
-          <a:xfrm>
             <a:off x="457200" y="66675"/>
             <a:ext cx="8153400" cy="553998"/>
           </a:xfrm>
@@ -15087,7 +14152,7 @@
 </p:sld>
 </file>
 
-<file path=ppt/slides/slide22.xml><?xml version="1.0" encoding="utf-8"?>
+<file path=ppt/slides/slide19.xml><?xml version="1.0" encoding="utf-8"?>
 <p:sld xmlns:a="http://schemas.openxmlformats.org/drawingml/2006/main" xmlns:r="http://schemas.openxmlformats.org/officeDocument/2006/relationships" xmlns:p="http://schemas.openxmlformats.org/presentationml/2006/main">
   <p:cSld>
     <p:spTree>
@@ -15376,7 +14441,250 @@
 </p:sld>
 </file>
 
-<file path=ppt/slides/slide23.xml><?xml version="1.0" encoding="utf-8"?>
+<file path=ppt/slides/slide2.xml><?xml version="1.0" encoding="utf-8"?>
+<p:sld xmlns:a="http://schemas.openxmlformats.org/drawingml/2006/main" xmlns:r="http://schemas.openxmlformats.org/officeDocument/2006/relationships" xmlns:p="http://schemas.openxmlformats.org/presentationml/2006/main">
+  <p:cSld>
+    <p:spTree>
+      <p:nvGrpSpPr>
+        <p:cNvPr id="1" name=""/>
+        <p:cNvGrpSpPr/>
+        <p:nvPr/>
+      </p:nvGrpSpPr>
+      <p:grpSpPr>
+        <a:xfrm>
+          <a:off x="0" y="0"/>
+          <a:ext cx="0" cy="0"/>
+          <a:chOff x="0" y="0"/>
+          <a:chExt cx="0" cy="0"/>
+        </a:xfrm>
+      </p:grpSpPr>
+      <p:sp>
+        <p:nvSpPr>
+          <p:cNvPr id="2" name="Title 1"/>
+          <p:cNvSpPr>
+            <a:spLocks noGrp="1"/>
+          </p:cNvSpPr>
+          <p:nvPr>
+            <p:ph type="title"/>
+          </p:nvPr>
+        </p:nvSpPr>
+        <p:spPr>
+          <a:xfrm>
+            <a:off x="456154" y="74652"/>
+            <a:ext cx="8153400" cy="553998"/>
+          </a:xfrm>
+        </p:spPr>
+        <p:txBody>
+          <a:bodyPr wrap="square">
+            <a:spAutoFit/>
+          </a:bodyPr>
+          <a:lstStyle/>
+          <a:p>
+            <a:r>
+              <a:rPr lang="en-IN" altLang="en-US" dirty="0"/>
+              <a:t>Learning Objectives </a:t>
+            </a:r>
+            <a:r>
+              <a:rPr lang="en-IN" altLang="en-US" sz="2800" dirty="0"/>
+              <a:t>(1 of 2)</a:t>
+            </a:r>
+            <a:endParaRPr lang="en-US" dirty="0"/>
+          </a:p>
+        </p:txBody>
+      </p:sp>
+      <p:sp>
+        <p:nvSpPr>
+          <p:cNvPr id="3" name="Content Placeholder 2"/>
+          <p:cNvSpPr>
+            <a:spLocks noGrp="1"/>
+          </p:cNvSpPr>
+          <p:nvPr>
+            <p:ph idx="1"/>
+          </p:nvPr>
+        </p:nvSpPr>
+        <p:spPr>
+          <a:xfrm>
+            <a:off x="456154" y="990600"/>
+            <a:ext cx="8153400" cy="4462760"/>
+          </a:xfrm>
+        </p:spPr>
+        <p:txBody>
+          <a:bodyPr wrap="square">
+            <a:spAutoFit/>
+          </a:bodyPr>
+          <a:lstStyle/>
+          <a:p>
+            <a:pPr marL="0" indent="0">
+              <a:buClr>
+                <a:schemeClr val="bg1"/>
+              </a:buClr>
+              <a:buNone/>
+              <a:tabLst>
+                <a:tab pos="714375" algn="l"/>
+              </a:tabLst>
+            </a:pPr>
+            <a:r>
+              <a:rPr lang="en-US" sz="2400" b="1" dirty="0">
+                <a:solidFill>
+                  <a:srgbClr val="007FA3"/>
+                </a:solidFill>
+              </a:rPr>
+              <a:t>7.1</a:t>
+            </a:r>
+            <a:r>
+              <a:rPr lang="en-US" sz="2400" dirty="0"/>
+              <a:t> 	Describe text mining and understand the need for text 	mining</a:t>
+            </a:r>
+          </a:p>
+          <a:p>
+            <a:pPr marL="119063" indent="-119063">
+              <a:buClr>
+                <a:schemeClr val="bg1"/>
+              </a:buClr>
+              <a:buNone/>
+              <a:tabLst>
+                <a:tab pos="714375" algn="l"/>
+              </a:tabLst>
+            </a:pPr>
+            <a:r>
+              <a:rPr lang="en-US" sz="2400" b="1" dirty="0">
+                <a:solidFill>
+                  <a:srgbClr val="007FA3"/>
+                </a:solidFill>
+              </a:rPr>
+              <a:t>7.2</a:t>
+            </a:r>
+            <a:r>
+              <a:rPr lang="en-US" sz="2400" b="1" dirty="0">
+                <a:solidFill>
+                  <a:schemeClr val="accent1"/>
+                </a:solidFill>
+              </a:rPr>
+              <a:t> 	</a:t>
+            </a:r>
+            <a:r>
+              <a:rPr lang="en-US" sz="2400" dirty="0"/>
+              <a:t>Differentiate among text analytics, text mining and data 	mining</a:t>
+            </a:r>
+          </a:p>
+          <a:p>
+            <a:pPr marL="119063" indent="-119063">
+              <a:buClr>
+                <a:schemeClr val="bg1"/>
+              </a:buClr>
+              <a:buNone/>
+              <a:tabLst>
+                <a:tab pos="714375" algn="l"/>
+              </a:tabLst>
+            </a:pPr>
+            <a:r>
+              <a:rPr lang="en-US" sz="2400" b="1" dirty="0">
+                <a:solidFill>
+                  <a:srgbClr val="007FA3"/>
+                </a:solidFill>
+              </a:rPr>
+              <a:t>7.3</a:t>
+            </a:r>
+            <a:r>
+              <a:rPr lang="en-US" sz="2400" dirty="0"/>
+              <a:t> 	Understand the different application areas for text 	mining</a:t>
+            </a:r>
+          </a:p>
+          <a:p>
+            <a:pPr marL="0" lvl="0" indent="0">
+              <a:buClr>
+                <a:schemeClr val="lt1"/>
+              </a:buClr>
+              <a:buSzPct val="25000"/>
+              <a:buNone/>
+              <a:tabLst>
+                <a:tab pos="714375" algn="l"/>
+              </a:tabLst>
+            </a:pPr>
+            <a:r>
+              <a:rPr lang="en-US" sz="2400" b="1" dirty="0">
+                <a:solidFill>
+                  <a:srgbClr val="007FA3"/>
+                </a:solidFill>
+              </a:rPr>
+              <a:t>7.4</a:t>
+            </a:r>
+            <a:r>
+              <a:rPr lang="en-US" sz="2400" b="1" dirty="0">
+                <a:solidFill>
+                  <a:schemeClr val="accent1"/>
+                </a:solidFill>
+              </a:rPr>
+              <a:t> 	</a:t>
+            </a:r>
+            <a:r>
+              <a:rPr lang="en-US" sz="2400" dirty="0"/>
+              <a:t>Know the process of carrying out a text mining project</a:t>
+            </a:r>
+          </a:p>
+          <a:p>
+            <a:pPr marL="0" indent="0">
+              <a:buClr>
+                <a:schemeClr val="lt1"/>
+              </a:buClr>
+              <a:buSzPct val="25000"/>
+              <a:buNone/>
+              <a:tabLst>
+                <a:tab pos="714375" algn="l"/>
+              </a:tabLst>
+            </a:pPr>
+            <a:r>
+              <a:rPr lang="en-US" sz="2400" b="1" dirty="0">
+                <a:solidFill>
+                  <a:srgbClr val="007FA3"/>
+                </a:solidFill>
+              </a:rPr>
+              <a:t>7.5</a:t>
+            </a:r>
+            <a:r>
+              <a:rPr lang="en-US" sz="2400" dirty="0"/>
+              <a:t> 	Appreciate the different methods to introduce structure 	to text-based data</a:t>
+            </a:r>
+            <a:br>
+              <a:rPr lang="en-US" sz="2400" dirty="0"/>
+            </a:br>
+            <a:r>
+              <a:rPr lang="en-US" sz="2400" b="1" dirty="0">
+                <a:solidFill>
+                  <a:srgbClr val="007FA3"/>
+                </a:solidFill>
+              </a:rPr>
+              <a:t>7.6</a:t>
+            </a:r>
+            <a:r>
+              <a:rPr lang="en-US" sz="2400" b="1" dirty="0">
+                <a:solidFill>
+                  <a:schemeClr val="accent1"/>
+                </a:solidFill>
+              </a:rPr>
+              <a:t> 	</a:t>
+            </a:r>
+            <a:r>
+              <a:rPr lang="en-US" sz="2400" dirty="0"/>
+              <a:t>Describe sentiment analysis</a:t>
+            </a:r>
+          </a:p>
+        </p:txBody>
+      </p:sp>
+    </p:spTree>
+    <p:extLst>
+      <p:ext uri="{BB962C8B-B14F-4D97-AF65-F5344CB8AC3E}">
+        <p14:creationId xmlns:p14="http://schemas.microsoft.com/office/powerpoint/2010/main" val="1944379431"/>
+      </p:ext>
+    </p:extLst>
+  </p:cSld>
+  <p:clrMapOvr>
+    <a:masterClrMapping/>
+  </p:clrMapOvr>
+</p:sld>
+</file>
+
+<file path=ppt/slides/slide20.xml><?xml version="1.0" encoding="utf-8"?>
 <p:sld xmlns:a="http://schemas.openxmlformats.org/drawingml/2006/main" xmlns:r="http://schemas.openxmlformats.org/officeDocument/2006/relationships" xmlns:p="http://schemas.openxmlformats.org/presentationml/2006/main">
   <p:cSld>
     <p:spTree>
@@ -17521,7 +16829,7 @@
 </p:sld>
 </file>
 
-<file path=ppt/slides/slide24.xml><?xml version="1.0" encoding="utf-8"?>
+<file path=ppt/slides/slide21.xml><?xml version="1.0" encoding="utf-8"?>
 <p:sld xmlns:a="http://schemas.openxmlformats.org/drawingml/2006/main" xmlns:r="http://schemas.openxmlformats.org/officeDocument/2006/relationships" xmlns:p="http://schemas.openxmlformats.org/presentationml/2006/main">
   <p:cSld>
     <p:spTree>
@@ -17721,7 +17029,7 @@
 </p:sld>
 </file>
 
-<file path=ppt/slides/slide25.xml><?xml version="1.0" encoding="utf-8"?>
+<file path=ppt/slides/slide22.xml><?xml version="1.0" encoding="utf-8"?>
 <p:sld xmlns:a="http://schemas.openxmlformats.org/drawingml/2006/main" xmlns:r="http://schemas.openxmlformats.org/officeDocument/2006/relationships" xmlns:p="http://schemas.openxmlformats.org/presentationml/2006/main">
   <p:cSld>
     <p:spTree>
@@ -17995,7 +17303,7 @@
 </p:sld>
 </file>
 
-<file path=ppt/slides/slide26.xml><?xml version="1.0" encoding="utf-8"?>
+<file path=ppt/slides/slide23.xml><?xml version="1.0" encoding="utf-8"?>
 <p:sld xmlns:a="http://schemas.openxmlformats.org/drawingml/2006/main" xmlns:r="http://schemas.openxmlformats.org/officeDocument/2006/relationships" xmlns:p="http://schemas.openxmlformats.org/presentationml/2006/main">
   <p:cSld>
     <p:spTree>
@@ -18131,7 +17439,7 @@
 </p:sld>
 </file>
 
-<file path=ppt/slides/slide27.xml><?xml version="1.0" encoding="utf-8"?>
+<file path=ppt/slides/slide24.xml><?xml version="1.0" encoding="utf-8"?>
 <p:sld xmlns:a="http://schemas.openxmlformats.org/drawingml/2006/main" xmlns:r="http://schemas.openxmlformats.org/officeDocument/2006/relationships" xmlns:p="http://schemas.openxmlformats.org/presentationml/2006/main">
   <p:cSld>
     <p:spTree>
@@ -18273,7 +17581,7 @@
 </p:sld>
 </file>
 
-<file path=ppt/slides/slide28.xml><?xml version="1.0" encoding="utf-8"?>
+<file path=ppt/slides/slide25.xml><?xml version="1.0" encoding="utf-8"?>
 <p:sld xmlns:a="http://schemas.openxmlformats.org/drawingml/2006/main" xmlns:r="http://schemas.openxmlformats.org/officeDocument/2006/relationships" xmlns:p="http://schemas.openxmlformats.org/presentationml/2006/main">
   <p:cSld>
     <p:spTree>
@@ -18442,7 +17750,7 @@
 </p:sld>
 </file>
 
-<file path=ppt/slides/slide29.xml><?xml version="1.0" encoding="utf-8"?>
+<file path=ppt/slides/slide26.xml><?xml version="1.0" encoding="utf-8"?>
 <p:sld xmlns:a="http://schemas.openxmlformats.org/drawingml/2006/main" xmlns:r="http://schemas.openxmlformats.org/officeDocument/2006/relationships" xmlns:p="http://schemas.openxmlformats.org/presentationml/2006/main">
   <p:cSld>
     <p:spTree>
@@ -18588,6 +17896,510 @@
 </p:sld>
 </file>
 
+<file path=ppt/slides/slide27.xml><?xml version="1.0" encoding="utf-8"?>
+<p:sld xmlns:a="http://schemas.openxmlformats.org/drawingml/2006/main" xmlns:r="http://schemas.openxmlformats.org/officeDocument/2006/relationships" xmlns:p="http://schemas.openxmlformats.org/presentationml/2006/main">
+  <p:cSld>
+    <p:spTree>
+      <p:nvGrpSpPr>
+        <p:cNvPr id="1" name=""/>
+        <p:cNvGrpSpPr/>
+        <p:nvPr/>
+      </p:nvGrpSpPr>
+      <p:grpSpPr>
+        <a:xfrm>
+          <a:off x="0" y="0"/>
+          <a:ext cx="0" cy="0"/>
+          <a:chOff x="0" y="0"/>
+          <a:chExt cx="0" cy="0"/>
+        </a:xfrm>
+      </p:grpSpPr>
+      <p:sp>
+        <p:nvSpPr>
+          <p:cNvPr id="2" name="Title 1"/>
+          <p:cNvSpPr>
+            <a:spLocks noGrp="1"/>
+          </p:cNvSpPr>
+          <p:nvPr>
+            <p:ph type="title"/>
+          </p:nvPr>
+        </p:nvSpPr>
+        <p:spPr>
+          <a:xfrm>
+            <a:off x="457200" y="76200"/>
+            <a:ext cx="8153400" cy="552450"/>
+          </a:xfrm>
+        </p:spPr>
+        <p:txBody>
+          <a:bodyPr wrap="square">
+            <a:spAutoFit/>
+          </a:bodyPr>
+          <a:lstStyle/>
+          <a:p>
+            <a:r>
+              <a:rPr lang="en-US" sz="3600" dirty="0">
+                <a:latin typeface="+mj-lt"/>
+              </a:rPr>
+              <a:t>Text Mining Process </a:t>
+            </a:r>
+            <a:r>
+              <a:rPr lang="en-US" sz="2800" dirty="0">
+                <a:latin typeface="+mj-lt"/>
+              </a:rPr>
+              <a:t>(5 of 7)</a:t>
+            </a:r>
+          </a:p>
+        </p:txBody>
+      </p:sp>
+      <p:sp>
+        <p:nvSpPr>
+          <p:cNvPr id="3" name="Content Placeholder 2"/>
+          <p:cNvSpPr>
+            <a:spLocks noGrp="1"/>
+          </p:cNvSpPr>
+          <p:nvPr>
+            <p:ph sz="quarter" idx="14"/>
+          </p:nvPr>
+        </p:nvSpPr>
+        <p:spPr>
+          <a:xfrm>
+            <a:off x="457200" y="1000124"/>
+            <a:ext cx="8153400" cy="4231928"/>
+          </a:xfrm>
+        </p:spPr>
+        <p:txBody>
+          <a:bodyPr>
+            <a:spAutoFit/>
+          </a:bodyPr>
+          <a:lstStyle/>
+          <a:p>
+            <a:pPr>
+              <a:buSzPct val="100000"/>
+              <a:tabLst>
+                <a:tab pos="266700" algn="l"/>
+              </a:tabLst>
+            </a:pPr>
+            <a:r>
+              <a:rPr lang="en-US" sz="2400" dirty="0">
+                <a:solidFill>
+                  <a:schemeClr val="bg2"/>
+                </a:solidFill>
+              </a:rPr>
+              <a:t>Step 2:</a:t>
+            </a:r>
+            <a:r>
+              <a:rPr lang="en-US" sz="2400" dirty="0"/>
+              <a:t> Create the Term–by–Document Matrix (</a:t>
+            </a:r>
+            <a:r>
+              <a:rPr lang="en-US" sz="2400" spc="-300" dirty="0"/>
+              <a:t>T D </a:t>
+            </a:r>
+            <a:r>
+              <a:rPr lang="en-US" sz="2400" dirty="0"/>
+              <a:t>M) (Cont.)</a:t>
+            </a:r>
+          </a:p>
+          <a:p>
+            <a:pPr marL="714375" lvl="1" indent="-266700"/>
+            <a:r>
+              <a:rPr lang="en-US" sz="2400" dirty="0"/>
+              <a:t>Should all terms be included?</a:t>
+            </a:r>
+          </a:p>
+          <a:p>
+            <a:pPr marL="1133475" lvl="2" indent="-238125"/>
+            <a:r>
+              <a:rPr lang="en-US" sz="2400" dirty="0"/>
+              <a:t>Stop words, include words</a:t>
+            </a:r>
+          </a:p>
+          <a:p>
+            <a:pPr marL="1133475" lvl="2" indent="-238125"/>
+            <a:r>
+              <a:rPr lang="en-US" sz="2400" dirty="0"/>
+              <a:t>Synonyms, homonyms</a:t>
+            </a:r>
+          </a:p>
+          <a:p>
+            <a:pPr marL="1133475" lvl="2" indent="-238125"/>
+            <a:r>
+              <a:rPr lang="en-US" sz="2400" dirty="0"/>
+              <a:t>Stemming</a:t>
+            </a:r>
+          </a:p>
+          <a:p>
+            <a:pPr marL="714375" lvl="1" indent="-266700"/>
+            <a:r>
+              <a:rPr lang="en-US" sz="2400" dirty="0"/>
+              <a:t>What is the best representation of the indices (values in cells)? </a:t>
+            </a:r>
+          </a:p>
+          <a:p>
+            <a:pPr marL="1133475" lvl="2" indent="-238125"/>
+            <a:r>
+              <a:rPr lang="en-US" sz="2400" dirty="0"/>
+              <a:t>Row counts; binary frequencies; log frequencies;</a:t>
+            </a:r>
+          </a:p>
+          <a:p>
+            <a:pPr marL="1133475" lvl="2" indent="-238125"/>
+            <a:r>
+              <a:rPr lang="en-US" sz="2400" dirty="0"/>
+              <a:t>Inverse document frequency</a:t>
+            </a:r>
+          </a:p>
+        </p:txBody>
+      </p:sp>
+    </p:spTree>
+    <p:extLst>
+      <p:ext uri="{BB962C8B-B14F-4D97-AF65-F5344CB8AC3E}">
+        <p14:creationId xmlns:p14="http://schemas.microsoft.com/office/powerpoint/2010/main" val="1785789029"/>
+      </p:ext>
+    </p:extLst>
+  </p:cSld>
+  <p:clrMapOvr>
+    <a:masterClrMapping/>
+  </p:clrMapOvr>
+</p:sld>
+</file>
+
+<file path=ppt/slides/slide28.xml><?xml version="1.0" encoding="utf-8"?>
+<p:sld xmlns:a="http://schemas.openxmlformats.org/drawingml/2006/main" xmlns:r="http://schemas.openxmlformats.org/officeDocument/2006/relationships" xmlns:p="http://schemas.openxmlformats.org/presentationml/2006/main">
+  <p:cSld>
+    <p:spTree>
+      <p:nvGrpSpPr>
+        <p:cNvPr id="1" name=""/>
+        <p:cNvGrpSpPr/>
+        <p:nvPr/>
+      </p:nvGrpSpPr>
+      <p:grpSpPr>
+        <a:xfrm>
+          <a:off x="0" y="0"/>
+          <a:ext cx="0" cy="0"/>
+          <a:chOff x="0" y="0"/>
+          <a:chExt cx="0" cy="0"/>
+        </a:xfrm>
+      </p:grpSpPr>
+      <p:sp>
+        <p:nvSpPr>
+          <p:cNvPr id="2" name="Title 1"/>
+          <p:cNvSpPr>
+            <a:spLocks noGrp="1"/>
+          </p:cNvSpPr>
+          <p:nvPr>
+            <p:ph type="title"/>
+          </p:nvPr>
+        </p:nvSpPr>
+        <p:spPr>
+          <a:xfrm>
+            <a:off x="457200" y="76200"/>
+            <a:ext cx="8153400" cy="552450"/>
+          </a:xfrm>
+        </p:spPr>
+        <p:txBody>
+          <a:bodyPr wrap="square">
+            <a:spAutoFit/>
+          </a:bodyPr>
+          <a:lstStyle/>
+          <a:p>
+            <a:r>
+              <a:rPr lang="en-US" sz="3600" dirty="0">
+                <a:latin typeface="+mj-lt"/>
+              </a:rPr>
+              <a:t>Text Mining Process </a:t>
+            </a:r>
+            <a:r>
+              <a:rPr lang="en-US" sz="2800" dirty="0">
+                <a:latin typeface="+mj-lt"/>
+              </a:rPr>
+              <a:t>(6 of 7)</a:t>
+            </a:r>
+          </a:p>
+        </p:txBody>
+      </p:sp>
+      <p:sp>
+        <p:nvSpPr>
+          <p:cNvPr id="3" name="Content Placeholder 2"/>
+          <p:cNvSpPr>
+            <a:spLocks noGrp="1"/>
+          </p:cNvSpPr>
+          <p:nvPr>
+            <p:ph sz="quarter" idx="14"/>
+          </p:nvPr>
+        </p:nvSpPr>
+        <p:spPr>
+          <a:xfrm>
+            <a:off x="457200" y="1000124"/>
+            <a:ext cx="8153400" cy="4078039"/>
+          </a:xfrm>
+        </p:spPr>
+        <p:txBody>
+          <a:bodyPr>
+            <a:spAutoFit/>
+          </a:bodyPr>
+          <a:lstStyle/>
+          <a:p>
+            <a:pPr>
+              <a:buSzPct val="100000"/>
+            </a:pPr>
+            <a:r>
+              <a:rPr lang="en-US" sz="2400" dirty="0">
+                <a:solidFill>
+                  <a:schemeClr val="bg2"/>
+                </a:solidFill>
+              </a:rPr>
+              <a:t>Step 2:</a:t>
+            </a:r>
+            <a:r>
+              <a:rPr lang="en-US" sz="2400" dirty="0"/>
+              <a:t> Create the Term–by–Document Matrix (</a:t>
+            </a:r>
+            <a:r>
+              <a:rPr lang="en-US" sz="2400" spc="-300" dirty="0"/>
+              <a:t>T D </a:t>
+            </a:r>
+            <a:r>
+              <a:rPr lang="en-US" sz="2400" dirty="0"/>
+              <a:t>M) (Cont.)</a:t>
+            </a:r>
+          </a:p>
+          <a:p>
+            <a:pPr marL="714375" lvl="1" indent="-266700"/>
+            <a:r>
+              <a:rPr lang="en-US" sz="2400" spc="-300" dirty="0"/>
+              <a:t>T D </a:t>
+            </a:r>
+            <a:r>
+              <a:rPr lang="en-US" sz="2400" dirty="0"/>
+              <a:t>M is a sparse matrix. How can we reduce the dimensionality of the </a:t>
+            </a:r>
+            <a:r>
+              <a:rPr lang="en-US" sz="2400" spc="-300" dirty="0"/>
+              <a:t>T D </a:t>
+            </a:r>
+            <a:r>
+              <a:rPr lang="en-US" sz="2400" dirty="0"/>
+              <a:t>M?</a:t>
+            </a:r>
+          </a:p>
+          <a:p>
+            <a:pPr lvl="2" indent="-247650"/>
+            <a:r>
+              <a:rPr lang="en-US" sz="2400" dirty="0"/>
+              <a:t>Manual - a domain expert goes through it</a:t>
+            </a:r>
+          </a:p>
+          <a:p>
+            <a:pPr lvl="2" indent="-247650"/>
+            <a:r>
+              <a:rPr lang="en-US" sz="2400" dirty="0"/>
+              <a:t>Eliminate terms with very few occurrences in very few documents (?)</a:t>
+            </a:r>
+          </a:p>
+          <a:p>
+            <a:pPr lvl="2" indent="-247650"/>
+            <a:r>
+              <a:rPr lang="en-US" sz="2400" dirty="0"/>
+              <a:t>Transform the matrix using singular value decomposition (</a:t>
+            </a:r>
+            <a:r>
+              <a:rPr lang="en-US" sz="2400" spc="-300" dirty="0"/>
+              <a:t>S V </a:t>
+            </a:r>
+            <a:r>
+              <a:rPr lang="en-US" sz="2400" dirty="0"/>
+              <a:t>D) </a:t>
+            </a:r>
+          </a:p>
+          <a:p>
+            <a:pPr lvl="2" indent="-247650"/>
+            <a:r>
+              <a:rPr lang="en-US" sz="2400" spc="-300" dirty="0"/>
+              <a:t>S V </a:t>
+            </a:r>
+            <a:r>
+              <a:rPr lang="en-US" sz="2400" dirty="0"/>
+              <a:t>D is similar to principle component analysis</a:t>
+            </a:r>
+          </a:p>
+        </p:txBody>
+      </p:sp>
+    </p:spTree>
+    <p:extLst>
+      <p:ext uri="{BB962C8B-B14F-4D97-AF65-F5344CB8AC3E}">
+        <p14:creationId xmlns:p14="http://schemas.microsoft.com/office/powerpoint/2010/main" val="3248983235"/>
+      </p:ext>
+    </p:extLst>
+  </p:cSld>
+  <p:clrMapOvr>
+    <a:masterClrMapping/>
+  </p:clrMapOvr>
+</p:sld>
+</file>
+
+<file path=ppt/slides/slide29.xml><?xml version="1.0" encoding="utf-8"?>
+<p:sld xmlns:a="http://schemas.openxmlformats.org/drawingml/2006/main" xmlns:r="http://schemas.openxmlformats.org/officeDocument/2006/relationships" xmlns:p="http://schemas.openxmlformats.org/presentationml/2006/main">
+  <p:cSld>
+    <p:spTree>
+      <p:nvGrpSpPr>
+        <p:cNvPr id="1" name=""/>
+        <p:cNvGrpSpPr/>
+        <p:nvPr/>
+      </p:nvGrpSpPr>
+      <p:grpSpPr>
+        <a:xfrm>
+          <a:off x="0" y="0"/>
+          <a:ext cx="0" cy="0"/>
+          <a:chOff x="0" y="0"/>
+          <a:chExt cx="0" cy="0"/>
+        </a:xfrm>
+      </p:grpSpPr>
+      <p:sp>
+        <p:nvSpPr>
+          <p:cNvPr id="2" name="Title 1"/>
+          <p:cNvSpPr>
+            <a:spLocks noGrp="1"/>
+          </p:cNvSpPr>
+          <p:nvPr>
+            <p:ph type="title"/>
+          </p:nvPr>
+        </p:nvSpPr>
+        <p:spPr>
+          <a:xfrm>
+            <a:off x="457200" y="76200"/>
+            <a:ext cx="8153400" cy="552450"/>
+          </a:xfrm>
+        </p:spPr>
+        <p:txBody>
+          <a:bodyPr wrap="square">
+            <a:spAutoFit/>
+          </a:bodyPr>
+          <a:lstStyle/>
+          <a:p>
+            <a:r>
+              <a:rPr lang="en-US" sz="3600" dirty="0">
+                <a:latin typeface="+mj-lt"/>
+              </a:rPr>
+              <a:t>Text Mining Process </a:t>
+            </a:r>
+            <a:r>
+              <a:rPr lang="en-US" sz="2800" dirty="0">
+                <a:latin typeface="+mj-lt"/>
+              </a:rPr>
+              <a:t>(7 of 7)</a:t>
+            </a:r>
+          </a:p>
+        </p:txBody>
+      </p:sp>
+      <p:sp>
+        <p:nvSpPr>
+          <p:cNvPr id="3" name="Content Placeholder 2"/>
+          <p:cNvSpPr>
+            <a:spLocks noGrp="1"/>
+          </p:cNvSpPr>
+          <p:nvPr>
+            <p:ph sz="quarter" idx="14"/>
+          </p:nvPr>
+        </p:nvSpPr>
+        <p:spPr>
+          <a:xfrm>
+            <a:off x="457200" y="1000124"/>
+            <a:ext cx="8153400" cy="3939540"/>
+          </a:xfrm>
+        </p:spPr>
+        <p:txBody>
+          <a:bodyPr>
+            <a:spAutoFit/>
+          </a:bodyPr>
+          <a:lstStyle/>
+          <a:p>
+            <a:pPr>
+              <a:buSzPct val="100000"/>
+            </a:pPr>
+            <a:r>
+              <a:rPr lang="en-IN" sz="2400" dirty="0">
+                <a:solidFill>
+                  <a:schemeClr val="bg2"/>
+                </a:solidFill>
+              </a:rPr>
+              <a:t>Step 3:</a:t>
+            </a:r>
+            <a:r>
+              <a:rPr lang="en-IN" sz="2400" dirty="0"/>
+              <a:t> Extract patterns/knowledge</a:t>
+            </a:r>
+          </a:p>
+          <a:p>
+            <a:pPr marL="763143" lvl="1" indent="-276225"/>
+            <a:r>
+              <a:rPr lang="en-IN" sz="2400" dirty="0"/>
+              <a:t>Classification (text categorization)</a:t>
+            </a:r>
+          </a:p>
+          <a:p>
+            <a:pPr marL="763143" lvl="1" indent="-276225"/>
+            <a:r>
+              <a:rPr lang="en-IN" sz="2400" dirty="0"/>
+              <a:t>Clustering (natural groupings of text)</a:t>
+            </a:r>
+          </a:p>
+          <a:p>
+            <a:pPr marL="1163193" lvl="2" indent="-276225"/>
+            <a:r>
+              <a:rPr lang="en-IN" sz="2400" dirty="0"/>
+              <a:t>Improve search recall</a:t>
+            </a:r>
+          </a:p>
+          <a:p>
+            <a:pPr marL="1163193" lvl="2" indent="-276225"/>
+            <a:r>
+              <a:rPr lang="en-IN" sz="2400" dirty="0"/>
+              <a:t>Improve search precision</a:t>
+            </a:r>
+          </a:p>
+          <a:p>
+            <a:pPr marL="1163193" lvl="2" indent="-276225"/>
+            <a:r>
+              <a:rPr lang="en-IN" sz="2400" dirty="0"/>
+              <a:t>Scatter/gather</a:t>
+            </a:r>
+          </a:p>
+          <a:p>
+            <a:pPr marL="1163193" lvl="2" indent="-276225"/>
+            <a:r>
+              <a:rPr lang="en-IN" sz="2400" dirty="0"/>
+              <a:t>Query-specific clustering</a:t>
+            </a:r>
+          </a:p>
+          <a:p>
+            <a:pPr marL="763143" lvl="1" indent="-276225"/>
+            <a:r>
+              <a:rPr lang="en-IN" sz="2400" dirty="0"/>
+              <a:t>Association</a:t>
+            </a:r>
+          </a:p>
+          <a:p>
+            <a:pPr marL="763143" lvl="1" indent="-276225"/>
+            <a:r>
+              <a:rPr lang="en-IN" sz="2400" dirty="0"/>
+              <a:t>Trend Analysis (…)</a:t>
+            </a:r>
+          </a:p>
+        </p:txBody>
+      </p:sp>
+    </p:spTree>
+    <p:extLst>
+      <p:ext uri="{BB962C8B-B14F-4D97-AF65-F5344CB8AC3E}">
+        <p14:creationId xmlns:p14="http://schemas.microsoft.com/office/powerpoint/2010/main" val="1747352255"/>
+      </p:ext>
+    </p:extLst>
+  </p:cSld>
+  <p:clrMapOvr>
+    <a:masterClrMapping/>
+  </p:clrMapOvr>
+</p:sld>
+</file>
+
 <file path=ppt/slides/slide3.xml><?xml version="1.0" encoding="utf-8"?>
 <p:sld xmlns:a="http://schemas.openxmlformats.org/drawingml/2006/main" xmlns:r="http://schemas.openxmlformats.org/officeDocument/2006/relationships" xmlns:p="http://schemas.openxmlformats.org/presentationml/2006/main">
   <p:cSld>
@@ -18804,510 +18616,6 @@
         </p:nvSpPr>
         <p:spPr>
           <a:xfrm>
-            <a:off x="457200" y="76200"/>
-            <a:ext cx="8153400" cy="552450"/>
-          </a:xfrm>
-        </p:spPr>
-        <p:txBody>
-          <a:bodyPr wrap="square">
-            <a:spAutoFit/>
-          </a:bodyPr>
-          <a:lstStyle/>
-          <a:p>
-            <a:r>
-              <a:rPr lang="en-US" sz="3600" dirty="0">
-                <a:latin typeface="+mj-lt"/>
-              </a:rPr>
-              <a:t>Text Mining Process </a:t>
-            </a:r>
-            <a:r>
-              <a:rPr lang="en-US" sz="2800" dirty="0">
-                <a:latin typeface="+mj-lt"/>
-              </a:rPr>
-              <a:t>(5 of 7)</a:t>
-            </a:r>
-          </a:p>
-        </p:txBody>
-      </p:sp>
-      <p:sp>
-        <p:nvSpPr>
-          <p:cNvPr id="3" name="Content Placeholder 2"/>
-          <p:cNvSpPr>
-            <a:spLocks noGrp="1"/>
-          </p:cNvSpPr>
-          <p:nvPr>
-            <p:ph sz="quarter" idx="14"/>
-          </p:nvPr>
-        </p:nvSpPr>
-        <p:spPr>
-          <a:xfrm>
-            <a:off x="457200" y="1000124"/>
-            <a:ext cx="8153400" cy="4231928"/>
-          </a:xfrm>
-        </p:spPr>
-        <p:txBody>
-          <a:bodyPr>
-            <a:spAutoFit/>
-          </a:bodyPr>
-          <a:lstStyle/>
-          <a:p>
-            <a:pPr>
-              <a:buSzPct val="100000"/>
-              <a:tabLst>
-                <a:tab pos="266700" algn="l"/>
-              </a:tabLst>
-            </a:pPr>
-            <a:r>
-              <a:rPr lang="en-US" sz="2400" dirty="0">
-                <a:solidFill>
-                  <a:schemeClr val="bg2"/>
-                </a:solidFill>
-              </a:rPr>
-              <a:t>Step 2:</a:t>
-            </a:r>
-            <a:r>
-              <a:rPr lang="en-US" sz="2400" dirty="0"/>
-              <a:t> Create the Term–by–Document Matrix (</a:t>
-            </a:r>
-            <a:r>
-              <a:rPr lang="en-US" sz="2400" spc="-300" dirty="0"/>
-              <a:t>T D </a:t>
-            </a:r>
-            <a:r>
-              <a:rPr lang="en-US" sz="2400" dirty="0"/>
-              <a:t>M) (Cont.)</a:t>
-            </a:r>
-          </a:p>
-          <a:p>
-            <a:pPr marL="714375" lvl="1" indent="-266700"/>
-            <a:r>
-              <a:rPr lang="en-US" sz="2400" dirty="0"/>
-              <a:t>Should all terms be included?</a:t>
-            </a:r>
-          </a:p>
-          <a:p>
-            <a:pPr marL="1133475" lvl="2" indent="-238125"/>
-            <a:r>
-              <a:rPr lang="en-US" sz="2400" dirty="0"/>
-              <a:t>Stop words, include words</a:t>
-            </a:r>
-          </a:p>
-          <a:p>
-            <a:pPr marL="1133475" lvl="2" indent="-238125"/>
-            <a:r>
-              <a:rPr lang="en-US" sz="2400" dirty="0"/>
-              <a:t>Synonyms, homonyms</a:t>
-            </a:r>
-          </a:p>
-          <a:p>
-            <a:pPr marL="1133475" lvl="2" indent="-238125"/>
-            <a:r>
-              <a:rPr lang="en-US" sz="2400" dirty="0"/>
-              <a:t>Stemming</a:t>
-            </a:r>
-          </a:p>
-          <a:p>
-            <a:pPr marL="714375" lvl="1" indent="-266700"/>
-            <a:r>
-              <a:rPr lang="en-US" sz="2400" dirty="0"/>
-              <a:t>What is the best representation of the indices (values in cells)? </a:t>
-            </a:r>
-          </a:p>
-          <a:p>
-            <a:pPr marL="1133475" lvl="2" indent="-238125"/>
-            <a:r>
-              <a:rPr lang="en-US" sz="2400" dirty="0"/>
-              <a:t>Row counts; binary frequencies; log frequencies;</a:t>
-            </a:r>
-          </a:p>
-          <a:p>
-            <a:pPr marL="1133475" lvl="2" indent="-238125"/>
-            <a:r>
-              <a:rPr lang="en-US" sz="2400" dirty="0"/>
-              <a:t>Inverse document frequency</a:t>
-            </a:r>
-          </a:p>
-        </p:txBody>
-      </p:sp>
-    </p:spTree>
-    <p:extLst>
-      <p:ext uri="{BB962C8B-B14F-4D97-AF65-F5344CB8AC3E}">
-        <p14:creationId xmlns:p14="http://schemas.microsoft.com/office/powerpoint/2010/main" val="1785789029"/>
-      </p:ext>
-    </p:extLst>
-  </p:cSld>
-  <p:clrMapOvr>
-    <a:masterClrMapping/>
-  </p:clrMapOvr>
-</p:sld>
-</file>
-
-<file path=ppt/slides/slide31.xml><?xml version="1.0" encoding="utf-8"?>
-<p:sld xmlns:a="http://schemas.openxmlformats.org/drawingml/2006/main" xmlns:r="http://schemas.openxmlformats.org/officeDocument/2006/relationships" xmlns:p="http://schemas.openxmlformats.org/presentationml/2006/main">
-  <p:cSld>
-    <p:spTree>
-      <p:nvGrpSpPr>
-        <p:cNvPr id="1" name=""/>
-        <p:cNvGrpSpPr/>
-        <p:nvPr/>
-      </p:nvGrpSpPr>
-      <p:grpSpPr>
-        <a:xfrm>
-          <a:off x="0" y="0"/>
-          <a:ext cx="0" cy="0"/>
-          <a:chOff x="0" y="0"/>
-          <a:chExt cx="0" cy="0"/>
-        </a:xfrm>
-      </p:grpSpPr>
-      <p:sp>
-        <p:nvSpPr>
-          <p:cNvPr id="2" name="Title 1"/>
-          <p:cNvSpPr>
-            <a:spLocks noGrp="1"/>
-          </p:cNvSpPr>
-          <p:nvPr>
-            <p:ph type="title"/>
-          </p:nvPr>
-        </p:nvSpPr>
-        <p:spPr>
-          <a:xfrm>
-            <a:off x="457200" y="76200"/>
-            <a:ext cx="8153400" cy="552450"/>
-          </a:xfrm>
-        </p:spPr>
-        <p:txBody>
-          <a:bodyPr wrap="square">
-            <a:spAutoFit/>
-          </a:bodyPr>
-          <a:lstStyle/>
-          <a:p>
-            <a:r>
-              <a:rPr lang="en-US" sz="3600" dirty="0">
-                <a:latin typeface="+mj-lt"/>
-              </a:rPr>
-              <a:t>Text Mining Process </a:t>
-            </a:r>
-            <a:r>
-              <a:rPr lang="en-US" sz="2800" dirty="0">
-                <a:latin typeface="+mj-lt"/>
-              </a:rPr>
-              <a:t>(6 of 7)</a:t>
-            </a:r>
-          </a:p>
-        </p:txBody>
-      </p:sp>
-      <p:sp>
-        <p:nvSpPr>
-          <p:cNvPr id="3" name="Content Placeholder 2"/>
-          <p:cNvSpPr>
-            <a:spLocks noGrp="1"/>
-          </p:cNvSpPr>
-          <p:nvPr>
-            <p:ph sz="quarter" idx="14"/>
-          </p:nvPr>
-        </p:nvSpPr>
-        <p:spPr>
-          <a:xfrm>
-            <a:off x="457200" y="1000124"/>
-            <a:ext cx="8153400" cy="4078039"/>
-          </a:xfrm>
-        </p:spPr>
-        <p:txBody>
-          <a:bodyPr>
-            <a:spAutoFit/>
-          </a:bodyPr>
-          <a:lstStyle/>
-          <a:p>
-            <a:pPr>
-              <a:buSzPct val="100000"/>
-            </a:pPr>
-            <a:r>
-              <a:rPr lang="en-US" sz="2400" dirty="0">
-                <a:solidFill>
-                  <a:schemeClr val="bg2"/>
-                </a:solidFill>
-              </a:rPr>
-              <a:t>Step 2:</a:t>
-            </a:r>
-            <a:r>
-              <a:rPr lang="en-US" sz="2400" dirty="0"/>
-              <a:t> Create the Term–by–Document Matrix (</a:t>
-            </a:r>
-            <a:r>
-              <a:rPr lang="en-US" sz="2400" spc="-300" dirty="0"/>
-              <a:t>T D </a:t>
-            </a:r>
-            <a:r>
-              <a:rPr lang="en-US" sz="2400" dirty="0"/>
-              <a:t>M) (Cont.)</a:t>
-            </a:r>
-          </a:p>
-          <a:p>
-            <a:pPr marL="714375" lvl="1" indent="-266700"/>
-            <a:r>
-              <a:rPr lang="en-US" sz="2400" spc="-300" dirty="0"/>
-              <a:t>T D </a:t>
-            </a:r>
-            <a:r>
-              <a:rPr lang="en-US" sz="2400" dirty="0"/>
-              <a:t>M is a sparse matrix. How can we reduce the dimensionality of the </a:t>
-            </a:r>
-            <a:r>
-              <a:rPr lang="en-US" sz="2400" spc="-300" dirty="0"/>
-              <a:t>T D </a:t>
-            </a:r>
-            <a:r>
-              <a:rPr lang="en-US" sz="2400" dirty="0"/>
-              <a:t>M?</a:t>
-            </a:r>
-          </a:p>
-          <a:p>
-            <a:pPr lvl="2" indent="-247650"/>
-            <a:r>
-              <a:rPr lang="en-US" sz="2400" dirty="0"/>
-              <a:t>Manual - a domain expert goes through it</a:t>
-            </a:r>
-          </a:p>
-          <a:p>
-            <a:pPr lvl="2" indent="-247650"/>
-            <a:r>
-              <a:rPr lang="en-US" sz="2400" dirty="0"/>
-              <a:t>Eliminate terms with very few occurrences in very few documents (?)</a:t>
-            </a:r>
-          </a:p>
-          <a:p>
-            <a:pPr lvl="2" indent="-247650"/>
-            <a:r>
-              <a:rPr lang="en-US" sz="2400" dirty="0"/>
-              <a:t>Transform the matrix using singular value decomposition (</a:t>
-            </a:r>
-            <a:r>
-              <a:rPr lang="en-US" sz="2400" spc="-300" dirty="0"/>
-              <a:t>S V </a:t>
-            </a:r>
-            <a:r>
-              <a:rPr lang="en-US" sz="2400" dirty="0"/>
-              <a:t>D) </a:t>
-            </a:r>
-          </a:p>
-          <a:p>
-            <a:pPr lvl="2" indent="-247650"/>
-            <a:r>
-              <a:rPr lang="en-US" sz="2400" spc="-300" dirty="0"/>
-              <a:t>S V </a:t>
-            </a:r>
-            <a:r>
-              <a:rPr lang="en-US" sz="2400" dirty="0"/>
-              <a:t>D is similar to principle component analysis</a:t>
-            </a:r>
-          </a:p>
-        </p:txBody>
-      </p:sp>
-    </p:spTree>
-    <p:extLst>
-      <p:ext uri="{BB962C8B-B14F-4D97-AF65-F5344CB8AC3E}">
-        <p14:creationId xmlns:p14="http://schemas.microsoft.com/office/powerpoint/2010/main" val="3248983235"/>
-      </p:ext>
-    </p:extLst>
-  </p:cSld>
-  <p:clrMapOvr>
-    <a:masterClrMapping/>
-  </p:clrMapOvr>
-</p:sld>
-</file>
-
-<file path=ppt/slides/slide32.xml><?xml version="1.0" encoding="utf-8"?>
-<p:sld xmlns:a="http://schemas.openxmlformats.org/drawingml/2006/main" xmlns:r="http://schemas.openxmlformats.org/officeDocument/2006/relationships" xmlns:p="http://schemas.openxmlformats.org/presentationml/2006/main">
-  <p:cSld>
-    <p:spTree>
-      <p:nvGrpSpPr>
-        <p:cNvPr id="1" name=""/>
-        <p:cNvGrpSpPr/>
-        <p:nvPr/>
-      </p:nvGrpSpPr>
-      <p:grpSpPr>
-        <a:xfrm>
-          <a:off x="0" y="0"/>
-          <a:ext cx="0" cy="0"/>
-          <a:chOff x="0" y="0"/>
-          <a:chExt cx="0" cy="0"/>
-        </a:xfrm>
-      </p:grpSpPr>
-      <p:sp>
-        <p:nvSpPr>
-          <p:cNvPr id="2" name="Title 1"/>
-          <p:cNvSpPr>
-            <a:spLocks noGrp="1"/>
-          </p:cNvSpPr>
-          <p:nvPr>
-            <p:ph type="title"/>
-          </p:nvPr>
-        </p:nvSpPr>
-        <p:spPr>
-          <a:xfrm>
-            <a:off x="457200" y="76200"/>
-            <a:ext cx="8153400" cy="552450"/>
-          </a:xfrm>
-        </p:spPr>
-        <p:txBody>
-          <a:bodyPr wrap="square">
-            <a:spAutoFit/>
-          </a:bodyPr>
-          <a:lstStyle/>
-          <a:p>
-            <a:r>
-              <a:rPr lang="en-US" sz="3600" dirty="0">
-                <a:latin typeface="+mj-lt"/>
-              </a:rPr>
-              <a:t>Text Mining Process </a:t>
-            </a:r>
-            <a:r>
-              <a:rPr lang="en-US" sz="2800" dirty="0">
-                <a:latin typeface="+mj-lt"/>
-              </a:rPr>
-              <a:t>(7 of 7)</a:t>
-            </a:r>
-          </a:p>
-        </p:txBody>
-      </p:sp>
-      <p:sp>
-        <p:nvSpPr>
-          <p:cNvPr id="3" name="Content Placeholder 2"/>
-          <p:cNvSpPr>
-            <a:spLocks noGrp="1"/>
-          </p:cNvSpPr>
-          <p:nvPr>
-            <p:ph sz="quarter" idx="14"/>
-          </p:nvPr>
-        </p:nvSpPr>
-        <p:spPr>
-          <a:xfrm>
-            <a:off x="457200" y="1000124"/>
-            <a:ext cx="8153400" cy="3939540"/>
-          </a:xfrm>
-        </p:spPr>
-        <p:txBody>
-          <a:bodyPr>
-            <a:spAutoFit/>
-          </a:bodyPr>
-          <a:lstStyle/>
-          <a:p>
-            <a:pPr>
-              <a:buSzPct val="100000"/>
-            </a:pPr>
-            <a:r>
-              <a:rPr lang="en-IN" sz="2400" dirty="0">
-                <a:solidFill>
-                  <a:schemeClr val="bg2"/>
-                </a:solidFill>
-              </a:rPr>
-              <a:t>Step 3:</a:t>
-            </a:r>
-            <a:r>
-              <a:rPr lang="en-IN" sz="2400" dirty="0"/>
-              <a:t> Extract patterns/knowledge</a:t>
-            </a:r>
-          </a:p>
-          <a:p>
-            <a:pPr marL="763143" lvl="1" indent="-276225"/>
-            <a:r>
-              <a:rPr lang="en-IN" sz="2400" dirty="0"/>
-              <a:t>Classification (text categorization)</a:t>
-            </a:r>
-          </a:p>
-          <a:p>
-            <a:pPr marL="763143" lvl="1" indent="-276225"/>
-            <a:r>
-              <a:rPr lang="en-IN" sz="2400" dirty="0"/>
-              <a:t>Clustering (natural groupings of text)</a:t>
-            </a:r>
-          </a:p>
-          <a:p>
-            <a:pPr marL="1163193" lvl="2" indent="-276225"/>
-            <a:r>
-              <a:rPr lang="en-IN" sz="2400" dirty="0"/>
-              <a:t>Improve search recall</a:t>
-            </a:r>
-          </a:p>
-          <a:p>
-            <a:pPr marL="1163193" lvl="2" indent="-276225"/>
-            <a:r>
-              <a:rPr lang="en-IN" sz="2400" dirty="0"/>
-              <a:t>Improve search precision</a:t>
-            </a:r>
-          </a:p>
-          <a:p>
-            <a:pPr marL="1163193" lvl="2" indent="-276225"/>
-            <a:r>
-              <a:rPr lang="en-IN" sz="2400" dirty="0"/>
-              <a:t>Scatter/gather</a:t>
-            </a:r>
-          </a:p>
-          <a:p>
-            <a:pPr marL="1163193" lvl="2" indent="-276225"/>
-            <a:r>
-              <a:rPr lang="en-IN" sz="2400" dirty="0"/>
-              <a:t>Query-specific clustering</a:t>
-            </a:r>
-          </a:p>
-          <a:p>
-            <a:pPr marL="763143" lvl="1" indent="-276225"/>
-            <a:r>
-              <a:rPr lang="en-IN" sz="2400" dirty="0"/>
-              <a:t>Association</a:t>
-            </a:r>
-          </a:p>
-          <a:p>
-            <a:pPr marL="763143" lvl="1" indent="-276225"/>
-            <a:r>
-              <a:rPr lang="en-IN" sz="2400" dirty="0"/>
-              <a:t>Trend Analysis (…)</a:t>
-            </a:r>
-          </a:p>
-        </p:txBody>
-      </p:sp>
-    </p:spTree>
-    <p:extLst>
-      <p:ext uri="{BB962C8B-B14F-4D97-AF65-F5344CB8AC3E}">
-        <p14:creationId xmlns:p14="http://schemas.microsoft.com/office/powerpoint/2010/main" val="1747352255"/>
-      </p:ext>
-    </p:extLst>
-  </p:cSld>
-  <p:clrMapOvr>
-    <a:masterClrMapping/>
-  </p:clrMapOvr>
-</p:sld>
-</file>
-
-<file path=ppt/slides/slide33.xml><?xml version="1.0" encoding="utf-8"?>
-<p:sld xmlns:a="http://schemas.openxmlformats.org/drawingml/2006/main" xmlns:r="http://schemas.openxmlformats.org/officeDocument/2006/relationships" xmlns:p="http://schemas.openxmlformats.org/presentationml/2006/main">
-  <p:cSld>
-    <p:spTree>
-      <p:nvGrpSpPr>
-        <p:cNvPr id="1" name=""/>
-        <p:cNvGrpSpPr/>
-        <p:nvPr/>
-      </p:nvGrpSpPr>
-      <p:grpSpPr>
-        <a:xfrm>
-          <a:off x="0" y="0"/>
-          <a:ext cx="0" cy="0"/>
-          <a:chOff x="0" y="0"/>
-          <a:chExt cx="0" cy="0"/>
-        </a:xfrm>
-      </p:grpSpPr>
-      <p:sp>
-        <p:nvSpPr>
-          <p:cNvPr id="2" name="Title 1"/>
-          <p:cNvSpPr>
-            <a:spLocks noGrp="1"/>
-          </p:cNvSpPr>
-          <p:nvPr>
-            <p:ph type="title"/>
-          </p:nvPr>
-        </p:nvSpPr>
-        <p:spPr>
-          <a:xfrm>
             <a:off x="457200" y="66675"/>
             <a:ext cx="8153400" cy="553998"/>
           </a:xfrm>
@@ -19418,7 +18726,7 @@
 </p:sld>
 </file>
 
-<file path=ppt/slides/slide34.xml><?xml version="1.0" encoding="utf-8"?>
+<file path=ppt/slides/slide31.xml><?xml version="1.0" encoding="utf-8"?>
 <p:sld xmlns:a="http://schemas.openxmlformats.org/drawingml/2006/main" xmlns:r="http://schemas.openxmlformats.org/officeDocument/2006/relationships" xmlns:p="http://schemas.openxmlformats.org/presentationml/2006/main">
   <p:cSld>
     <p:spTree>
@@ -19524,7 +18832,7 @@
 </p:sld>
 </file>
 
-<file path=ppt/slides/slide35.xml><?xml version="1.0" encoding="utf-8"?>
+<file path=ppt/slides/slide32.xml><?xml version="1.0" encoding="utf-8"?>
 <p:sld xmlns:a="http://schemas.openxmlformats.org/drawingml/2006/main" xmlns:r="http://schemas.openxmlformats.org/officeDocument/2006/relationships" xmlns:p="http://schemas.openxmlformats.org/presentationml/2006/main">
   <p:cSld>
     <p:spTree>
@@ -19751,7 +19059,7 @@
 </p:sld>
 </file>
 
-<file path=ppt/slides/slide36.xml><?xml version="1.0" encoding="utf-8"?>
+<file path=ppt/slides/slide33.xml><?xml version="1.0" encoding="utf-8"?>
 <p:sld xmlns:a="http://schemas.openxmlformats.org/drawingml/2006/main" xmlns:r="http://schemas.openxmlformats.org/officeDocument/2006/relationships" xmlns:p="http://schemas.openxmlformats.org/presentationml/2006/main">
   <p:cSld>
     <p:spTree>
@@ -19958,7 +19266,7 @@
 </p:sld>
 </file>
 
-<file path=ppt/slides/slide37.xml><?xml version="1.0" encoding="utf-8"?>
+<file path=ppt/slides/slide34.xml><?xml version="1.0" encoding="utf-8"?>
 <p:sld xmlns:a="http://schemas.openxmlformats.org/drawingml/2006/main" xmlns:r="http://schemas.openxmlformats.org/officeDocument/2006/relationships" xmlns:p="http://schemas.openxmlformats.org/presentationml/2006/main">
   <p:cSld>
     <p:spTree>
@@ -20058,7 +19366,7 @@
 </p:sld>
 </file>
 
-<file path=ppt/slides/slide38.xml><?xml version="1.0" encoding="utf-8"?>
+<file path=ppt/slides/slide35.xml><?xml version="1.0" encoding="utf-8"?>
 <p:sld xmlns:a="http://schemas.openxmlformats.org/drawingml/2006/main" xmlns:r="http://schemas.openxmlformats.org/officeDocument/2006/relationships" xmlns:p="http://schemas.openxmlformats.org/presentationml/2006/main">
   <p:cSld>
     <p:spTree>
@@ -20225,7 +19533,7 @@
 </p:sld>
 </file>
 
-<file path=ppt/slides/slide39.xml><?xml version="1.0" encoding="utf-8"?>
+<file path=ppt/slides/slide36.xml><?xml version="1.0" encoding="utf-8"?>
 <p:sld xmlns:a="http://schemas.openxmlformats.org/drawingml/2006/main" xmlns:r="http://schemas.openxmlformats.org/officeDocument/2006/relationships" xmlns:p="http://schemas.openxmlformats.org/presentationml/2006/main">
   <p:cSld>
     <p:spTree>
@@ -20373,6 +19681,433 @@
 </p:sld>
 </file>
 
+<file path=ppt/slides/slide37.xml><?xml version="1.0" encoding="utf-8"?>
+<p:sld xmlns:a="http://schemas.openxmlformats.org/drawingml/2006/main" xmlns:r="http://schemas.openxmlformats.org/officeDocument/2006/relationships" xmlns:p="http://schemas.openxmlformats.org/presentationml/2006/main">
+  <p:cSld>
+    <p:spTree>
+      <p:nvGrpSpPr>
+        <p:cNvPr id="1" name=""/>
+        <p:cNvGrpSpPr/>
+        <p:nvPr/>
+      </p:nvGrpSpPr>
+      <p:grpSpPr>
+        <a:xfrm>
+          <a:off x="0" y="0"/>
+          <a:ext cx="0" cy="0"/>
+          <a:chOff x="0" y="0"/>
+          <a:chExt cx="0" cy="0"/>
+        </a:xfrm>
+      </p:grpSpPr>
+      <p:sp>
+        <p:nvSpPr>
+          <p:cNvPr id="2" name="Title 1"/>
+          <p:cNvSpPr>
+            <a:spLocks noGrp="1"/>
+          </p:cNvSpPr>
+          <p:nvPr>
+            <p:ph type="title"/>
+          </p:nvPr>
+        </p:nvSpPr>
+        <p:spPr>
+          <a:xfrm>
+            <a:off x="457200" y="66675"/>
+            <a:ext cx="8153400" cy="553998"/>
+          </a:xfrm>
+        </p:spPr>
+        <p:txBody>
+          <a:bodyPr wrap="square">
+            <a:spAutoFit/>
+          </a:bodyPr>
+          <a:lstStyle/>
+          <a:p>
+            <a:r>
+              <a:rPr lang="en-US" sz="3600" dirty="0">
+                <a:latin typeface="+mj-lt"/>
+              </a:rPr>
+              <a:t>Web Content/Structure Mining</a:t>
+            </a:r>
+          </a:p>
+        </p:txBody>
+      </p:sp>
+      <p:sp>
+        <p:nvSpPr>
+          <p:cNvPr id="4" name="Content Placeholder 4"/>
+          <p:cNvSpPr>
+            <a:spLocks noGrp="1"/>
+          </p:cNvSpPr>
+          <p:nvPr>
+            <p:ph idx="1"/>
+          </p:nvPr>
+        </p:nvSpPr>
+        <p:spPr>
+          <a:xfrm>
+            <a:off x="457200" y="990599"/>
+            <a:ext cx="8153400" cy="2831544"/>
+          </a:xfrm>
+        </p:spPr>
+        <p:txBody>
+          <a:bodyPr>
+            <a:spAutoFit/>
+          </a:bodyPr>
+          <a:lstStyle/>
+          <a:p>
+            <a:pPr marL="285750" indent="-285750"/>
+            <a:r>
+              <a:rPr lang="en-US" sz="2400" dirty="0"/>
+              <a:t>Mining the textual content on the Web</a:t>
+            </a:r>
+          </a:p>
+          <a:p>
+            <a:pPr marL="285750" indent="-285750"/>
+            <a:r>
+              <a:rPr lang="en-US" sz="2400" dirty="0"/>
+              <a:t>Data collection via Web crawlers</a:t>
+            </a:r>
+          </a:p>
+          <a:p>
+            <a:pPr marL="285750" indent="-285750"/>
+            <a:r>
+              <a:rPr lang="en-US" sz="2400" dirty="0"/>
+              <a:t>Web pages include hyperlinks</a:t>
+            </a:r>
+          </a:p>
+          <a:p>
+            <a:pPr marL="714375" lvl="1" indent="-266700"/>
+            <a:r>
+              <a:rPr lang="en-US" sz="2400" dirty="0"/>
+              <a:t>Authoritative pages</a:t>
+            </a:r>
+          </a:p>
+          <a:p>
+            <a:pPr marL="714375" lvl="1" indent="-266700"/>
+            <a:r>
+              <a:rPr lang="en-US" sz="2400" dirty="0"/>
+              <a:t>Hubs </a:t>
+            </a:r>
+          </a:p>
+          <a:p>
+            <a:pPr marL="714375" lvl="1" indent="-266700"/>
+            <a:r>
+              <a:rPr lang="en-US" sz="2400" dirty="0"/>
+              <a:t>hyperlink-induced topic search (</a:t>
+            </a:r>
+            <a:r>
+              <a:rPr lang="en-US" sz="2400" spc="-300" dirty="0"/>
+              <a:t>H I T </a:t>
+            </a:r>
+            <a:r>
+              <a:rPr lang="en-US" sz="2400" dirty="0"/>
+              <a:t>S</a:t>
+            </a:r>
+            <a:r>
+              <a:rPr lang="en-US" sz="2400"/>
+              <a:t>) algorithm</a:t>
+            </a:r>
+            <a:endParaRPr lang="en-US" sz="2400" dirty="0"/>
+          </a:p>
+        </p:txBody>
+      </p:sp>
+    </p:spTree>
+    <p:extLst>
+      <p:ext uri="{BB962C8B-B14F-4D97-AF65-F5344CB8AC3E}">
+        <p14:creationId xmlns:p14="http://schemas.microsoft.com/office/powerpoint/2010/main" val="1631730961"/>
+      </p:ext>
+    </p:extLst>
+  </p:cSld>
+  <p:clrMapOvr>
+    <a:masterClrMapping/>
+  </p:clrMapOvr>
+</p:sld>
+</file>
+
+<file path=ppt/slides/slide38.xml><?xml version="1.0" encoding="utf-8"?>
+<p:sld xmlns:a="http://schemas.openxmlformats.org/drawingml/2006/main" xmlns:r="http://schemas.openxmlformats.org/officeDocument/2006/relationships" xmlns:p="http://schemas.openxmlformats.org/presentationml/2006/main">
+  <p:cSld>
+    <p:spTree>
+      <p:nvGrpSpPr>
+        <p:cNvPr id="1" name=""/>
+        <p:cNvGrpSpPr/>
+        <p:nvPr/>
+      </p:nvGrpSpPr>
+      <p:grpSpPr>
+        <a:xfrm>
+          <a:off x="0" y="0"/>
+          <a:ext cx="0" cy="0"/>
+          <a:chOff x="0" y="0"/>
+          <a:chExt cx="0" cy="0"/>
+        </a:xfrm>
+      </p:grpSpPr>
+      <p:sp>
+        <p:nvSpPr>
+          <p:cNvPr id="2" name="Title 1"/>
+          <p:cNvSpPr>
+            <a:spLocks noGrp="1"/>
+          </p:cNvSpPr>
+          <p:nvPr>
+            <p:ph type="title"/>
+          </p:nvPr>
+        </p:nvSpPr>
+        <p:spPr>
+          <a:xfrm>
+            <a:off x="457200" y="66675"/>
+            <a:ext cx="8153400" cy="553998"/>
+          </a:xfrm>
+        </p:spPr>
+        <p:txBody>
+          <a:bodyPr wrap="square">
+            <a:spAutoFit/>
+          </a:bodyPr>
+          <a:lstStyle/>
+          <a:p>
+            <a:r>
+              <a:rPr lang="en-US" sz="3600" dirty="0">
+                <a:latin typeface="+mj-lt"/>
+              </a:rPr>
+              <a:t>Web Usage Mining </a:t>
+            </a:r>
+            <a:r>
+              <a:rPr lang="en-US" sz="2800" dirty="0">
+                <a:latin typeface="+mj-lt"/>
+              </a:rPr>
+              <a:t>(1 of 2)</a:t>
+            </a:r>
+            <a:endParaRPr lang="en-US" sz="3600" dirty="0">
+              <a:latin typeface="+mj-lt"/>
+            </a:endParaRPr>
+          </a:p>
+        </p:txBody>
+      </p:sp>
+      <p:sp>
+        <p:nvSpPr>
+          <p:cNvPr id="4" name="Content Placeholder 4"/>
+          <p:cNvSpPr>
+            <a:spLocks noGrp="1"/>
+          </p:cNvSpPr>
+          <p:nvPr>
+            <p:ph idx="1"/>
+          </p:nvPr>
+        </p:nvSpPr>
+        <p:spPr>
+          <a:xfrm>
+            <a:off x="457200" y="990599"/>
+            <a:ext cx="8153400" cy="3939540"/>
+          </a:xfrm>
+        </p:spPr>
+        <p:txBody>
+          <a:bodyPr>
+            <a:spAutoFit/>
+          </a:bodyPr>
+          <a:lstStyle/>
+          <a:p>
+            <a:pPr marL="276225" indent="-276225"/>
+            <a:r>
+              <a:rPr lang="en-US" sz="2400" dirty="0"/>
+              <a:t>Extraction of information from data generated through Web page visits and transactions…</a:t>
+            </a:r>
+          </a:p>
+          <a:p>
+            <a:pPr marL="704850" lvl="1" indent="-266700"/>
+            <a:r>
+              <a:rPr lang="en-US" sz="2400" dirty="0"/>
+              <a:t>data stored in server access logs, referrer logs, agent logs, and client-side cookies</a:t>
+            </a:r>
+          </a:p>
+          <a:p>
+            <a:pPr marL="704850" lvl="1" indent="-266700"/>
+            <a:r>
+              <a:rPr lang="en-US" sz="2400" dirty="0"/>
+              <a:t>user characteristics and usage profiles</a:t>
+            </a:r>
+          </a:p>
+          <a:p>
+            <a:pPr marL="704850" lvl="1" indent="-266700"/>
+            <a:r>
+              <a:rPr lang="en-US" sz="2400" dirty="0"/>
+              <a:t>metadata, such as page attributes, content attributes, and usage data</a:t>
+            </a:r>
+          </a:p>
+          <a:p>
+            <a:pPr marL="276225" indent="-276225"/>
+            <a:r>
+              <a:rPr lang="en-US" sz="2400" dirty="0"/>
+              <a:t>Clickstream data </a:t>
+            </a:r>
+          </a:p>
+          <a:p>
+            <a:pPr marL="276225" indent="-276225"/>
+            <a:r>
+              <a:rPr lang="en-US" sz="2400" dirty="0"/>
+              <a:t>Clickstream analysis</a:t>
+            </a:r>
+          </a:p>
+        </p:txBody>
+      </p:sp>
+    </p:spTree>
+    <p:extLst>
+      <p:ext uri="{BB962C8B-B14F-4D97-AF65-F5344CB8AC3E}">
+        <p14:creationId xmlns:p14="http://schemas.microsoft.com/office/powerpoint/2010/main" val="2489170057"/>
+      </p:ext>
+    </p:extLst>
+  </p:cSld>
+  <p:clrMapOvr>
+    <a:masterClrMapping/>
+  </p:clrMapOvr>
+</p:sld>
+</file>
+
+<file path=ppt/slides/slide39.xml><?xml version="1.0" encoding="utf-8"?>
+<p:sld xmlns:a="http://schemas.openxmlformats.org/drawingml/2006/main" xmlns:r="http://schemas.openxmlformats.org/officeDocument/2006/relationships" xmlns:p="http://schemas.openxmlformats.org/presentationml/2006/main">
+  <p:cSld>
+    <p:spTree>
+      <p:nvGrpSpPr>
+        <p:cNvPr id="1" name=""/>
+        <p:cNvGrpSpPr/>
+        <p:nvPr/>
+      </p:nvGrpSpPr>
+      <p:grpSpPr>
+        <a:xfrm>
+          <a:off x="0" y="0"/>
+          <a:ext cx="0" cy="0"/>
+          <a:chOff x="0" y="0"/>
+          <a:chExt cx="0" cy="0"/>
+        </a:xfrm>
+      </p:grpSpPr>
+      <p:sp>
+        <p:nvSpPr>
+          <p:cNvPr id="2" name="Title 1"/>
+          <p:cNvSpPr>
+            <a:spLocks noGrp="1"/>
+          </p:cNvSpPr>
+          <p:nvPr>
+            <p:ph type="title"/>
+          </p:nvPr>
+        </p:nvSpPr>
+        <p:spPr>
+          <a:xfrm>
+            <a:off x="457200" y="66675"/>
+            <a:ext cx="8153400" cy="553998"/>
+          </a:xfrm>
+        </p:spPr>
+        <p:txBody>
+          <a:bodyPr wrap="square">
+            <a:spAutoFit/>
+          </a:bodyPr>
+          <a:lstStyle/>
+          <a:p>
+            <a:r>
+              <a:rPr lang="en-US" sz="3600" dirty="0">
+                <a:latin typeface="+mj-lt"/>
+              </a:rPr>
+              <a:t>Web Usage Mining </a:t>
+            </a:r>
+            <a:r>
+              <a:rPr lang="en-US" sz="2800" dirty="0">
+                <a:latin typeface="+mj-lt"/>
+              </a:rPr>
+              <a:t>(2 of 2)</a:t>
+            </a:r>
+            <a:endParaRPr lang="en-US" sz="3600" dirty="0">
+              <a:latin typeface="+mj-lt"/>
+            </a:endParaRPr>
+          </a:p>
+        </p:txBody>
+      </p:sp>
+      <p:sp>
+        <p:nvSpPr>
+          <p:cNvPr id="4" name="Content Placeholder 4"/>
+          <p:cNvSpPr>
+            <a:spLocks noGrp="1"/>
+          </p:cNvSpPr>
+          <p:nvPr>
+            <p:ph idx="1"/>
+          </p:nvPr>
+        </p:nvSpPr>
+        <p:spPr>
+          <a:xfrm>
+            <a:off x="457200" y="990599"/>
+            <a:ext cx="8153400" cy="4562476"/>
+          </a:xfrm>
+        </p:spPr>
+        <p:txBody>
+          <a:bodyPr>
+            <a:spAutoFit/>
+          </a:bodyPr>
+          <a:lstStyle/>
+          <a:p>
+            <a:pPr marL="276225" indent="-276225">
+              <a:tabLst>
+                <a:tab pos="285750" algn="l"/>
+              </a:tabLst>
+            </a:pPr>
+            <a:r>
+              <a:rPr lang="en-US" sz="2400" dirty="0"/>
+              <a:t>Web usage mining applications</a:t>
+            </a:r>
+          </a:p>
+          <a:p>
+            <a:pPr marL="723900" lvl="1" indent="-276225"/>
+            <a:r>
+              <a:rPr lang="en-US" sz="2400" dirty="0"/>
+              <a:t>Determine the lifetime value of clients</a:t>
+            </a:r>
+          </a:p>
+          <a:p>
+            <a:pPr marL="723900" lvl="1" indent="-276225"/>
+            <a:r>
+              <a:rPr lang="en-US" sz="2400" dirty="0"/>
+              <a:t>Design cross-marketing strategies across products.</a:t>
+            </a:r>
+          </a:p>
+          <a:p>
+            <a:pPr marL="723900" lvl="1" indent="-276225"/>
+            <a:r>
+              <a:rPr lang="en-US" sz="2400" dirty="0"/>
+              <a:t>Evaluate promotional campaigns</a:t>
+            </a:r>
+          </a:p>
+          <a:p>
+            <a:pPr marL="723900" lvl="1" indent="-276225"/>
+            <a:r>
+              <a:rPr lang="en-US" sz="2400" dirty="0"/>
+              <a:t>Target electronic ads and coupons at user groups based on user access patterns</a:t>
+            </a:r>
+          </a:p>
+          <a:p>
+            <a:pPr marL="723900" lvl="1" indent="-276225"/>
+            <a:r>
+              <a:rPr lang="en-US" sz="2400" dirty="0"/>
+              <a:t>Predict user behavior based on previously learned rules and users’ profiles</a:t>
+            </a:r>
+          </a:p>
+          <a:p>
+            <a:pPr marL="723900" lvl="1" indent="-276225"/>
+            <a:r>
+              <a:rPr lang="en-US" sz="2400" dirty="0"/>
+              <a:t>Present dynamic information to users based on their interests and profiles</a:t>
+            </a:r>
+          </a:p>
+          <a:p>
+            <a:pPr marL="723900" lvl="1" indent="-276225"/>
+            <a:r>
+              <a:rPr lang="en-US" sz="2400" dirty="0"/>
+              <a:t>…</a:t>
+            </a:r>
+          </a:p>
+        </p:txBody>
+      </p:sp>
+    </p:spTree>
+    <p:extLst>
+      <p:ext uri="{BB962C8B-B14F-4D97-AF65-F5344CB8AC3E}">
+        <p14:creationId xmlns:p14="http://schemas.microsoft.com/office/powerpoint/2010/main" val="2033830953"/>
+      </p:ext>
+    </p:extLst>
+  </p:cSld>
+  <p:clrMapOvr>
+    <a:masterClrMapping/>
+  </p:clrMapOvr>
+</p:sld>
+</file>
+
 <file path=ppt/slides/slide4.xml><?xml version="1.0" encoding="utf-8"?>
 <p:sld xmlns:a="http://schemas.openxmlformats.org/drawingml/2006/main" xmlns:r="http://schemas.openxmlformats.org/officeDocument/2006/relationships" xmlns:p="http://schemas.openxmlformats.org/presentationml/2006/main">
   <p:cSld>
@@ -20402,7 +20137,7 @@
         </p:nvSpPr>
         <p:spPr>
           <a:xfrm>
-            <a:off x="457200" y="57150"/>
+            <a:off x="457200" y="72854"/>
             <a:ext cx="8153400" cy="553998"/>
           </a:xfrm>
         </p:spPr>
@@ -20416,26 +20151,23 @@
               <a:rPr lang="en-US" sz="3600" dirty="0">
                 <a:latin typeface="+mj-lt"/>
               </a:rPr>
-              <a:t>Opening Vignette </a:t>
+              <a:t>Text Analytics and Text Mining</a:t>
             </a:r>
             <a:r>
               <a:rPr lang="en-US" sz="2800" dirty="0">
                 <a:latin typeface="+mj-lt"/>
               </a:rPr>
-              <a:t>(1 of 3)</a:t>
-            </a:r>
-            <a:r>
-              <a:rPr lang="en-US" sz="3600" dirty="0">
-                <a:latin typeface="+mj-lt"/>
-              </a:rPr>
-              <a:t> </a:t>
-            </a:r>
-          </a:p>
-        </p:txBody>
-      </p:sp>
-      <p:sp>
-        <p:nvSpPr>
-          <p:cNvPr id="3" name="Content Placeholder 2"/>
+              <a:t> (1 of 2)</a:t>
+            </a:r>
+            <a:endParaRPr lang="en-US" sz="3600" dirty="0">
+              <a:latin typeface="+mj-lt"/>
+            </a:endParaRPr>
+          </a:p>
+        </p:txBody>
+      </p:sp>
+      <p:sp>
+        <p:nvSpPr>
+          <p:cNvPr id="5" name="Content Placeholder 4"/>
           <p:cNvSpPr>
             <a:spLocks noGrp="1"/>
           </p:cNvSpPr>
@@ -20445,8 +20177,8 @@
         </p:nvSpPr>
         <p:spPr>
           <a:xfrm>
-            <a:off x="457200" y="723900"/>
-            <a:ext cx="8153400" cy="861774"/>
+            <a:off x="457200" y="990600"/>
+            <a:ext cx="8153400" cy="2716128"/>
           </a:xfrm>
         </p:spPr>
         <p:txBody>
@@ -20455,42 +20187,50 @@
           </a:bodyPr>
           <a:lstStyle/>
           <a:p>
-            <a:pPr marL="0" lvl="0" indent="0">
-              <a:spcBef>
-                <a:spcPts val="0"/>
-              </a:spcBef>
-              <a:buClr>
-                <a:schemeClr val="lt1"/>
-              </a:buClr>
-              <a:buSzPct val="25000"/>
-              <a:buNone/>
-              <a:tabLst>
-                <a:tab pos="628650" algn="l"/>
-              </a:tabLst>
-            </a:pPr>
-            <a:r>
-              <a:rPr lang="en-US" sz="2800" b="1" dirty="0" err="1">
-                <a:solidFill>
-                  <a:srgbClr val="007FA3"/>
-                </a:solidFill>
-              </a:rPr>
-              <a:t>Amadori</a:t>
-            </a:r>
-            <a:r>
-              <a:rPr lang="en-US" sz="2800" b="1" dirty="0">
-                <a:solidFill>
-                  <a:srgbClr val="007FA3"/>
-                </a:solidFill>
-              </a:rPr>
-              <a:t> Group Converts Consumer Sentiments into Near-Real-Time Sales </a:t>
-            </a:r>
-            <a:endParaRPr lang="en-US" sz="2800" b="1" dirty="0"/>
-          </a:p>
-        </p:txBody>
-      </p:sp>
-      <p:sp>
-        <p:nvSpPr>
-          <p:cNvPr id="4" name="Content Placeholder 3"/>
+            <a:r>
+              <a:rPr lang="en-US" sz="2400" dirty="0"/>
+              <a:t>Text Analytics versus Text Mining</a:t>
+            </a:r>
+          </a:p>
+          <a:p>
+            <a:r>
+              <a:rPr lang="en-US" sz="2400" dirty="0"/>
+              <a:t>Text Analytics = </a:t>
+            </a:r>
+          </a:p>
+          <a:p>
+            <a:pPr lvl="1"/>
+            <a:r>
+              <a:rPr lang="en-US" sz="2400" dirty="0"/>
+              <a:t>Information Retrieval + </a:t>
+            </a:r>
+          </a:p>
+          <a:p>
+            <a:pPr lvl="1"/>
+            <a:r>
+              <a:rPr lang="en-US" sz="2400" dirty="0"/>
+              <a:t>Information Extraction + </a:t>
+            </a:r>
+          </a:p>
+          <a:p>
+            <a:pPr lvl="1"/>
+            <a:r>
+              <a:rPr lang="en-US" sz="2400" dirty="0"/>
+              <a:t>Data Mining + </a:t>
+            </a:r>
+          </a:p>
+          <a:p>
+            <a:pPr lvl="1"/>
+            <a:r>
+              <a:rPr lang="en-US" sz="2400" dirty="0"/>
+              <a:t>Web Mining</a:t>
+            </a:r>
+          </a:p>
+        </p:txBody>
+      </p:sp>
+      <p:sp>
+        <p:nvSpPr>
+          <p:cNvPr id="3" name="Content Placeholder 2"/>
           <p:cNvSpPr>
             <a:spLocks noGrp="1"/>
           </p:cNvSpPr>
@@ -20500,8 +20240,8 @@
         </p:nvSpPr>
         <p:spPr>
           <a:xfrm>
-            <a:off x="457200" y="1828800"/>
-            <a:ext cx="3657600" cy="2054409"/>
+            <a:off x="457200" y="3781425"/>
+            <a:ext cx="8153400" cy="815608"/>
           </a:xfrm>
         </p:spPr>
         <p:txBody>
@@ -20510,74 +20250,63 @@
           </a:bodyPr>
           <a:lstStyle/>
           <a:p>
-            <a:r>
-              <a:rPr lang="en-US" sz="2400" dirty="0"/>
-              <a:t>Background</a:t>
-            </a:r>
-          </a:p>
-          <a:p>
-            <a:r>
-              <a:rPr lang="en-US" sz="2400" dirty="0"/>
-              <a:t>Problem</a:t>
-            </a:r>
-          </a:p>
-          <a:p>
-            <a:r>
-              <a:rPr lang="en-US" sz="2400" dirty="0"/>
-              <a:t>Solution </a:t>
-            </a:r>
-          </a:p>
-          <a:p>
-            <a:r>
-              <a:rPr lang="en-US" sz="2400" dirty="0"/>
-              <a:t>Results</a:t>
-            </a:r>
-          </a:p>
-        </p:txBody>
-      </p:sp>
-      <p:pic>
-        <p:nvPicPr>
-          <p:cNvPr id="1026" name="Picture 2" descr="The brand name Amadori is framed in white lettering against a green oval. A red banner hangs under the oval with the words Passione di Famiglia written on it in white letter. A gold outline frames the entire logo."/>
-          <p:cNvPicPr>
-            <a:picLocks noChangeAspect="1" noChangeArrowheads="1"/>
-          </p:cNvPicPr>
-          <p:nvPr/>
-        </p:nvPicPr>
-        <p:blipFill rotWithShape="1">
-          <a:blip r:embed="rId3" cstate="print">
-            <a:extLst>
-              <a:ext uri="{28A0092B-C50C-407E-A947-70E740481C1C}">
-                <a14:useLocalDpi xmlns:a14="http://schemas.microsoft.com/office/drawing/2010/main" val="0"/>
-              </a:ext>
-            </a:extLst>
-          </a:blip>
-          <a:srcRect b="3657"/>
-          <a:stretch/>
-        </p:blipFill>
-        <p:spPr bwMode="auto">
-          <a:xfrm>
-            <a:off x="4706543" y="1781175"/>
-            <a:ext cx="3827857" cy="2283301"/>
-          </a:xfrm>
-          <a:prstGeom prst="rect">
-            <a:avLst/>
-          </a:prstGeom>
-          <a:noFill/>
-          <a:extLst>
-            <a:ext uri="{909E8E84-426E-40DD-AFC4-6F175D3DCCD1}">
-              <a14:hiddenFill xmlns:a14="http://schemas.microsoft.com/office/drawing/2010/main">
+            <a:pPr marL="0" indent="0">
+              <a:buNone/>
+            </a:pPr>
+            <a:r>
+              <a:rPr lang="en-US" sz="2400" dirty="0"/>
+              <a:t>or simply</a:t>
+            </a:r>
+          </a:p>
+          <a:p>
+            <a:pPr lvl="1"/>
+            <a:r>
+              <a:rPr lang="en-US" sz="2400" b="1" i="1" dirty="0">
                 <a:solidFill>
-                  <a:srgbClr val="FFFFFF"/>
+                  <a:schemeClr val="bg2"/>
                 </a:solidFill>
-              </a14:hiddenFill>
-            </a:ext>
-          </a:extLst>
-        </p:spPr>
-      </p:pic>
+              </a:rPr>
+              <a:t>Text Analytics </a:t>
+            </a:r>
+            <a:r>
+              <a:rPr lang="en-US" sz="2400" dirty="0">
+                <a:solidFill>
+                  <a:schemeClr val="bg2"/>
+                </a:solidFill>
+              </a:rPr>
+              <a:t>= </a:t>
+            </a:r>
+            <a:r>
+              <a:rPr lang="en-US" sz="2400" i="1" dirty="0">
+                <a:solidFill>
+                  <a:schemeClr val="bg2"/>
+                </a:solidFill>
+              </a:rPr>
+              <a:t>Information Retrieval </a:t>
+            </a:r>
+            <a:r>
+              <a:rPr lang="en-US" sz="2400" dirty="0">
+                <a:solidFill>
+                  <a:schemeClr val="bg2"/>
+                </a:solidFill>
+              </a:rPr>
+              <a:t>+ </a:t>
+            </a:r>
+            <a:r>
+              <a:rPr lang="en-US" sz="2400" i="1" dirty="0">
+                <a:solidFill>
+                  <a:schemeClr val="bg2"/>
+                </a:solidFill>
+              </a:rPr>
+              <a:t>Text Mining</a:t>
+            </a:r>
+          </a:p>
+        </p:txBody>
+      </p:sp>
     </p:spTree>
     <p:extLst>
       <p:ext uri="{BB962C8B-B14F-4D97-AF65-F5344CB8AC3E}">
-        <p14:creationId xmlns:p14="http://schemas.microsoft.com/office/powerpoint/2010/main" val="553408860"/>
+        <p14:creationId xmlns:p14="http://schemas.microsoft.com/office/powerpoint/2010/main" val="1562621193"/>
       </p:ext>
     </p:extLst>
   </p:cSld>
@@ -20630,433 +20359,6 @@
               <a:rPr lang="en-US" sz="3600" dirty="0">
                 <a:latin typeface="+mj-lt"/>
               </a:rPr>
-              <a:t>Web Content/Structure Mining</a:t>
-            </a:r>
-          </a:p>
-        </p:txBody>
-      </p:sp>
-      <p:sp>
-        <p:nvSpPr>
-          <p:cNvPr id="4" name="Content Placeholder 4"/>
-          <p:cNvSpPr>
-            <a:spLocks noGrp="1"/>
-          </p:cNvSpPr>
-          <p:nvPr>
-            <p:ph idx="1"/>
-          </p:nvPr>
-        </p:nvSpPr>
-        <p:spPr>
-          <a:xfrm>
-            <a:off x="457200" y="990599"/>
-            <a:ext cx="8153400" cy="2831544"/>
-          </a:xfrm>
-        </p:spPr>
-        <p:txBody>
-          <a:bodyPr>
-            <a:spAutoFit/>
-          </a:bodyPr>
-          <a:lstStyle/>
-          <a:p>
-            <a:pPr marL="285750" indent="-285750"/>
-            <a:r>
-              <a:rPr lang="en-US" sz="2400" dirty="0"/>
-              <a:t>Mining the textual content on the Web</a:t>
-            </a:r>
-          </a:p>
-          <a:p>
-            <a:pPr marL="285750" indent="-285750"/>
-            <a:r>
-              <a:rPr lang="en-US" sz="2400" dirty="0"/>
-              <a:t>Data collection via Web crawlers</a:t>
-            </a:r>
-          </a:p>
-          <a:p>
-            <a:pPr marL="285750" indent="-285750"/>
-            <a:r>
-              <a:rPr lang="en-US" sz="2400" dirty="0"/>
-              <a:t>Web pages include hyperlinks</a:t>
-            </a:r>
-          </a:p>
-          <a:p>
-            <a:pPr marL="714375" lvl="1" indent="-266700"/>
-            <a:r>
-              <a:rPr lang="en-US" sz="2400" dirty="0"/>
-              <a:t>Authoritative pages</a:t>
-            </a:r>
-          </a:p>
-          <a:p>
-            <a:pPr marL="714375" lvl="1" indent="-266700"/>
-            <a:r>
-              <a:rPr lang="en-US" sz="2400" dirty="0"/>
-              <a:t>Hubs </a:t>
-            </a:r>
-          </a:p>
-          <a:p>
-            <a:pPr marL="714375" lvl="1" indent="-266700"/>
-            <a:r>
-              <a:rPr lang="en-US" sz="2400" dirty="0"/>
-              <a:t>hyperlink-induced topic search (</a:t>
-            </a:r>
-            <a:r>
-              <a:rPr lang="en-US" sz="2400" spc="-300" dirty="0"/>
-              <a:t>H I T </a:t>
-            </a:r>
-            <a:r>
-              <a:rPr lang="en-US" sz="2400" dirty="0"/>
-              <a:t>S</a:t>
-            </a:r>
-            <a:r>
-              <a:rPr lang="en-US" sz="2400"/>
-              <a:t>) algorithm</a:t>
-            </a:r>
-            <a:endParaRPr lang="en-US" sz="2400" dirty="0"/>
-          </a:p>
-        </p:txBody>
-      </p:sp>
-    </p:spTree>
-    <p:extLst>
-      <p:ext uri="{BB962C8B-B14F-4D97-AF65-F5344CB8AC3E}">
-        <p14:creationId xmlns:p14="http://schemas.microsoft.com/office/powerpoint/2010/main" val="1631730961"/>
-      </p:ext>
-    </p:extLst>
-  </p:cSld>
-  <p:clrMapOvr>
-    <a:masterClrMapping/>
-  </p:clrMapOvr>
-</p:sld>
-</file>
-
-<file path=ppt/slides/slide41.xml><?xml version="1.0" encoding="utf-8"?>
-<p:sld xmlns:a="http://schemas.openxmlformats.org/drawingml/2006/main" xmlns:r="http://schemas.openxmlformats.org/officeDocument/2006/relationships" xmlns:p="http://schemas.openxmlformats.org/presentationml/2006/main">
-  <p:cSld>
-    <p:spTree>
-      <p:nvGrpSpPr>
-        <p:cNvPr id="1" name=""/>
-        <p:cNvGrpSpPr/>
-        <p:nvPr/>
-      </p:nvGrpSpPr>
-      <p:grpSpPr>
-        <a:xfrm>
-          <a:off x="0" y="0"/>
-          <a:ext cx="0" cy="0"/>
-          <a:chOff x="0" y="0"/>
-          <a:chExt cx="0" cy="0"/>
-        </a:xfrm>
-      </p:grpSpPr>
-      <p:sp>
-        <p:nvSpPr>
-          <p:cNvPr id="2" name="Title 1"/>
-          <p:cNvSpPr>
-            <a:spLocks noGrp="1"/>
-          </p:cNvSpPr>
-          <p:nvPr>
-            <p:ph type="title"/>
-          </p:nvPr>
-        </p:nvSpPr>
-        <p:spPr>
-          <a:xfrm>
-            <a:off x="457200" y="66675"/>
-            <a:ext cx="8153400" cy="553998"/>
-          </a:xfrm>
-        </p:spPr>
-        <p:txBody>
-          <a:bodyPr wrap="square">
-            <a:spAutoFit/>
-          </a:bodyPr>
-          <a:lstStyle/>
-          <a:p>
-            <a:r>
-              <a:rPr lang="en-US" sz="3600" dirty="0">
-                <a:latin typeface="+mj-lt"/>
-              </a:rPr>
-              <a:t>Web Usage Mining </a:t>
-            </a:r>
-            <a:r>
-              <a:rPr lang="en-US" sz="2800" dirty="0">
-                <a:latin typeface="+mj-lt"/>
-              </a:rPr>
-              <a:t>(1 of 2)</a:t>
-            </a:r>
-            <a:endParaRPr lang="en-US" sz="3600" dirty="0">
-              <a:latin typeface="+mj-lt"/>
-            </a:endParaRPr>
-          </a:p>
-        </p:txBody>
-      </p:sp>
-      <p:sp>
-        <p:nvSpPr>
-          <p:cNvPr id="4" name="Content Placeholder 4"/>
-          <p:cNvSpPr>
-            <a:spLocks noGrp="1"/>
-          </p:cNvSpPr>
-          <p:nvPr>
-            <p:ph idx="1"/>
-          </p:nvPr>
-        </p:nvSpPr>
-        <p:spPr>
-          <a:xfrm>
-            <a:off x="457200" y="990599"/>
-            <a:ext cx="8153400" cy="3939540"/>
-          </a:xfrm>
-        </p:spPr>
-        <p:txBody>
-          <a:bodyPr>
-            <a:spAutoFit/>
-          </a:bodyPr>
-          <a:lstStyle/>
-          <a:p>
-            <a:pPr marL="276225" indent="-276225"/>
-            <a:r>
-              <a:rPr lang="en-US" sz="2400" dirty="0"/>
-              <a:t>Extraction of information from data generated through Web page visits and transactions…</a:t>
-            </a:r>
-          </a:p>
-          <a:p>
-            <a:pPr marL="704850" lvl="1" indent="-266700"/>
-            <a:r>
-              <a:rPr lang="en-US" sz="2400" dirty="0"/>
-              <a:t>data stored in server access logs, referrer logs, agent logs, and client-side cookies</a:t>
-            </a:r>
-          </a:p>
-          <a:p>
-            <a:pPr marL="704850" lvl="1" indent="-266700"/>
-            <a:r>
-              <a:rPr lang="en-US" sz="2400" dirty="0"/>
-              <a:t>user characteristics and usage profiles</a:t>
-            </a:r>
-          </a:p>
-          <a:p>
-            <a:pPr marL="704850" lvl="1" indent="-266700"/>
-            <a:r>
-              <a:rPr lang="en-US" sz="2400" dirty="0"/>
-              <a:t>metadata, such as page attributes, content attributes, and usage data</a:t>
-            </a:r>
-          </a:p>
-          <a:p>
-            <a:pPr marL="276225" indent="-276225"/>
-            <a:r>
-              <a:rPr lang="en-US" sz="2400" dirty="0"/>
-              <a:t>Clickstream data </a:t>
-            </a:r>
-          </a:p>
-          <a:p>
-            <a:pPr marL="276225" indent="-276225"/>
-            <a:r>
-              <a:rPr lang="en-US" sz="2400" dirty="0"/>
-              <a:t>Clickstream analysis</a:t>
-            </a:r>
-          </a:p>
-        </p:txBody>
-      </p:sp>
-    </p:spTree>
-    <p:extLst>
-      <p:ext uri="{BB962C8B-B14F-4D97-AF65-F5344CB8AC3E}">
-        <p14:creationId xmlns:p14="http://schemas.microsoft.com/office/powerpoint/2010/main" val="2489170057"/>
-      </p:ext>
-    </p:extLst>
-  </p:cSld>
-  <p:clrMapOvr>
-    <a:masterClrMapping/>
-  </p:clrMapOvr>
-</p:sld>
-</file>
-
-<file path=ppt/slides/slide42.xml><?xml version="1.0" encoding="utf-8"?>
-<p:sld xmlns:a="http://schemas.openxmlformats.org/drawingml/2006/main" xmlns:r="http://schemas.openxmlformats.org/officeDocument/2006/relationships" xmlns:p="http://schemas.openxmlformats.org/presentationml/2006/main">
-  <p:cSld>
-    <p:spTree>
-      <p:nvGrpSpPr>
-        <p:cNvPr id="1" name=""/>
-        <p:cNvGrpSpPr/>
-        <p:nvPr/>
-      </p:nvGrpSpPr>
-      <p:grpSpPr>
-        <a:xfrm>
-          <a:off x="0" y="0"/>
-          <a:ext cx="0" cy="0"/>
-          <a:chOff x="0" y="0"/>
-          <a:chExt cx="0" cy="0"/>
-        </a:xfrm>
-      </p:grpSpPr>
-      <p:sp>
-        <p:nvSpPr>
-          <p:cNvPr id="2" name="Title 1"/>
-          <p:cNvSpPr>
-            <a:spLocks noGrp="1"/>
-          </p:cNvSpPr>
-          <p:nvPr>
-            <p:ph type="title"/>
-          </p:nvPr>
-        </p:nvSpPr>
-        <p:spPr>
-          <a:xfrm>
-            <a:off x="457200" y="66675"/>
-            <a:ext cx="8153400" cy="553998"/>
-          </a:xfrm>
-        </p:spPr>
-        <p:txBody>
-          <a:bodyPr wrap="square">
-            <a:spAutoFit/>
-          </a:bodyPr>
-          <a:lstStyle/>
-          <a:p>
-            <a:r>
-              <a:rPr lang="en-US" sz="3600" dirty="0">
-                <a:latin typeface="+mj-lt"/>
-              </a:rPr>
-              <a:t>Web Usage Mining </a:t>
-            </a:r>
-            <a:r>
-              <a:rPr lang="en-US" sz="2800" dirty="0">
-                <a:latin typeface="+mj-lt"/>
-              </a:rPr>
-              <a:t>(2 of 2)</a:t>
-            </a:r>
-            <a:endParaRPr lang="en-US" sz="3600" dirty="0">
-              <a:latin typeface="+mj-lt"/>
-            </a:endParaRPr>
-          </a:p>
-        </p:txBody>
-      </p:sp>
-      <p:sp>
-        <p:nvSpPr>
-          <p:cNvPr id="4" name="Content Placeholder 4"/>
-          <p:cNvSpPr>
-            <a:spLocks noGrp="1"/>
-          </p:cNvSpPr>
-          <p:nvPr>
-            <p:ph idx="1"/>
-          </p:nvPr>
-        </p:nvSpPr>
-        <p:spPr>
-          <a:xfrm>
-            <a:off x="457200" y="990599"/>
-            <a:ext cx="8153400" cy="4562476"/>
-          </a:xfrm>
-        </p:spPr>
-        <p:txBody>
-          <a:bodyPr>
-            <a:spAutoFit/>
-          </a:bodyPr>
-          <a:lstStyle/>
-          <a:p>
-            <a:pPr marL="276225" indent="-276225">
-              <a:tabLst>
-                <a:tab pos="285750" algn="l"/>
-              </a:tabLst>
-            </a:pPr>
-            <a:r>
-              <a:rPr lang="en-US" sz="2400" dirty="0"/>
-              <a:t>Web usage mining applications</a:t>
-            </a:r>
-          </a:p>
-          <a:p>
-            <a:pPr marL="723900" lvl="1" indent="-276225"/>
-            <a:r>
-              <a:rPr lang="en-US" sz="2400" dirty="0"/>
-              <a:t>Determine the lifetime value of clients</a:t>
-            </a:r>
-          </a:p>
-          <a:p>
-            <a:pPr marL="723900" lvl="1" indent="-276225"/>
-            <a:r>
-              <a:rPr lang="en-US" sz="2400" dirty="0"/>
-              <a:t>Design cross-marketing strategies across products.</a:t>
-            </a:r>
-          </a:p>
-          <a:p>
-            <a:pPr marL="723900" lvl="1" indent="-276225"/>
-            <a:r>
-              <a:rPr lang="en-US" sz="2400" dirty="0"/>
-              <a:t>Evaluate promotional campaigns</a:t>
-            </a:r>
-          </a:p>
-          <a:p>
-            <a:pPr marL="723900" lvl="1" indent="-276225"/>
-            <a:r>
-              <a:rPr lang="en-US" sz="2400" dirty="0"/>
-              <a:t>Target electronic ads and coupons at user groups based on user access patterns</a:t>
-            </a:r>
-          </a:p>
-          <a:p>
-            <a:pPr marL="723900" lvl="1" indent="-276225"/>
-            <a:r>
-              <a:rPr lang="en-US" sz="2400" dirty="0"/>
-              <a:t>Predict user behavior based on previously learned rules and users’ profiles</a:t>
-            </a:r>
-          </a:p>
-          <a:p>
-            <a:pPr marL="723900" lvl="1" indent="-276225"/>
-            <a:r>
-              <a:rPr lang="en-US" sz="2400" dirty="0"/>
-              <a:t>Present dynamic information to users based on their interests and profiles</a:t>
-            </a:r>
-          </a:p>
-          <a:p>
-            <a:pPr marL="723900" lvl="1" indent="-276225"/>
-            <a:r>
-              <a:rPr lang="en-US" sz="2400" dirty="0"/>
-              <a:t>…</a:t>
-            </a:r>
-          </a:p>
-        </p:txBody>
-      </p:sp>
-    </p:spTree>
-    <p:extLst>
-      <p:ext uri="{BB962C8B-B14F-4D97-AF65-F5344CB8AC3E}">
-        <p14:creationId xmlns:p14="http://schemas.microsoft.com/office/powerpoint/2010/main" val="2033830953"/>
-      </p:ext>
-    </p:extLst>
-  </p:cSld>
-  <p:clrMapOvr>
-    <a:masterClrMapping/>
-  </p:clrMapOvr>
-</p:sld>
-</file>
-
-<file path=ppt/slides/slide43.xml><?xml version="1.0" encoding="utf-8"?>
-<p:sld xmlns:a="http://schemas.openxmlformats.org/drawingml/2006/main" xmlns:r="http://schemas.openxmlformats.org/officeDocument/2006/relationships" xmlns:p="http://schemas.openxmlformats.org/presentationml/2006/main">
-  <p:cSld>
-    <p:spTree>
-      <p:nvGrpSpPr>
-        <p:cNvPr id="1" name=""/>
-        <p:cNvGrpSpPr/>
-        <p:nvPr/>
-      </p:nvGrpSpPr>
-      <p:grpSpPr>
-        <a:xfrm>
-          <a:off x="0" y="0"/>
-          <a:ext cx="0" cy="0"/>
-          <a:chOff x="0" y="0"/>
-          <a:chExt cx="0" cy="0"/>
-        </a:xfrm>
-      </p:grpSpPr>
-      <p:sp>
-        <p:nvSpPr>
-          <p:cNvPr id="2" name="Title 1"/>
-          <p:cNvSpPr>
-            <a:spLocks noGrp="1"/>
-          </p:cNvSpPr>
-          <p:nvPr>
-            <p:ph type="title"/>
-          </p:nvPr>
-        </p:nvSpPr>
-        <p:spPr>
-          <a:xfrm>
-            <a:off x="457200" y="66675"/>
-            <a:ext cx="8153400" cy="553998"/>
-          </a:xfrm>
-        </p:spPr>
-        <p:txBody>
-          <a:bodyPr wrap="square">
-            <a:spAutoFit/>
-          </a:bodyPr>
-          <a:lstStyle/>
-          <a:p>
-            <a:r>
-              <a:rPr lang="en-US" sz="3600" dirty="0">
-                <a:latin typeface="+mj-lt"/>
-              </a:rPr>
               <a:t>Search Engines</a:t>
             </a:r>
           </a:p>
@@ -21142,7 +20444,7 @@
 </p:sld>
 </file>
 
-<file path=ppt/slides/slide44.xml><?xml version="1.0" encoding="utf-8"?>
+<file path=ppt/slides/slide41.xml><?xml version="1.0" encoding="utf-8"?>
 <p:sld xmlns:a="http://schemas.openxmlformats.org/drawingml/2006/main" xmlns:r="http://schemas.openxmlformats.org/officeDocument/2006/relationships" xmlns:p="http://schemas.openxmlformats.org/presentationml/2006/main">
   <p:cSld>
     <p:spTree>
@@ -21242,7 +20544,7 @@
 </p:sld>
 </file>
 
-<file path=ppt/slides/slide45.xml><?xml version="1.0" encoding="utf-8"?>
+<file path=ppt/slides/slide42.xml><?xml version="1.0" encoding="utf-8"?>
 <p:sld xmlns:a="http://schemas.openxmlformats.org/drawingml/2006/main" xmlns:r="http://schemas.openxmlformats.org/officeDocument/2006/relationships" xmlns:p="http://schemas.openxmlformats.org/presentationml/2006/main">
   <p:cSld>
     <p:spTree>
@@ -21450,7 +20752,7 @@
 </p:sld>
 </file>
 
-<file path=ppt/slides/slide46.xml><?xml version="1.0" encoding="utf-8"?>
+<file path=ppt/slides/slide43.xml><?xml version="1.0" encoding="utf-8"?>
 <p:sld xmlns:a="http://schemas.openxmlformats.org/drawingml/2006/main" xmlns:r="http://schemas.openxmlformats.org/officeDocument/2006/relationships" xmlns:p="http://schemas.openxmlformats.org/presentationml/2006/main">
   <p:cSld>
     <p:spTree>
@@ -21599,7 +20901,7 @@
 </p:sld>
 </file>
 
-<file path=ppt/slides/slide47.xml><?xml version="1.0" encoding="utf-8"?>
+<file path=ppt/slides/slide44.xml><?xml version="1.0" encoding="utf-8"?>
 <p:sld xmlns:a="http://schemas.openxmlformats.org/drawingml/2006/main" xmlns:r="http://schemas.openxmlformats.org/officeDocument/2006/relationships" xmlns:p="http://schemas.openxmlformats.org/presentationml/2006/main">
   <p:cSld>
     <p:spTree>
@@ -21710,7 +21012,7 @@
 </p:sld>
 </file>
 
-<file path=ppt/slides/slide48.xml><?xml version="1.0" encoding="utf-8"?>
+<file path=ppt/slides/slide45.xml><?xml version="1.0" encoding="utf-8"?>
 <p:sld xmlns:a="http://schemas.openxmlformats.org/drawingml/2006/main" xmlns:r="http://schemas.openxmlformats.org/officeDocument/2006/relationships" xmlns:p="http://schemas.openxmlformats.org/presentationml/2006/main">
   <p:cSld>
     <p:spTree>
@@ -21872,7 +21174,7 @@
 </p:sld>
 </file>
 
-<file path=ppt/slides/slide49.xml><?xml version="1.0" encoding="utf-8"?>
+<file path=ppt/slides/slide46.xml><?xml version="1.0" encoding="utf-8"?>
 <p:sld xmlns:a="http://schemas.openxmlformats.org/drawingml/2006/main" xmlns:r="http://schemas.openxmlformats.org/officeDocument/2006/relationships" xmlns:p="http://schemas.openxmlformats.org/presentationml/2006/main">
   <p:cSld>
     <p:spTree>
@@ -22076,7 +21378,7 @@
 </p:sld>
 </file>
 
-<file path=ppt/slides/slide5.xml><?xml version="1.0" encoding="utf-8"?>
+<file path=ppt/slides/slide47.xml><?xml version="1.0" encoding="utf-8"?>
 <p:sld xmlns:a="http://schemas.openxmlformats.org/drawingml/2006/main" xmlns:r="http://schemas.openxmlformats.org/officeDocument/2006/relationships" xmlns:p="http://schemas.openxmlformats.org/presentationml/2006/main">
   <p:cSld>
     <p:spTree>
@@ -22105,922 +21407,6 @@
         </p:nvSpPr>
         <p:spPr>
           <a:xfrm>
-            <a:off x="457200" y="57150"/>
-            <a:ext cx="8153400" cy="553998"/>
-          </a:xfrm>
-        </p:spPr>
-        <p:txBody>
-          <a:bodyPr wrap="square">
-            <a:spAutoFit/>
-          </a:bodyPr>
-          <a:lstStyle/>
-          <a:p>
-            <a:r>
-              <a:rPr lang="en-US" sz="3600" dirty="0">
-                <a:latin typeface="+mj-lt"/>
-              </a:rPr>
-              <a:t>Opening Vignette </a:t>
-            </a:r>
-            <a:r>
-              <a:rPr lang="en-US" sz="2800" dirty="0">
-                <a:latin typeface="+mj-lt"/>
-              </a:rPr>
-              <a:t>(2 of 3)</a:t>
-            </a:r>
-            <a:r>
-              <a:rPr lang="en-US" sz="3600" dirty="0">
-                <a:latin typeface="+mj-lt"/>
-              </a:rPr>
-              <a:t> </a:t>
-            </a:r>
-          </a:p>
-        </p:txBody>
-      </p:sp>
-      <p:sp>
-        <p:nvSpPr>
-          <p:cNvPr id="3" name="Content Placeholder 2"/>
-          <p:cNvSpPr>
-            <a:spLocks noGrp="1"/>
-          </p:cNvSpPr>
-          <p:nvPr>
-            <p:ph idx="1"/>
-          </p:nvPr>
-        </p:nvSpPr>
-        <p:spPr>
-          <a:xfrm>
-            <a:off x="457200" y="723900"/>
-            <a:ext cx="8153400" cy="861774"/>
-          </a:xfrm>
-        </p:spPr>
-        <p:txBody>
-          <a:bodyPr wrap="square">
-            <a:spAutoFit/>
-          </a:bodyPr>
-          <a:lstStyle/>
-          <a:p>
-            <a:pPr marL="0" lvl="0" indent="0">
-              <a:spcBef>
-                <a:spcPts val="0"/>
-              </a:spcBef>
-              <a:buClr>
-                <a:schemeClr val="lt1"/>
-              </a:buClr>
-              <a:buSzPct val="25000"/>
-              <a:buNone/>
-              <a:tabLst>
-                <a:tab pos="628650" algn="l"/>
-              </a:tabLst>
-            </a:pPr>
-            <a:r>
-              <a:rPr lang="en-US" sz="2800" b="1" dirty="0" err="1">
-                <a:solidFill>
-                  <a:srgbClr val="007FA3"/>
-                </a:solidFill>
-              </a:rPr>
-              <a:t>Amadori</a:t>
-            </a:r>
-            <a:r>
-              <a:rPr lang="en-US" sz="2800" b="1" dirty="0">
-                <a:solidFill>
-                  <a:srgbClr val="007FA3"/>
-                </a:solidFill>
-              </a:rPr>
-              <a:t> Group Converts Consumer Sentiments into Near-Real-Time Sales </a:t>
-            </a:r>
-            <a:endParaRPr lang="en-US" sz="2800" b="1" dirty="0"/>
-          </a:p>
-        </p:txBody>
-      </p:sp>
-      <p:graphicFrame>
-        <p:nvGraphicFramePr>
-          <p:cNvPr id="6" name="Table 5"/>
-          <p:cNvGraphicFramePr>
-            <a:graphicFrameLocks noGrp="1"/>
-          </p:cNvGraphicFramePr>
-          <p:nvPr>
-            <p:extLst>
-              <p:ext uri="{D42A27DB-BD31-4B8C-83A1-F6EECF244321}">
-                <p14:modId xmlns:p14="http://schemas.microsoft.com/office/powerpoint/2010/main" val="2538189399"/>
-              </p:ext>
-            </p:extLst>
-          </p:nvPr>
-        </p:nvGraphicFramePr>
-        <p:xfrm>
-          <a:off x="533400" y="1895475"/>
-          <a:ext cx="8039100" cy="3319800"/>
-        </p:xfrm>
-        <a:graphic>
-          <a:graphicData uri="http://schemas.openxmlformats.org/drawingml/2006/table">
-            <a:tbl>
-              <a:tblPr firstRow="1" bandRow="1">
-                <a:tableStyleId>{3B4B98B0-60AC-42C2-AFA5-B58CD77FA1E5}</a:tableStyleId>
-              </a:tblPr>
-              <a:tblGrid>
-                <a:gridCol w="2514600">
-                  <a:extLst>
-                    <a:ext uri="{9D8B030D-6E8A-4147-A177-3AD203B41FA5}">
-                      <a16:colId xmlns:a16="http://schemas.microsoft.com/office/drawing/2014/main" val="20000"/>
-                    </a:ext>
-                  </a:extLst>
-                </a:gridCol>
-                <a:gridCol w="1524000">
-                  <a:extLst>
-                    <a:ext uri="{9D8B030D-6E8A-4147-A177-3AD203B41FA5}">
-                      <a16:colId xmlns:a16="http://schemas.microsoft.com/office/drawing/2014/main" val="20001"/>
-                    </a:ext>
-                  </a:extLst>
-                </a:gridCol>
-                <a:gridCol w="4000500">
-                  <a:extLst>
-                    <a:ext uri="{9D8B030D-6E8A-4147-A177-3AD203B41FA5}">
-                      <a16:colId xmlns:a16="http://schemas.microsoft.com/office/drawing/2014/main" val="20002"/>
-                    </a:ext>
-                  </a:extLst>
-                </a:gridCol>
-              </a:tblGrid>
-              <a:tr h="990600">
-                <a:tc>
-                  <a:txBody>
-                    <a:bodyPr/>
-                    <a:lstStyle/>
-                    <a:p>
-                      <a:r>
-                        <a:rPr lang="en-US" sz="1200" dirty="0">
-                          <a:solidFill>
-                            <a:srgbClr val="D4EAE4"/>
-                          </a:solidFill>
-                        </a:rPr>
-                        <a:t>Blank</a:t>
-                      </a:r>
-                      <a:endParaRPr lang="en-IN" sz="1200" dirty="0">
-                        <a:solidFill>
-                          <a:srgbClr val="D4EAE4"/>
-                        </a:solidFill>
-                      </a:endParaRPr>
-                    </a:p>
-                  </a:txBody>
-                  <a:tcPr>
-                    <a:lnL w="12700" cap="flat" cmpd="sng" algn="ctr">
-                      <a:solidFill>
-                        <a:schemeClr val="tx1"/>
-                      </a:solidFill>
-                      <a:prstDash val="solid"/>
-                      <a:round/>
-                      <a:headEnd type="none" w="med" len="med"/>
-                      <a:tailEnd type="none" w="med" len="med"/>
-                    </a:lnL>
-                    <a:lnR w="12700" cap="flat" cmpd="sng" algn="ctr">
-                      <a:solidFill>
-                        <a:schemeClr val="tx1"/>
-                      </a:solidFill>
-                      <a:prstDash val="solid"/>
-                      <a:round/>
-                      <a:headEnd type="none" w="med" len="med"/>
-                      <a:tailEnd type="none" w="med" len="med"/>
-                    </a:lnR>
-                    <a:lnT w="12700" cap="flat" cmpd="sng" algn="ctr">
-                      <a:solidFill>
-                        <a:schemeClr val="tx1"/>
-                      </a:solidFill>
-                      <a:prstDash val="solid"/>
-                      <a:round/>
-                      <a:headEnd type="none" w="med" len="med"/>
-                      <a:tailEnd type="none" w="med" len="med"/>
-                    </a:lnT>
-                    <a:lnB w="12700" cap="flat" cmpd="sng" algn="ctr">
-                      <a:solidFill>
-                        <a:schemeClr val="tx1"/>
-                      </a:solidFill>
-                      <a:prstDash val="solid"/>
-                      <a:round/>
-                      <a:headEnd type="none" w="med" len="med"/>
-                      <a:tailEnd type="none" w="med" len="med"/>
-                    </a:lnB>
-                    <a:solidFill>
-                      <a:srgbClr val="D4EAE4"/>
-                    </a:solidFill>
-                  </a:tcPr>
-                </a:tc>
-                <a:tc>
-                  <a:txBody>
-                    <a:bodyPr/>
-                    <a:lstStyle/>
-                    <a:p>
-                      <a:r>
-                        <a:rPr lang="en-IN" sz="1400" b="1" i="0" u="none" strike="noStrike" kern="1200" baseline="0" dirty="0">
-                          <a:solidFill>
-                            <a:schemeClr val="tx1"/>
-                          </a:solidFill>
-                          <a:latin typeface="+mn-lt"/>
-                          <a:ea typeface="+mn-ea"/>
-                          <a:cs typeface="+mn-cs"/>
-                        </a:rPr>
-                        <a:t>Instrumented</a:t>
-                      </a:r>
-                      <a:endParaRPr lang="en-IN" sz="1400" dirty="0"/>
-                    </a:p>
-                  </a:txBody>
-                  <a:tcPr>
-                    <a:lnL w="12700" cap="flat" cmpd="sng" algn="ctr">
-                      <a:solidFill>
-                        <a:schemeClr val="tx1"/>
-                      </a:solidFill>
-                      <a:prstDash val="solid"/>
-                      <a:round/>
-                      <a:headEnd type="none" w="med" len="med"/>
-                      <a:tailEnd type="none" w="med" len="med"/>
-                    </a:lnL>
-                    <a:lnR w="12700" cap="flat" cmpd="sng" algn="ctr">
-                      <a:solidFill>
-                        <a:schemeClr val="tx1"/>
-                      </a:solidFill>
-                      <a:prstDash val="solid"/>
-                      <a:round/>
-                      <a:headEnd type="none" w="med" len="med"/>
-                      <a:tailEnd type="none" w="med" len="med"/>
-                    </a:lnR>
-                    <a:lnT w="12700" cap="flat" cmpd="sng" algn="ctr">
-                      <a:solidFill>
-                        <a:schemeClr val="tx1"/>
-                      </a:solidFill>
-                      <a:prstDash val="solid"/>
-                      <a:round/>
-                      <a:headEnd type="none" w="med" len="med"/>
-                      <a:tailEnd type="none" w="med" len="med"/>
-                    </a:lnT>
-                    <a:lnB w="12700" cap="flat" cmpd="sng" algn="ctr">
-                      <a:solidFill>
-                        <a:schemeClr val="tx1"/>
-                      </a:solidFill>
-                      <a:prstDash val="solid"/>
-                      <a:round/>
-                      <a:headEnd type="none" w="med" len="med"/>
-                      <a:tailEnd type="none" w="med" len="med"/>
-                    </a:lnB>
-                    <a:solidFill>
-                      <a:srgbClr val="D4EAE4"/>
-                    </a:solidFill>
-                  </a:tcPr>
-                </a:tc>
-                <a:tc>
-                  <a:txBody>
-                    <a:bodyPr/>
-                    <a:lstStyle/>
-                    <a:p>
-                      <a:r>
-                        <a:rPr lang="en-US" sz="1400" b="0" i="0" u="none" strike="noStrike" kern="1200" baseline="0" dirty="0">
-                          <a:solidFill>
-                            <a:schemeClr val="tx1"/>
-                          </a:solidFill>
-                          <a:latin typeface="+mn-lt"/>
-                          <a:ea typeface="+mn-ea"/>
-                          <a:cs typeface="+mn-cs"/>
-                        </a:rPr>
-                        <a:t>The interactive digital platform supports rapid, accurate data collection from business partners and customers.</a:t>
-                      </a:r>
-                      <a:endParaRPr lang="en-IN" sz="1400" dirty="0"/>
-                    </a:p>
-                  </a:txBody>
-                  <a:tcPr>
-                    <a:lnL w="12700" cap="flat" cmpd="sng" algn="ctr">
-                      <a:solidFill>
-                        <a:schemeClr val="tx1"/>
-                      </a:solidFill>
-                      <a:prstDash val="solid"/>
-                      <a:round/>
-                      <a:headEnd type="none" w="med" len="med"/>
-                      <a:tailEnd type="none" w="med" len="med"/>
-                    </a:lnL>
-                    <a:lnR w="12700" cap="flat" cmpd="sng" algn="ctr">
-                      <a:solidFill>
-                        <a:schemeClr val="tx1"/>
-                      </a:solidFill>
-                      <a:prstDash val="solid"/>
-                      <a:round/>
-                      <a:headEnd type="none" w="med" len="med"/>
-                      <a:tailEnd type="none" w="med" len="med"/>
-                    </a:lnR>
-                    <a:lnT w="12700" cap="flat" cmpd="sng" algn="ctr">
-                      <a:solidFill>
-                        <a:schemeClr val="tx1"/>
-                      </a:solidFill>
-                      <a:prstDash val="solid"/>
-                      <a:round/>
-                      <a:headEnd type="none" w="med" len="med"/>
-                      <a:tailEnd type="none" w="med" len="med"/>
-                    </a:lnT>
-                    <a:lnB w="12700" cap="flat" cmpd="sng" algn="ctr">
-                      <a:solidFill>
-                        <a:schemeClr val="tx1"/>
-                      </a:solidFill>
-                      <a:prstDash val="solid"/>
-                      <a:round/>
-                      <a:headEnd type="none" w="med" len="med"/>
-                      <a:tailEnd type="none" w="med" len="med"/>
-                    </a:lnB>
-                    <a:solidFill>
-                      <a:srgbClr val="D4EAE4"/>
-                    </a:solidFill>
-                  </a:tcPr>
-                </a:tc>
-                <a:extLst>
-                  <a:ext uri="{0D108BD9-81ED-4DB2-BD59-A6C34878D82A}">
-                    <a16:rowId xmlns:a16="http://schemas.microsoft.com/office/drawing/2014/main" val="10000"/>
-                  </a:ext>
-                </a:extLst>
-              </a:tr>
-              <a:tr h="957600">
-                <a:tc>
-                  <a:txBody>
-                    <a:bodyPr/>
-                    <a:lstStyle/>
-                    <a:p>
-                      <a:r>
-                        <a:rPr lang="en-US" sz="1200" dirty="0">
-                          <a:solidFill>
-                            <a:srgbClr val="D4EAE4"/>
-                          </a:solidFill>
-                        </a:rPr>
-                        <a:t>Blank</a:t>
-                      </a:r>
-                      <a:endParaRPr lang="en-IN" sz="1200" dirty="0"/>
-                    </a:p>
-                  </a:txBody>
-                  <a:tcPr>
-                    <a:lnL w="12700" cap="flat" cmpd="sng" algn="ctr">
-                      <a:solidFill>
-                        <a:schemeClr val="tx1"/>
-                      </a:solidFill>
-                      <a:prstDash val="solid"/>
-                      <a:round/>
-                      <a:headEnd type="none" w="med" len="med"/>
-                      <a:tailEnd type="none" w="med" len="med"/>
-                    </a:lnL>
-                    <a:lnR w="12700" cap="flat" cmpd="sng" algn="ctr">
-                      <a:solidFill>
-                        <a:schemeClr val="tx1"/>
-                      </a:solidFill>
-                      <a:prstDash val="solid"/>
-                      <a:round/>
-                      <a:headEnd type="none" w="med" len="med"/>
-                      <a:tailEnd type="none" w="med" len="med"/>
-                    </a:lnR>
-                    <a:lnT w="12700" cap="flat" cmpd="sng" algn="ctr">
-                      <a:solidFill>
-                        <a:schemeClr val="tx1"/>
-                      </a:solidFill>
-                      <a:prstDash val="solid"/>
-                      <a:round/>
-                      <a:headEnd type="none" w="med" len="med"/>
-                      <a:tailEnd type="none" w="med" len="med"/>
-                    </a:lnT>
-                    <a:lnB w="12700" cap="flat" cmpd="sng" algn="ctr">
-                      <a:solidFill>
-                        <a:schemeClr val="tx1"/>
-                      </a:solidFill>
-                      <a:prstDash val="solid"/>
-                      <a:round/>
-                      <a:headEnd type="none" w="med" len="med"/>
-                      <a:tailEnd type="none" w="med" len="med"/>
-                    </a:lnB>
-                    <a:solidFill>
-                      <a:srgbClr val="D4EAE4"/>
-                    </a:solidFill>
-                  </a:tcPr>
-                </a:tc>
-                <a:tc>
-                  <a:txBody>
-                    <a:bodyPr/>
-                    <a:lstStyle/>
-                    <a:p>
-                      <a:r>
-                        <a:rPr lang="en-IN" sz="1400" b="1" i="0" u="none" strike="noStrike" kern="1200" baseline="0" dirty="0">
-                          <a:solidFill>
-                            <a:schemeClr val="tx1"/>
-                          </a:solidFill>
-                          <a:latin typeface="+mn-lt"/>
-                          <a:ea typeface="+mn-ea"/>
-                          <a:cs typeface="+mn-cs"/>
-                        </a:rPr>
-                        <a:t>Interconnected</a:t>
-                      </a:r>
-                      <a:endParaRPr lang="en-IN" sz="1400" dirty="0"/>
-                    </a:p>
-                  </a:txBody>
-                  <a:tcPr>
-                    <a:lnL w="12700" cap="flat" cmpd="sng" algn="ctr">
-                      <a:solidFill>
-                        <a:schemeClr val="tx1"/>
-                      </a:solidFill>
-                      <a:prstDash val="solid"/>
-                      <a:round/>
-                      <a:headEnd type="none" w="med" len="med"/>
-                      <a:tailEnd type="none" w="med" len="med"/>
-                    </a:lnL>
-                    <a:lnR w="12700" cap="flat" cmpd="sng" algn="ctr">
-                      <a:solidFill>
-                        <a:schemeClr val="tx1"/>
-                      </a:solidFill>
-                      <a:prstDash val="solid"/>
-                      <a:round/>
-                      <a:headEnd type="none" w="med" len="med"/>
-                      <a:tailEnd type="none" w="med" len="med"/>
-                    </a:lnR>
-                    <a:lnT w="12700" cap="flat" cmpd="sng" algn="ctr">
-                      <a:solidFill>
-                        <a:schemeClr val="tx1"/>
-                      </a:solidFill>
-                      <a:prstDash val="solid"/>
-                      <a:round/>
-                      <a:headEnd type="none" w="med" len="med"/>
-                      <a:tailEnd type="none" w="med" len="med"/>
-                    </a:lnT>
-                    <a:lnB w="12700" cap="flat" cmpd="sng" algn="ctr">
-                      <a:solidFill>
-                        <a:schemeClr val="tx1"/>
-                      </a:solidFill>
-                      <a:prstDash val="solid"/>
-                      <a:round/>
-                      <a:headEnd type="none" w="med" len="med"/>
-                      <a:tailEnd type="none" w="med" len="med"/>
-                    </a:lnB>
-                    <a:solidFill>
-                      <a:srgbClr val="D4EAE4"/>
-                    </a:solidFill>
-                  </a:tcPr>
-                </a:tc>
-                <a:tc>
-                  <a:txBody>
-                    <a:bodyPr/>
-                    <a:lstStyle/>
-                    <a:p>
-                      <a:r>
-                        <a:rPr lang="en-US" sz="1400" b="0" i="0" u="none" strike="noStrike" kern="1200" baseline="0" dirty="0">
-                          <a:solidFill>
-                            <a:schemeClr val="tx1"/>
-                          </a:solidFill>
-                          <a:latin typeface="+mn-lt"/>
-                          <a:ea typeface="+mn-ea"/>
-                          <a:cs typeface="+mn-cs"/>
-                        </a:rPr>
-                        <a:t>The digital platform also provides an integrated view of the company’s end-to-end processes from production plan to marketing and sales.</a:t>
-                      </a:r>
-                      <a:endParaRPr lang="en-IN" sz="1400" dirty="0"/>
-                    </a:p>
-                  </a:txBody>
-                  <a:tcPr>
-                    <a:lnL w="12700" cap="flat" cmpd="sng" algn="ctr">
-                      <a:solidFill>
-                        <a:schemeClr val="tx1"/>
-                      </a:solidFill>
-                      <a:prstDash val="solid"/>
-                      <a:round/>
-                      <a:headEnd type="none" w="med" len="med"/>
-                      <a:tailEnd type="none" w="med" len="med"/>
-                    </a:lnL>
-                    <a:lnR w="12700" cap="flat" cmpd="sng" algn="ctr">
-                      <a:solidFill>
-                        <a:schemeClr val="tx1"/>
-                      </a:solidFill>
-                      <a:prstDash val="solid"/>
-                      <a:round/>
-                      <a:headEnd type="none" w="med" len="med"/>
-                      <a:tailEnd type="none" w="med" len="med"/>
-                    </a:lnR>
-                    <a:lnT w="12700" cap="flat" cmpd="sng" algn="ctr">
-                      <a:solidFill>
-                        <a:schemeClr val="tx1"/>
-                      </a:solidFill>
-                      <a:prstDash val="solid"/>
-                      <a:round/>
-                      <a:headEnd type="none" w="med" len="med"/>
-                      <a:tailEnd type="none" w="med" len="med"/>
-                    </a:lnT>
-                    <a:lnB w="12700" cap="flat" cmpd="sng" algn="ctr">
-                      <a:solidFill>
-                        <a:schemeClr val="tx1"/>
-                      </a:solidFill>
-                      <a:prstDash val="solid"/>
-                      <a:round/>
-                      <a:headEnd type="none" w="med" len="med"/>
-                      <a:tailEnd type="none" w="med" len="med"/>
-                    </a:lnB>
-                    <a:solidFill>
-                      <a:srgbClr val="D4EAE4"/>
-                    </a:solidFill>
-                  </a:tcPr>
-                </a:tc>
-                <a:extLst>
-                  <a:ext uri="{0D108BD9-81ED-4DB2-BD59-A6C34878D82A}">
-                    <a16:rowId xmlns:a16="http://schemas.microsoft.com/office/drawing/2014/main" val="10001"/>
-                  </a:ext>
-                </a:extLst>
-              </a:tr>
-              <a:tr h="1254000">
-                <a:tc>
-                  <a:txBody>
-                    <a:bodyPr/>
-                    <a:lstStyle/>
-                    <a:p>
-                      <a:r>
-                        <a:rPr lang="en-US" sz="1200" dirty="0">
-                          <a:solidFill>
-                            <a:srgbClr val="D4EAE4"/>
-                          </a:solidFill>
-                        </a:rPr>
-                        <a:t>Blank</a:t>
-                      </a:r>
-                      <a:endParaRPr lang="en-IN" sz="1200" dirty="0"/>
-                    </a:p>
-                  </a:txBody>
-                  <a:tcPr>
-                    <a:lnL w="12700" cap="flat" cmpd="sng" algn="ctr">
-                      <a:solidFill>
-                        <a:schemeClr val="tx1"/>
-                      </a:solidFill>
-                      <a:prstDash val="solid"/>
-                      <a:round/>
-                      <a:headEnd type="none" w="med" len="med"/>
-                      <a:tailEnd type="none" w="med" len="med"/>
-                    </a:lnL>
-                    <a:lnR w="12700" cap="flat" cmpd="sng" algn="ctr">
-                      <a:solidFill>
-                        <a:schemeClr val="tx1"/>
-                      </a:solidFill>
-                      <a:prstDash val="solid"/>
-                      <a:round/>
-                      <a:headEnd type="none" w="med" len="med"/>
-                      <a:tailEnd type="none" w="med" len="med"/>
-                    </a:lnR>
-                    <a:lnT w="12700" cap="flat" cmpd="sng" algn="ctr">
-                      <a:solidFill>
-                        <a:schemeClr val="tx1"/>
-                      </a:solidFill>
-                      <a:prstDash val="solid"/>
-                      <a:round/>
-                      <a:headEnd type="none" w="med" len="med"/>
-                      <a:tailEnd type="none" w="med" len="med"/>
-                    </a:lnT>
-                    <a:lnB w="12700" cap="flat" cmpd="sng" algn="ctr">
-                      <a:solidFill>
-                        <a:schemeClr val="tx1"/>
-                      </a:solidFill>
-                      <a:prstDash val="solid"/>
-                      <a:round/>
-                      <a:headEnd type="none" w="med" len="med"/>
-                      <a:tailEnd type="none" w="med" len="med"/>
-                    </a:lnB>
-                    <a:solidFill>
-                      <a:srgbClr val="D4EAE4"/>
-                    </a:solidFill>
-                  </a:tcPr>
-                </a:tc>
-                <a:tc>
-                  <a:txBody>
-                    <a:bodyPr/>
-                    <a:lstStyle/>
-                    <a:p>
-                      <a:r>
-                        <a:rPr lang="en-IN" sz="1400" b="1" i="0" u="none" strike="noStrike" kern="1200" baseline="0" dirty="0">
-                          <a:solidFill>
-                            <a:schemeClr val="tx1"/>
-                          </a:solidFill>
-                          <a:latin typeface="+mn-lt"/>
-                          <a:ea typeface="+mn-ea"/>
-                          <a:cs typeface="+mn-cs"/>
-                        </a:rPr>
-                        <a:t>Intelligent</a:t>
-                      </a:r>
-                      <a:endParaRPr lang="en-IN" sz="1400" dirty="0"/>
-                    </a:p>
-                  </a:txBody>
-                  <a:tcPr>
-                    <a:lnL w="12700" cap="flat" cmpd="sng" algn="ctr">
-                      <a:solidFill>
-                        <a:schemeClr val="tx1"/>
-                      </a:solidFill>
-                      <a:prstDash val="solid"/>
-                      <a:round/>
-                      <a:headEnd type="none" w="med" len="med"/>
-                      <a:tailEnd type="none" w="med" len="med"/>
-                    </a:lnL>
-                    <a:lnR w="12700" cap="flat" cmpd="sng" algn="ctr">
-                      <a:solidFill>
-                        <a:schemeClr val="tx1"/>
-                      </a:solidFill>
-                      <a:prstDash val="solid"/>
-                      <a:round/>
-                      <a:headEnd type="none" w="med" len="med"/>
-                      <a:tailEnd type="none" w="med" len="med"/>
-                    </a:lnR>
-                    <a:lnT w="12700" cap="flat" cmpd="sng" algn="ctr">
-                      <a:solidFill>
-                        <a:schemeClr val="tx1"/>
-                      </a:solidFill>
-                      <a:prstDash val="solid"/>
-                      <a:round/>
-                      <a:headEnd type="none" w="med" len="med"/>
-                      <a:tailEnd type="none" w="med" len="med"/>
-                    </a:lnT>
-                    <a:lnB w="12700" cap="flat" cmpd="sng" algn="ctr">
-                      <a:solidFill>
-                        <a:schemeClr val="tx1"/>
-                      </a:solidFill>
-                      <a:prstDash val="solid"/>
-                      <a:round/>
-                      <a:headEnd type="none" w="med" len="med"/>
-                      <a:tailEnd type="none" w="med" len="med"/>
-                    </a:lnB>
-                    <a:solidFill>
-                      <a:srgbClr val="D4EAE4"/>
-                    </a:solidFill>
-                  </a:tcPr>
-                </a:tc>
-                <a:tc>
-                  <a:txBody>
-                    <a:bodyPr/>
-                    <a:lstStyle/>
-                    <a:p>
-                      <a:r>
-                        <a:rPr lang="en-IN" sz="1400" b="0" i="0" u="none" strike="noStrike" kern="1200" baseline="0" dirty="0">
-                          <a:solidFill>
-                            <a:schemeClr val="tx1"/>
-                          </a:solidFill>
-                          <a:latin typeface="+mn-lt"/>
-                          <a:ea typeface="+mn-ea"/>
-                          <a:cs typeface="+mn-cs"/>
-                        </a:rPr>
-                        <a:t>Content management, data collection, and predictive </a:t>
-                      </a:r>
-                      <a:r>
-                        <a:rPr lang="en-US" sz="1400" b="0" i="0" u="none" strike="noStrike" kern="1200" baseline="0" dirty="0">
-                          <a:solidFill>
-                            <a:schemeClr val="tx1"/>
-                          </a:solidFill>
-                          <a:latin typeface="+mn-lt"/>
-                          <a:ea typeface="+mn-ea"/>
-                          <a:cs typeface="+mn-cs"/>
-                        </a:rPr>
-                        <a:t>analytics applications monitor and analyze </a:t>
-                      </a:r>
-                      <a:r>
-                        <a:rPr lang="en-IN" sz="1400" b="0" i="0" u="none" strike="noStrike" kern="1200" baseline="0" dirty="0">
-                          <a:solidFill>
-                            <a:schemeClr val="tx1"/>
-                          </a:solidFill>
-                          <a:latin typeface="+mn-lt"/>
-                          <a:ea typeface="+mn-ea"/>
-                          <a:cs typeface="+mn-cs"/>
-                        </a:rPr>
-                        <a:t>social media </a:t>
-                      </a:r>
-                      <a:r>
-                        <a:rPr lang="en-US" sz="1400" b="0" i="0" u="none" strike="noStrike" kern="1200" baseline="0" dirty="0">
-                          <a:solidFill>
-                            <a:schemeClr val="tx1"/>
-                          </a:solidFill>
-                          <a:latin typeface="+mn-lt"/>
-                          <a:ea typeface="+mn-ea"/>
-                          <a:cs typeface="+mn-cs"/>
-                        </a:rPr>
-                        <a:t>relevant to the </a:t>
-                      </a:r>
-                      <a:r>
-                        <a:rPr lang="en-US" sz="1400" b="0" i="0" u="none" strike="noStrike" kern="1200" baseline="0" dirty="0" err="1">
-                          <a:solidFill>
-                            <a:schemeClr val="tx1"/>
-                          </a:solidFill>
-                          <a:latin typeface="+mn-lt"/>
-                          <a:ea typeface="+mn-ea"/>
-                          <a:cs typeface="+mn-cs"/>
-                        </a:rPr>
-                        <a:t>Amadori</a:t>
-                      </a:r>
-                      <a:r>
-                        <a:rPr lang="en-US" sz="1400" b="0" i="0" u="none" strike="noStrike" kern="1200" baseline="0" dirty="0">
-                          <a:solidFill>
-                            <a:schemeClr val="tx1"/>
-                          </a:solidFill>
-                          <a:latin typeface="+mn-lt"/>
-                          <a:ea typeface="+mn-ea"/>
-                          <a:cs typeface="+mn-cs"/>
-                        </a:rPr>
-                        <a:t> brand, helping the company anticipate issues and better align products and marketing promotions with customers’ needs and desires.</a:t>
-                      </a:r>
-                      <a:endParaRPr lang="en-IN" sz="1400" dirty="0"/>
-                    </a:p>
-                  </a:txBody>
-                  <a:tcPr>
-                    <a:lnL w="12700" cap="flat" cmpd="sng" algn="ctr">
-                      <a:solidFill>
-                        <a:schemeClr val="tx1"/>
-                      </a:solidFill>
-                      <a:prstDash val="solid"/>
-                      <a:round/>
-                      <a:headEnd type="none" w="med" len="med"/>
-                      <a:tailEnd type="none" w="med" len="med"/>
-                    </a:lnL>
-                    <a:lnR w="12700" cap="flat" cmpd="sng" algn="ctr">
-                      <a:solidFill>
-                        <a:schemeClr val="tx1"/>
-                      </a:solidFill>
-                      <a:prstDash val="solid"/>
-                      <a:round/>
-                      <a:headEnd type="none" w="med" len="med"/>
-                      <a:tailEnd type="none" w="med" len="med"/>
-                    </a:lnR>
-                    <a:lnT w="12700" cap="flat" cmpd="sng" algn="ctr">
-                      <a:solidFill>
-                        <a:schemeClr val="tx1"/>
-                      </a:solidFill>
-                      <a:prstDash val="solid"/>
-                      <a:round/>
-                      <a:headEnd type="none" w="med" len="med"/>
-                      <a:tailEnd type="none" w="med" len="med"/>
-                    </a:lnT>
-                    <a:lnB w="12700" cap="flat" cmpd="sng" algn="ctr">
-                      <a:solidFill>
-                        <a:schemeClr val="tx1"/>
-                      </a:solidFill>
-                      <a:prstDash val="solid"/>
-                      <a:round/>
-                      <a:headEnd type="none" w="med" len="med"/>
-                      <a:tailEnd type="none" w="med" len="med"/>
-                    </a:lnB>
-                    <a:solidFill>
-                      <a:srgbClr val="D4EAE4"/>
-                    </a:solidFill>
-                  </a:tcPr>
-                </a:tc>
-                <a:extLst>
-                  <a:ext uri="{0D108BD9-81ED-4DB2-BD59-A6C34878D82A}">
-                    <a16:rowId xmlns:a16="http://schemas.microsoft.com/office/drawing/2014/main" val="10002"/>
-                  </a:ext>
-                </a:extLst>
-              </a:tr>
-            </a:tbl>
-          </a:graphicData>
-        </a:graphic>
-      </p:graphicFrame>
-      <p:pic>
-        <p:nvPicPr>
-          <p:cNvPr id="2050" name="Picture 2" descr="A close-up of a semiconductor chip has I B M’s white instrumented icon on the right. The icon is a square with a hole at the center laid on top of 3 horizontal and 3 vertical parallel lines that intersect in the middle."/>
-          <p:cNvPicPr>
-            <a:picLocks noChangeAspect="1" noChangeArrowheads="1"/>
-          </p:cNvPicPr>
-          <p:nvPr/>
-        </p:nvPicPr>
-        <p:blipFill rotWithShape="1">
-          <a:blip r:embed="rId3" cstate="print">
-            <a:extLst>
-              <a:ext uri="{28A0092B-C50C-407E-A947-70E740481C1C}">
-                <a14:useLocalDpi xmlns:a14="http://schemas.microsoft.com/office/drawing/2010/main" val="0"/>
-              </a:ext>
-            </a:extLst>
-          </a:blip>
-          <a:srcRect b="6678"/>
-          <a:stretch/>
-        </p:blipFill>
-        <p:spPr bwMode="auto">
-          <a:xfrm>
-            <a:off x="762000" y="2062063"/>
-            <a:ext cx="2128111" cy="595412"/>
-          </a:xfrm>
-          <a:prstGeom prst="rect">
-            <a:avLst/>
-          </a:prstGeom>
-          <a:noFill/>
-          <a:extLst>
-            <a:ext uri="{909E8E84-426E-40DD-AFC4-6F175D3DCCD1}">
-              <a14:hiddenFill xmlns:a14="http://schemas.microsoft.com/office/drawing/2010/main">
-                <a:solidFill>
-                  <a:srgbClr val="FFFFFF"/>
-                </a:solidFill>
-              </a14:hiddenFill>
-            </a:ext>
-          </a:extLst>
-        </p:spPr>
-      </p:pic>
-      <p:pic>
-        <p:nvPicPr>
-          <p:cNvPr id="2051" name="Picture 3" descr="A horizontal rectangular strip shows a close up shot of a green leaf revealing a network of veins. Over it on the right is a white icon with three white lines intersecting as if to form a network."/>
-          <p:cNvPicPr>
-            <a:picLocks noChangeAspect="1" noChangeArrowheads="1"/>
-          </p:cNvPicPr>
-          <p:nvPr/>
-        </p:nvPicPr>
-        <p:blipFill rotWithShape="1">
-          <a:blip r:embed="rId4" cstate="print">
-            <a:extLst>
-              <a:ext uri="{28A0092B-C50C-407E-A947-70E740481C1C}">
-                <a14:useLocalDpi xmlns:a14="http://schemas.microsoft.com/office/drawing/2010/main" val="0"/>
-              </a:ext>
-            </a:extLst>
-          </a:blip>
-          <a:srcRect b="6970"/>
-          <a:stretch/>
-        </p:blipFill>
-        <p:spPr bwMode="auto">
-          <a:xfrm>
-            <a:off x="811386" y="3070252"/>
-            <a:ext cx="2086179" cy="625448"/>
-          </a:xfrm>
-          <a:prstGeom prst="rect">
-            <a:avLst/>
-          </a:prstGeom>
-          <a:noFill/>
-          <a:extLst>
-            <a:ext uri="{909E8E84-426E-40DD-AFC4-6F175D3DCCD1}">
-              <a14:hiddenFill xmlns:a14="http://schemas.microsoft.com/office/drawing/2010/main">
-                <a:solidFill>
-                  <a:srgbClr val="FFFFFF"/>
-                </a:solidFill>
-              </a14:hiddenFill>
-            </a:ext>
-          </a:extLst>
-        </p:spPr>
-      </p:pic>
-      <p:pic>
-        <p:nvPicPr>
-          <p:cNvPr id="2052" name="Picture 4" descr="A black horizontal rectangular strip has streaks of yellow and flecks of green. On the right is a white icon resembles a white cylindrical bulb with three white lines radiating from the bottom."/>
-          <p:cNvPicPr>
-            <a:picLocks noChangeAspect="1" noChangeArrowheads="1"/>
-          </p:cNvPicPr>
-          <p:nvPr/>
-        </p:nvPicPr>
-        <p:blipFill rotWithShape="1">
-          <a:blip r:embed="rId5" cstate="print">
-            <a:extLst>
-              <a:ext uri="{28A0092B-C50C-407E-A947-70E740481C1C}">
-                <a14:useLocalDpi xmlns:a14="http://schemas.microsoft.com/office/drawing/2010/main" val="0"/>
-              </a:ext>
-            </a:extLst>
-          </a:blip>
-          <a:srcRect b="6196"/>
-          <a:stretch/>
-        </p:blipFill>
-        <p:spPr bwMode="auto">
-          <a:xfrm>
-            <a:off x="750817" y="4084522"/>
-            <a:ext cx="2259033" cy="662207"/>
-          </a:xfrm>
-          <a:prstGeom prst="rect">
-            <a:avLst/>
-          </a:prstGeom>
-          <a:noFill/>
-          <a:extLst>
-            <a:ext uri="{909E8E84-426E-40DD-AFC4-6F175D3DCCD1}">
-              <a14:hiddenFill xmlns:a14="http://schemas.microsoft.com/office/drawing/2010/main">
-                <a:solidFill>
-                  <a:srgbClr val="FFFFFF"/>
-                </a:solidFill>
-              </a14:hiddenFill>
-            </a:ext>
-          </a:extLst>
-        </p:spPr>
-      </p:pic>
-    </p:spTree>
-    <p:extLst>
-      <p:ext uri="{BB962C8B-B14F-4D97-AF65-F5344CB8AC3E}">
-        <p14:creationId xmlns:p14="http://schemas.microsoft.com/office/powerpoint/2010/main" val="898625424"/>
-      </p:ext>
-    </p:extLst>
-  </p:cSld>
-  <p:clrMapOvr>
-    <a:masterClrMapping/>
-  </p:clrMapOvr>
-</p:sld>
-</file>
-
-<file path=ppt/slides/slide50.xml><?xml version="1.0" encoding="utf-8"?>
-<p:sld xmlns:a="http://schemas.openxmlformats.org/drawingml/2006/main" xmlns:r="http://schemas.openxmlformats.org/officeDocument/2006/relationships" xmlns:p="http://schemas.openxmlformats.org/presentationml/2006/main">
-  <p:cSld>
-    <p:spTree>
-      <p:nvGrpSpPr>
-        <p:cNvPr id="1" name=""/>
-        <p:cNvGrpSpPr/>
-        <p:nvPr/>
-      </p:nvGrpSpPr>
-      <p:grpSpPr>
-        <a:xfrm>
-          <a:off x="0" y="0"/>
-          <a:ext cx="0" cy="0"/>
-          <a:chOff x="0" y="0"/>
-          <a:chExt cx="0" cy="0"/>
-        </a:xfrm>
-      </p:grpSpPr>
-      <p:sp>
-        <p:nvSpPr>
-          <p:cNvPr id="2" name="Title 1"/>
-          <p:cNvSpPr>
-            <a:spLocks noGrp="1"/>
-          </p:cNvSpPr>
-          <p:nvPr>
-            <p:ph type="title"/>
-          </p:nvPr>
-        </p:nvSpPr>
-        <p:spPr>
-          <a:xfrm>
             <a:off x="457200" y="74653"/>
             <a:ext cx="8153400" cy="553998"/>
           </a:xfrm>
@@ -23196,7 +21582,7 @@
 </p:sld>
 </file>
 
-<file path=ppt/slides/slide51.xml><?xml version="1.0" encoding="utf-8"?>
+<file path=ppt/slides/slide48.xml><?xml version="1.0" encoding="utf-8"?>
 <p:sld xmlns:a="http://schemas.openxmlformats.org/drawingml/2006/main" xmlns:r="http://schemas.openxmlformats.org/officeDocument/2006/relationships" xmlns:p="http://schemas.openxmlformats.org/presentationml/2006/main">
   <p:cSld>
     <p:spTree>
@@ -23296,6 +21682,691 @@
 </p:sld>
 </file>
 
+<file path=ppt/slides/slide49.xml><?xml version="1.0" encoding="utf-8"?>
+<p:sld xmlns:a="http://schemas.openxmlformats.org/drawingml/2006/main" xmlns:r="http://schemas.openxmlformats.org/officeDocument/2006/relationships" xmlns:p="http://schemas.openxmlformats.org/presentationml/2006/main">
+  <p:cSld>
+    <p:spTree>
+      <p:nvGrpSpPr>
+        <p:cNvPr id="1" name=""/>
+        <p:cNvGrpSpPr/>
+        <p:nvPr/>
+      </p:nvGrpSpPr>
+      <p:grpSpPr>
+        <a:xfrm>
+          <a:off x="0" y="0"/>
+          <a:ext cx="0" cy="0"/>
+          <a:chOff x="0" y="0"/>
+          <a:chExt cx="0" cy="0"/>
+        </a:xfrm>
+      </p:grpSpPr>
+      <p:sp>
+        <p:nvSpPr>
+          <p:cNvPr id="2" name="Title 1"/>
+          <p:cNvSpPr>
+            <a:spLocks noGrp="1"/>
+          </p:cNvSpPr>
+          <p:nvPr>
+            <p:ph type="title"/>
+          </p:nvPr>
+        </p:nvSpPr>
+        <p:spPr>
+          <a:xfrm>
+            <a:off x="457200" y="63579"/>
+            <a:ext cx="8153400" cy="1107996"/>
+          </a:xfrm>
+        </p:spPr>
+        <p:txBody>
+          <a:bodyPr wrap="square">
+            <a:spAutoFit/>
+          </a:bodyPr>
+          <a:lstStyle/>
+          <a:p>
+            <a:r>
+              <a:rPr lang="en-US" sz="3600" dirty="0">
+                <a:latin typeface="+mj-lt"/>
+              </a:rPr>
+              <a:t>Social Analytics Social Network Analysis </a:t>
+            </a:r>
+            <a:r>
+              <a:rPr lang="en-US" sz="2800" dirty="0">
+                <a:latin typeface="+mj-lt"/>
+              </a:rPr>
+              <a:t>(1 of 2)</a:t>
+            </a:r>
+            <a:endParaRPr lang="en-US" sz="3600" dirty="0">
+              <a:latin typeface="+mj-lt"/>
+            </a:endParaRPr>
+          </a:p>
+        </p:txBody>
+      </p:sp>
+      <p:sp>
+        <p:nvSpPr>
+          <p:cNvPr id="4" name="Content Placeholder 4"/>
+          <p:cNvSpPr>
+            <a:spLocks noGrp="1"/>
+          </p:cNvSpPr>
+          <p:nvPr>
+            <p:ph idx="1"/>
+          </p:nvPr>
+        </p:nvSpPr>
+        <p:spPr>
+          <a:xfrm>
+            <a:off x="457200" y="1447800"/>
+            <a:ext cx="8134350" cy="3647152"/>
+          </a:xfrm>
+        </p:spPr>
+        <p:txBody>
+          <a:bodyPr>
+            <a:spAutoFit/>
+          </a:bodyPr>
+          <a:lstStyle/>
+          <a:p>
+            <a:pPr>
+              <a:buSzPct val="100000"/>
+            </a:pPr>
+            <a:r>
+              <a:rPr lang="en-US" sz="2400" dirty="0">
+                <a:solidFill>
+                  <a:schemeClr val="bg2"/>
+                </a:solidFill>
+              </a:rPr>
+              <a:t>Social Network </a:t>
+            </a:r>
+            <a:r>
+              <a:rPr lang="en-US" sz="2400" dirty="0"/>
+              <a:t>- social structure composed of individuals link to each other</a:t>
+            </a:r>
+          </a:p>
+          <a:p>
+            <a:pPr>
+              <a:buSzPct val="100000"/>
+            </a:pPr>
+            <a:r>
+              <a:rPr lang="en-US" sz="2400" dirty="0"/>
+              <a:t>Analysis of social dynamics</a:t>
+            </a:r>
+          </a:p>
+          <a:p>
+            <a:pPr>
+              <a:buSzPct val="100000"/>
+            </a:pPr>
+            <a:r>
+              <a:rPr lang="en-US" sz="2400" dirty="0"/>
+              <a:t>Interdisciplinary field</a:t>
+            </a:r>
+          </a:p>
+          <a:p>
+            <a:pPr marL="714375" lvl="1" indent="-257175"/>
+            <a:r>
+              <a:rPr lang="en-US" sz="2400" dirty="0"/>
+              <a:t>Social psychology</a:t>
+            </a:r>
+          </a:p>
+          <a:p>
+            <a:pPr marL="714375" lvl="1" indent="-257175"/>
+            <a:r>
+              <a:rPr lang="en-US" sz="2400" dirty="0"/>
+              <a:t>Sociology </a:t>
+            </a:r>
+          </a:p>
+          <a:p>
+            <a:pPr marL="714375" lvl="1" indent="-257175"/>
+            <a:r>
+              <a:rPr lang="en-US" sz="2400" dirty="0"/>
+              <a:t>Statistics</a:t>
+            </a:r>
+          </a:p>
+          <a:p>
+            <a:pPr marL="714375" lvl="1" indent="-257175"/>
+            <a:r>
+              <a:rPr lang="en-US" sz="2400" dirty="0"/>
+              <a:t>Graph theory</a:t>
+            </a:r>
+          </a:p>
+        </p:txBody>
+      </p:sp>
+    </p:spTree>
+    <p:extLst>
+      <p:ext uri="{BB962C8B-B14F-4D97-AF65-F5344CB8AC3E}">
+        <p14:creationId xmlns:p14="http://schemas.microsoft.com/office/powerpoint/2010/main" val="4220505562"/>
+      </p:ext>
+    </p:extLst>
+  </p:cSld>
+  <p:clrMapOvr>
+    <a:masterClrMapping/>
+  </p:clrMapOvr>
+</p:sld>
+</file>
+
+<file path=ppt/slides/slide5.xml><?xml version="1.0" encoding="utf-8"?>
+<p:sld xmlns:a="http://schemas.openxmlformats.org/drawingml/2006/main" xmlns:r="http://schemas.openxmlformats.org/officeDocument/2006/relationships" xmlns:p="http://schemas.openxmlformats.org/presentationml/2006/main">
+  <p:cSld>
+    <p:spTree>
+      <p:nvGrpSpPr>
+        <p:cNvPr id="1" name=""/>
+        <p:cNvGrpSpPr/>
+        <p:nvPr/>
+      </p:nvGrpSpPr>
+      <p:grpSpPr>
+        <a:xfrm>
+          <a:off x="0" y="0"/>
+          <a:ext cx="0" cy="0"/>
+          <a:chOff x="0" y="0"/>
+          <a:chExt cx="0" cy="0"/>
+        </a:xfrm>
+      </p:grpSpPr>
+      <p:sp>
+        <p:nvSpPr>
+          <p:cNvPr id="2" name="Title 1"/>
+          <p:cNvSpPr>
+            <a:spLocks noGrp="1"/>
+          </p:cNvSpPr>
+          <p:nvPr>
+            <p:ph type="title"/>
+          </p:nvPr>
+        </p:nvSpPr>
+        <p:spPr>
+          <a:xfrm>
+            <a:off x="457200" y="72854"/>
+            <a:ext cx="8153400" cy="553998"/>
+          </a:xfrm>
+        </p:spPr>
+        <p:txBody>
+          <a:bodyPr wrap="square">
+            <a:spAutoFit/>
+          </a:bodyPr>
+          <a:lstStyle/>
+          <a:p>
+            <a:r>
+              <a:rPr lang="en-US" sz="3600" dirty="0">
+                <a:latin typeface="+mj-lt"/>
+              </a:rPr>
+              <a:t>Text Analytics and Text Mining </a:t>
+            </a:r>
+            <a:r>
+              <a:rPr lang="en-US" sz="2800" dirty="0">
+                <a:latin typeface="+mj-lt"/>
+              </a:rPr>
+              <a:t>(2 of 2)</a:t>
+            </a:r>
+            <a:endParaRPr lang="en-US" sz="3600" dirty="0">
+              <a:latin typeface="+mj-lt"/>
+            </a:endParaRPr>
+          </a:p>
+        </p:txBody>
+      </p:sp>
+      <p:sp>
+        <p:nvSpPr>
+          <p:cNvPr id="5" name="Content Placeholder 4"/>
+          <p:cNvSpPr>
+            <a:spLocks noGrp="1"/>
+          </p:cNvSpPr>
+          <p:nvPr>
+            <p:ph idx="13"/>
+          </p:nvPr>
+        </p:nvSpPr>
+        <p:spPr>
+          <a:xfrm>
+            <a:off x="457200" y="990600"/>
+            <a:ext cx="8153400" cy="738664"/>
+          </a:xfrm>
+        </p:spPr>
+        <p:txBody>
+          <a:bodyPr wrap="square">
+            <a:spAutoFit/>
+          </a:bodyPr>
+          <a:lstStyle/>
+          <a:p>
+            <a:pPr marL="0" indent="0">
+              <a:buNone/>
+            </a:pPr>
+            <a:r>
+              <a:rPr lang="en-US" sz="2400" b="1" dirty="0"/>
+              <a:t>Figure 7.2</a:t>
+            </a:r>
+            <a:r>
+              <a:rPr lang="en-US" sz="2400" dirty="0"/>
+              <a:t> Text Analytics, Related Application Areas, and Enabling Disciplines.</a:t>
+            </a:r>
+          </a:p>
+        </p:txBody>
+      </p:sp>
+      <p:pic>
+        <p:nvPicPr>
+          <p:cNvPr id="3074" name="Picture 2" descr="The diagram is housed in a large oval with the title Text Analytics. &#10;• At the center, a Venn diagram shows the relationship between text mining, information retrieval, natural language processing, web mining and data mining. &#10;• The central circle contains the title Text Mining and the following phrase in quotes: Knowledge Discovery in Textual Data. &#10;• A circle on the upper left of the central circle contains the title Information Retrieval. Part of the circle overlaps with the central circle. Three applications are listed in rectangles partially overlapping the circle. These applications are:&#10;• Document matching&#10;• Link analysis&#10;• Search engines&#10;• A circle on the lower left of the central circle contains the title Natural Language Processing. Part of this circle overlaps the central circle and the Information Retrieval circle. Three applications, listed in rectangles partially overlapping the Natural Language Processing circle, are:&#10;• P O S tagging&#10;• Lemmatization&#10;• Word disambiguation &#10;• A circle on the top right of the central circle contains the title Web Mining. Part of the circle overlaps the central circle. Three applications, listed in rectangles partially overlapping the circle, are:&#10;• Web content mining&#10;• Web structure mining&#10;• Web usage mining&#10;• A circle on the lower right of the central circle contains the title Data Mining. Part of this circle overlaps the central circle and the Web Mining circle. Three applications, listed in rectangles partially overlapping the Data Mining circle, are:&#10;• Classification&#10;• Clustering&#10;• Association&#10;• At the bottom of the oval, a large rectangle with an arrow pointing to the oval lists the following disciplines:&#10;• Statistics&#10;• Machine learning&#10;• Management science&#10;• Artificial intelligence&#10;• Computer science&#10;• Other disciplines&#10;"/>
+          <p:cNvPicPr>
+            <a:picLocks noChangeAspect="1" noChangeArrowheads="1"/>
+          </p:cNvPicPr>
+          <p:nvPr/>
+        </p:nvPicPr>
+        <p:blipFill rotWithShape="1">
+          <a:blip r:embed="rId3">
+            <a:extLst>
+              <a:ext uri="{28A0092B-C50C-407E-A947-70E740481C1C}">
+                <a14:useLocalDpi xmlns:a14="http://schemas.microsoft.com/office/drawing/2010/main" val="0"/>
+              </a:ext>
+            </a:extLst>
+          </a:blip>
+          <a:srcRect b="3841"/>
+          <a:stretch/>
+        </p:blipFill>
+        <p:spPr bwMode="auto">
+          <a:xfrm>
+            <a:off x="1385513" y="1946069"/>
+            <a:ext cx="6358372" cy="4334824"/>
+          </a:xfrm>
+          <a:prstGeom prst="rect">
+            <a:avLst/>
+          </a:prstGeom>
+          <a:noFill/>
+          <a:extLst>
+            <a:ext uri="{909E8E84-426E-40DD-AFC4-6F175D3DCCD1}">
+              <a14:hiddenFill xmlns:a14="http://schemas.microsoft.com/office/drawing/2010/main">
+                <a:solidFill>
+                  <a:srgbClr val="FFFFFF"/>
+                </a:solidFill>
+              </a14:hiddenFill>
+            </a:ext>
+          </a:extLst>
+        </p:spPr>
+      </p:pic>
+    </p:spTree>
+    <p:extLst>
+      <p:ext uri="{BB962C8B-B14F-4D97-AF65-F5344CB8AC3E}">
+        <p14:creationId xmlns:p14="http://schemas.microsoft.com/office/powerpoint/2010/main" val="136860345"/>
+      </p:ext>
+    </p:extLst>
+  </p:cSld>
+  <p:clrMapOvr>
+    <a:masterClrMapping/>
+  </p:clrMapOvr>
+</p:sld>
+</file>
+
+<file path=ppt/slides/slide50.xml><?xml version="1.0" encoding="utf-8"?>
+<p:sld xmlns:a="http://schemas.openxmlformats.org/drawingml/2006/main" xmlns:r="http://schemas.openxmlformats.org/officeDocument/2006/relationships" xmlns:p="http://schemas.openxmlformats.org/presentationml/2006/main">
+  <p:cSld>
+    <p:spTree>
+      <p:nvGrpSpPr>
+        <p:cNvPr id="1" name=""/>
+        <p:cNvGrpSpPr/>
+        <p:nvPr/>
+      </p:nvGrpSpPr>
+      <p:grpSpPr>
+        <a:xfrm>
+          <a:off x="0" y="0"/>
+          <a:ext cx="0" cy="0"/>
+          <a:chOff x="0" y="0"/>
+          <a:chExt cx="0" cy="0"/>
+        </a:xfrm>
+      </p:grpSpPr>
+      <p:sp>
+        <p:nvSpPr>
+          <p:cNvPr id="2" name="Title 1"/>
+          <p:cNvSpPr>
+            <a:spLocks noGrp="1"/>
+          </p:cNvSpPr>
+          <p:nvPr>
+            <p:ph type="title"/>
+          </p:nvPr>
+        </p:nvSpPr>
+        <p:spPr>
+          <a:xfrm>
+            <a:off x="457200" y="63579"/>
+            <a:ext cx="8153400" cy="1107996"/>
+          </a:xfrm>
+        </p:spPr>
+        <p:txBody>
+          <a:bodyPr wrap="square">
+            <a:spAutoFit/>
+          </a:bodyPr>
+          <a:lstStyle/>
+          <a:p>
+            <a:r>
+              <a:rPr lang="en-US" sz="3600" dirty="0">
+                <a:latin typeface="+mj-lt"/>
+              </a:rPr>
+              <a:t>Social Analytics Social Network Analysis </a:t>
+            </a:r>
+            <a:r>
+              <a:rPr lang="en-US" sz="2800" dirty="0">
+                <a:latin typeface="+mj-lt"/>
+              </a:rPr>
+              <a:t>(2 of 2)</a:t>
+            </a:r>
+            <a:endParaRPr lang="en-US" sz="3600" dirty="0">
+              <a:latin typeface="+mj-lt"/>
+            </a:endParaRPr>
+          </a:p>
+        </p:txBody>
+      </p:sp>
+      <p:sp>
+        <p:nvSpPr>
+          <p:cNvPr id="4" name="Content Placeholder 4"/>
+          <p:cNvSpPr>
+            <a:spLocks noGrp="1"/>
+          </p:cNvSpPr>
+          <p:nvPr>
+            <p:ph idx="1"/>
+          </p:nvPr>
+        </p:nvSpPr>
+        <p:spPr>
+          <a:xfrm>
+            <a:off x="457200" y="1447800"/>
+            <a:ext cx="8134350" cy="3454792"/>
+          </a:xfrm>
+        </p:spPr>
+        <p:txBody>
+          <a:bodyPr>
+            <a:spAutoFit/>
+          </a:bodyPr>
+          <a:lstStyle/>
+          <a:p>
+            <a:pPr>
+              <a:buSzPct val="100000"/>
+            </a:pPr>
+            <a:r>
+              <a:rPr lang="en-US" sz="2400" dirty="0">
+                <a:solidFill>
+                  <a:schemeClr val="bg2"/>
+                </a:solidFill>
+              </a:rPr>
+              <a:t>Social Networks </a:t>
+            </a:r>
+            <a:r>
+              <a:rPr lang="en-US" sz="2400" dirty="0"/>
+              <a:t>help study relationships between individuals, groups, organizations, societies</a:t>
+            </a:r>
+          </a:p>
+          <a:p>
+            <a:pPr marL="733425" lvl="1"/>
+            <a:r>
+              <a:rPr lang="en-US" sz="2400" dirty="0"/>
+              <a:t>Self organizing</a:t>
+            </a:r>
+          </a:p>
+          <a:p>
+            <a:pPr marL="733425" lvl="1"/>
+            <a:r>
+              <a:rPr lang="en-US" sz="2400" dirty="0"/>
+              <a:t>Emergent</a:t>
+            </a:r>
+          </a:p>
+          <a:p>
+            <a:pPr marL="733425" lvl="1"/>
+            <a:r>
+              <a:rPr lang="en-US" sz="2400" dirty="0"/>
+              <a:t>Complex</a:t>
+            </a:r>
+          </a:p>
+          <a:p>
+            <a:pPr>
+              <a:buSzPct val="100000"/>
+            </a:pPr>
+            <a:r>
+              <a:rPr lang="en-US" sz="2400" dirty="0"/>
+              <a:t>Typical social network types</a:t>
+            </a:r>
+          </a:p>
+          <a:p>
+            <a:pPr marL="733425" lvl="1" indent="-276225"/>
+            <a:r>
+              <a:rPr lang="en-US" sz="2400" dirty="0"/>
+              <a:t>Communication networks, community networks, criminal networks, innovation networks, … </a:t>
+            </a:r>
+          </a:p>
+        </p:txBody>
+      </p:sp>
+    </p:spTree>
+    <p:extLst>
+      <p:ext uri="{BB962C8B-B14F-4D97-AF65-F5344CB8AC3E}">
+        <p14:creationId xmlns:p14="http://schemas.microsoft.com/office/powerpoint/2010/main" val="2250451059"/>
+      </p:ext>
+    </p:extLst>
+  </p:cSld>
+  <p:clrMapOvr>
+    <a:masterClrMapping/>
+  </p:clrMapOvr>
+</p:sld>
+</file>
+
+<file path=ppt/slides/slide51.xml><?xml version="1.0" encoding="utf-8"?>
+<p:sld xmlns:a="http://schemas.openxmlformats.org/drawingml/2006/main" xmlns:r="http://schemas.openxmlformats.org/officeDocument/2006/relationships" xmlns:p="http://schemas.openxmlformats.org/presentationml/2006/main">
+  <p:cSld>
+    <p:spTree>
+      <p:nvGrpSpPr>
+        <p:cNvPr id="1" name=""/>
+        <p:cNvGrpSpPr/>
+        <p:nvPr/>
+      </p:nvGrpSpPr>
+      <p:grpSpPr>
+        <a:xfrm>
+          <a:off x="0" y="0"/>
+          <a:ext cx="0" cy="0"/>
+          <a:chOff x="0" y="0"/>
+          <a:chExt cx="0" cy="0"/>
+        </a:xfrm>
+      </p:grpSpPr>
+      <p:sp>
+        <p:nvSpPr>
+          <p:cNvPr id="2" name="Title 1"/>
+          <p:cNvSpPr>
+            <a:spLocks noGrp="1"/>
+          </p:cNvSpPr>
+          <p:nvPr>
+            <p:ph type="title"/>
+          </p:nvPr>
+        </p:nvSpPr>
+        <p:spPr>
+          <a:xfrm>
+            <a:off x="457200" y="63579"/>
+            <a:ext cx="8153400" cy="1107996"/>
+          </a:xfrm>
+        </p:spPr>
+        <p:txBody>
+          <a:bodyPr wrap="square">
+            <a:spAutoFit/>
+          </a:bodyPr>
+          <a:lstStyle/>
+          <a:p>
+            <a:r>
+              <a:rPr lang="en-US" sz="3600" dirty="0">
+                <a:latin typeface="+mj-lt"/>
+              </a:rPr>
+              <a:t>Social Analytics Social Network Analysis Metrics</a:t>
+            </a:r>
+          </a:p>
+        </p:txBody>
+      </p:sp>
+      <p:sp>
+        <p:nvSpPr>
+          <p:cNvPr id="6" name="Content Placeholder 4"/>
+          <p:cNvSpPr>
+            <a:spLocks noGrp="1"/>
+          </p:cNvSpPr>
+          <p:nvPr>
+            <p:ph idx="1"/>
+          </p:nvPr>
+        </p:nvSpPr>
+        <p:spPr>
+          <a:xfrm>
+            <a:off x="466725" y="1447800"/>
+            <a:ext cx="3790950" cy="4870564"/>
+          </a:xfrm>
+        </p:spPr>
+        <p:txBody>
+          <a:bodyPr>
+            <a:spAutoFit/>
+          </a:bodyPr>
+          <a:lstStyle/>
+          <a:p>
+            <a:pPr marL="257175" indent="-257175"/>
+            <a:r>
+              <a:rPr lang="en-US" sz="2400" dirty="0">
+                <a:solidFill>
+                  <a:schemeClr val="bg2"/>
+                </a:solidFill>
+              </a:rPr>
+              <a:t>Connections</a:t>
+            </a:r>
+          </a:p>
+          <a:p>
+            <a:pPr marL="714375" lvl="1" indent="-266700"/>
+            <a:r>
+              <a:rPr lang="en-US" sz="2400" dirty="0" err="1"/>
+              <a:t>Homophily</a:t>
+            </a:r>
+            <a:endParaRPr lang="en-US" sz="2400" dirty="0"/>
+          </a:p>
+          <a:p>
+            <a:pPr marL="714375" lvl="1" indent="-266700"/>
+            <a:r>
+              <a:rPr lang="en-US" sz="2400" dirty="0" err="1"/>
+              <a:t>Multiplexity</a:t>
+            </a:r>
+            <a:endParaRPr lang="en-US" sz="2400" dirty="0"/>
+          </a:p>
+          <a:p>
+            <a:pPr marL="714375" lvl="1" indent="-266700"/>
+            <a:r>
+              <a:rPr lang="en-US" sz="2400" dirty="0"/>
+              <a:t>Mutuality/reciprocity</a:t>
+            </a:r>
+          </a:p>
+          <a:p>
+            <a:pPr marL="714375" lvl="1" indent="-266700"/>
+            <a:r>
+              <a:rPr lang="en-US" sz="2400" dirty="0"/>
+              <a:t>Network closure</a:t>
+            </a:r>
+          </a:p>
+          <a:p>
+            <a:pPr marL="714375" lvl="1" indent="-266700"/>
+            <a:r>
+              <a:rPr lang="en-US" sz="2400" dirty="0"/>
+              <a:t>Propinquity</a:t>
+            </a:r>
+          </a:p>
+          <a:p>
+            <a:pPr marL="257175" indent="-257175"/>
+            <a:r>
+              <a:rPr lang="en-US" sz="2400" dirty="0">
+                <a:solidFill>
+                  <a:schemeClr val="bg2"/>
+                </a:solidFill>
+              </a:rPr>
+              <a:t>Segmentation</a:t>
+            </a:r>
+          </a:p>
+          <a:p>
+            <a:pPr marL="714375" lvl="1" indent="-266700"/>
+            <a:r>
+              <a:rPr lang="en-US" sz="2400" dirty="0"/>
+              <a:t>Cliques and social circles</a:t>
+            </a:r>
+          </a:p>
+          <a:p>
+            <a:pPr marL="714375" lvl="1" indent="-266700"/>
+            <a:r>
+              <a:rPr lang="en-US" sz="2400" dirty="0"/>
+              <a:t>Clustering coefficient</a:t>
+            </a:r>
+          </a:p>
+          <a:p>
+            <a:pPr marL="714375" lvl="1" indent="-266700"/>
+            <a:r>
+              <a:rPr lang="en-US" sz="2400" dirty="0"/>
+              <a:t>Cohesion</a:t>
+            </a:r>
+          </a:p>
+        </p:txBody>
+      </p:sp>
+      <p:sp>
+        <p:nvSpPr>
+          <p:cNvPr id="7" name="Content Placeholder 4"/>
+          <p:cNvSpPr>
+            <a:spLocks noGrp="1"/>
+          </p:cNvSpPr>
+          <p:nvPr>
+            <p:ph idx="1"/>
+          </p:nvPr>
+        </p:nvSpPr>
+        <p:spPr>
+          <a:xfrm>
+            <a:off x="4572000" y="1447800"/>
+            <a:ext cx="4038600" cy="2600712"/>
+          </a:xfrm>
+        </p:spPr>
+        <p:txBody>
+          <a:bodyPr>
+            <a:spAutoFit/>
+          </a:bodyPr>
+          <a:lstStyle/>
+          <a:p>
+            <a:r>
+              <a:rPr lang="en-US" sz="2400" kern="0" dirty="0">
+                <a:solidFill>
+                  <a:schemeClr val="bg2"/>
+                </a:solidFill>
+              </a:rPr>
+              <a:t>Distribution</a:t>
+            </a:r>
+            <a:endParaRPr lang="en-US" sz="2400" dirty="0">
+              <a:solidFill>
+                <a:schemeClr val="bg2"/>
+              </a:solidFill>
+            </a:endParaRPr>
+          </a:p>
+          <a:p>
+            <a:pPr lvl="1"/>
+            <a:r>
+              <a:rPr lang="en-US" sz="2400" dirty="0"/>
+              <a:t>Bridge</a:t>
+            </a:r>
+          </a:p>
+          <a:p>
+            <a:pPr lvl="1"/>
+            <a:r>
+              <a:rPr lang="en-US" sz="2400" dirty="0"/>
+              <a:t>Centrality</a:t>
+            </a:r>
+          </a:p>
+          <a:p>
+            <a:pPr lvl="1"/>
+            <a:r>
+              <a:rPr lang="en-US" sz="2400" dirty="0"/>
+              <a:t>Density</a:t>
+            </a:r>
+          </a:p>
+          <a:p>
+            <a:pPr lvl="1"/>
+            <a:r>
+              <a:rPr lang="en-US" sz="2400" dirty="0"/>
+              <a:t>Distance</a:t>
+            </a:r>
+          </a:p>
+          <a:p>
+            <a:pPr lvl="1"/>
+            <a:r>
+              <a:rPr lang="en-US" sz="2400" dirty="0"/>
+              <a:t>Structural holes</a:t>
+            </a:r>
+          </a:p>
+        </p:txBody>
+      </p:sp>
+    </p:spTree>
+    <p:extLst>
+      <p:ext uri="{BB962C8B-B14F-4D97-AF65-F5344CB8AC3E}">
+        <p14:creationId xmlns:p14="http://schemas.microsoft.com/office/powerpoint/2010/main" val="634812570"/>
+      </p:ext>
+    </p:extLst>
+  </p:cSld>
+  <p:clrMapOvr>
+    <a:masterClrMapping/>
+  </p:clrMapOvr>
+</p:sld>
+</file>
+
 <file path=ppt/slides/slide52.xml><?xml version="1.0" encoding="utf-8"?>
 <p:sld xmlns:a="http://schemas.openxmlformats.org/drawingml/2006/main" xmlns:r="http://schemas.openxmlformats.org/officeDocument/2006/relationships" xmlns:p="http://schemas.openxmlformats.org/presentationml/2006/main">
   <p:cSld>
@@ -23339,23 +22410,14 @@
               <a:rPr lang="en-US" sz="3600" dirty="0">
                 <a:latin typeface="+mj-lt"/>
               </a:rPr>
-              <a:t>Social Analytics Social Network Analysis </a:t>
-            </a:r>
-            <a:r>
-              <a:rPr lang="en-US" sz="2800" dirty="0">
-                <a:latin typeface="+mj-lt"/>
-              </a:rPr>
-              <a:t>(1 of 2)</a:t>
-            </a:r>
-            <a:endParaRPr lang="en-US" sz="3600" dirty="0">
-              <a:latin typeface="+mj-lt"/>
-            </a:endParaRPr>
-          </a:p>
-        </p:txBody>
-      </p:sp>
-      <p:sp>
-        <p:nvSpPr>
-          <p:cNvPr id="4" name="Content Placeholder 4"/>
+              <a:t>Social Media Definitions and Concepts</a:t>
+            </a:r>
+          </a:p>
+        </p:txBody>
+      </p:sp>
+      <p:sp>
+        <p:nvSpPr>
+          <p:cNvPr id="3" name="Content Placeholder 2"/>
           <p:cNvSpPr>
             <a:spLocks noGrp="1"/>
           </p:cNvSpPr>
@@ -23366,7 +22428,7 @@
         <p:spPr>
           <a:xfrm>
             <a:off x="457200" y="1447800"/>
-            <a:ext cx="8134350" cy="3647152"/>
+            <a:ext cx="8153400" cy="3685624"/>
           </a:xfrm>
         </p:spPr>
         <p:txBody>
@@ -23375,74 +22437,86 @@
           </a:bodyPr>
           <a:lstStyle/>
           <a:p>
-            <a:pPr>
-              <a:buSzPct val="100000"/>
-            </a:pPr>
+            <a:pPr marL="266700" indent="-257175"/>
+            <a:r>
+              <a:rPr lang="en-US" sz="2400" dirty="0"/>
+              <a:t>Enabling technologies of social interactions among people</a:t>
+            </a:r>
+          </a:p>
+          <a:p>
+            <a:pPr marL="266700" indent="-257175"/>
+            <a:r>
+              <a:rPr lang="en-US" sz="2400" dirty="0"/>
+              <a:t>Relies on enabling technologies of Web 2.0</a:t>
+            </a:r>
+          </a:p>
+          <a:p>
+            <a:pPr marL="266700" indent="-257175"/>
+            <a:r>
+              <a:rPr lang="en-US" sz="2400" dirty="0"/>
+              <a:t>Takes on many different forms</a:t>
+            </a:r>
+          </a:p>
+          <a:p>
+            <a:pPr marL="723900" lvl="1" indent="-276225"/>
+            <a:r>
+              <a:rPr lang="en-US" sz="2400" dirty="0"/>
+              <a:t>Internet forums, Web logs, social blogs, </a:t>
+            </a:r>
+            <a:r>
+              <a:rPr lang="en-US" sz="2400" dirty="0" err="1"/>
+              <a:t>microblogging</a:t>
+            </a:r>
+            <a:r>
+              <a:rPr lang="en-US" sz="2400" dirty="0"/>
+              <a:t>, wikis, social networks, podcasts, pictures, video, and product reviews</a:t>
+            </a:r>
+          </a:p>
+          <a:p>
+            <a:pPr marL="266700" indent="-257175"/>
+            <a:r>
+              <a:rPr lang="en-US" sz="2400" dirty="0"/>
+              <a:t>Different types of social media </a:t>
+            </a:r>
+          </a:p>
+          <a:p>
+            <a:pPr marL="723900" lvl="1" indent="-276225"/>
+            <a:r>
+              <a:rPr lang="en-US" sz="2400" dirty="0"/>
+              <a:t>Based on </a:t>
+            </a:r>
             <a:r>
               <a:rPr lang="en-US" sz="2400" dirty="0">
                 <a:solidFill>
                   <a:schemeClr val="bg2"/>
                 </a:solidFill>
               </a:rPr>
-              <a:t>Social Network </a:t>
-            </a:r>
-            <a:r>
-              <a:rPr lang="en-US" sz="2400" dirty="0"/>
-              <a:t>- social structure composed of individuals link to each other</a:t>
-            </a:r>
-          </a:p>
-          <a:p>
-            <a:pPr>
-              <a:buSzPct val="100000"/>
-            </a:pPr>
-            <a:r>
-              <a:rPr lang="en-US" sz="2400" dirty="0"/>
-              <a:t>Analysis of social dynamics</a:t>
-            </a:r>
-          </a:p>
-          <a:p>
-            <a:pPr>
-              <a:buSzPct val="100000"/>
-            </a:pPr>
-            <a:r>
-              <a:rPr lang="en-US" sz="2400" dirty="0"/>
-              <a:t>Interdisciplinary field</a:t>
-            </a:r>
-          </a:p>
-          <a:p>
-            <a:pPr marL="714375" lvl="1" indent="-257175"/>
-            <a:r>
-              <a:rPr lang="en-US" sz="2400" dirty="0"/>
-              <a:t>Social psychology</a:t>
-            </a:r>
-          </a:p>
-          <a:p>
-            <a:pPr marL="714375" lvl="1" indent="-257175"/>
-            <a:r>
-              <a:rPr lang="en-US" sz="2400" dirty="0"/>
-              <a:t>Sociology </a:t>
-            </a:r>
-          </a:p>
-          <a:p>
-            <a:pPr marL="714375" lvl="1" indent="-257175"/>
-            <a:r>
-              <a:rPr lang="en-US" sz="2400" dirty="0"/>
-              <a:t>Statistics</a:t>
-            </a:r>
-          </a:p>
-          <a:p>
-            <a:pPr marL="714375" lvl="1" indent="-257175"/>
-            <a:r>
-              <a:rPr lang="en-US" sz="2400" dirty="0"/>
-              <a:t>Graph theory</a:t>
-            </a:r>
+              <a:t>media research </a:t>
+            </a:r>
+            <a:r>
+              <a:rPr lang="en-US" sz="2400" dirty="0"/>
+              <a:t>and </a:t>
+            </a:r>
+            <a:r>
+              <a:rPr lang="en-US" sz="2400" dirty="0">
+                <a:solidFill>
+                  <a:schemeClr val="bg2"/>
+                </a:solidFill>
+              </a:rPr>
+              <a:t>social process </a:t>
+            </a:r>
+            <a:endParaRPr lang="en-IN" sz="2400" dirty="0">
+              <a:solidFill>
+                <a:schemeClr val="bg2"/>
+              </a:solidFill>
+            </a:endParaRPr>
           </a:p>
         </p:txBody>
       </p:sp>
     </p:spTree>
     <p:extLst>
       <p:ext uri="{BB962C8B-B14F-4D97-AF65-F5344CB8AC3E}">
-        <p14:creationId xmlns:p14="http://schemas.microsoft.com/office/powerpoint/2010/main" val="4220505562"/>
+        <p14:creationId xmlns:p14="http://schemas.microsoft.com/office/powerpoint/2010/main" val="3542463956"/>
       </p:ext>
     </p:extLst>
   </p:cSld>
@@ -23481,549 +22555,6 @@
         </p:nvSpPr>
         <p:spPr>
           <a:xfrm>
-            <a:off x="457200" y="63579"/>
-            <a:ext cx="8153400" cy="1107996"/>
-          </a:xfrm>
-        </p:spPr>
-        <p:txBody>
-          <a:bodyPr wrap="square">
-            <a:spAutoFit/>
-          </a:bodyPr>
-          <a:lstStyle/>
-          <a:p>
-            <a:r>
-              <a:rPr lang="en-US" sz="3600" dirty="0">
-                <a:latin typeface="+mj-lt"/>
-              </a:rPr>
-              <a:t>Social Analytics Social Network Analysis </a:t>
-            </a:r>
-            <a:r>
-              <a:rPr lang="en-US" sz="2800" dirty="0">
-                <a:latin typeface="+mj-lt"/>
-              </a:rPr>
-              <a:t>(2 of 2)</a:t>
-            </a:r>
-            <a:endParaRPr lang="en-US" sz="3600" dirty="0">
-              <a:latin typeface="+mj-lt"/>
-            </a:endParaRPr>
-          </a:p>
-        </p:txBody>
-      </p:sp>
-      <p:sp>
-        <p:nvSpPr>
-          <p:cNvPr id="4" name="Content Placeholder 4"/>
-          <p:cNvSpPr>
-            <a:spLocks noGrp="1"/>
-          </p:cNvSpPr>
-          <p:nvPr>
-            <p:ph idx="1"/>
-          </p:nvPr>
-        </p:nvSpPr>
-        <p:spPr>
-          <a:xfrm>
-            <a:off x="457200" y="1447800"/>
-            <a:ext cx="8134350" cy="3454792"/>
-          </a:xfrm>
-        </p:spPr>
-        <p:txBody>
-          <a:bodyPr>
-            <a:spAutoFit/>
-          </a:bodyPr>
-          <a:lstStyle/>
-          <a:p>
-            <a:pPr>
-              <a:buSzPct val="100000"/>
-            </a:pPr>
-            <a:r>
-              <a:rPr lang="en-US" sz="2400" dirty="0">
-                <a:solidFill>
-                  <a:schemeClr val="bg2"/>
-                </a:solidFill>
-              </a:rPr>
-              <a:t>Social Networks </a:t>
-            </a:r>
-            <a:r>
-              <a:rPr lang="en-US" sz="2400" dirty="0"/>
-              <a:t>help study relationships between individuals, groups, organizations, societies</a:t>
-            </a:r>
-          </a:p>
-          <a:p>
-            <a:pPr marL="733425" lvl="1"/>
-            <a:r>
-              <a:rPr lang="en-US" sz="2400" dirty="0"/>
-              <a:t>Self organizing</a:t>
-            </a:r>
-          </a:p>
-          <a:p>
-            <a:pPr marL="733425" lvl="1"/>
-            <a:r>
-              <a:rPr lang="en-US" sz="2400" dirty="0"/>
-              <a:t>Emergent</a:t>
-            </a:r>
-          </a:p>
-          <a:p>
-            <a:pPr marL="733425" lvl="1"/>
-            <a:r>
-              <a:rPr lang="en-US" sz="2400" dirty="0"/>
-              <a:t>Complex</a:t>
-            </a:r>
-          </a:p>
-          <a:p>
-            <a:pPr>
-              <a:buSzPct val="100000"/>
-            </a:pPr>
-            <a:r>
-              <a:rPr lang="en-US" sz="2400" dirty="0"/>
-              <a:t>Typical social network types</a:t>
-            </a:r>
-          </a:p>
-          <a:p>
-            <a:pPr marL="733425" lvl="1" indent="-276225"/>
-            <a:r>
-              <a:rPr lang="en-US" sz="2400" dirty="0"/>
-              <a:t>Communication networks, community networks, criminal networks, innovation networks, … </a:t>
-            </a:r>
-          </a:p>
-        </p:txBody>
-      </p:sp>
-    </p:spTree>
-    <p:extLst>
-      <p:ext uri="{BB962C8B-B14F-4D97-AF65-F5344CB8AC3E}">
-        <p14:creationId xmlns:p14="http://schemas.microsoft.com/office/powerpoint/2010/main" val="2250451059"/>
-      </p:ext>
-    </p:extLst>
-  </p:cSld>
-  <p:clrMapOvr>
-    <a:masterClrMapping/>
-  </p:clrMapOvr>
-</p:sld>
-</file>
-
-<file path=ppt/slides/slide54.xml><?xml version="1.0" encoding="utf-8"?>
-<p:sld xmlns:a="http://schemas.openxmlformats.org/drawingml/2006/main" xmlns:r="http://schemas.openxmlformats.org/officeDocument/2006/relationships" xmlns:p="http://schemas.openxmlformats.org/presentationml/2006/main">
-  <p:cSld>
-    <p:spTree>
-      <p:nvGrpSpPr>
-        <p:cNvPr id="1" name=""/>
-        <p:cNvGrpSpPr/>
-        <p:nvPr/>
-      </p:nvGrpSpPr>
-      <p:grpSpPr>
-        <a:xfrm>
-          <a:off x="0" y="0"/>
-          <a:ext cx="0" cy="0"/>
-          <a:chOff x="0" y="0"/>
-          <a:chExt cx="0" cy="0"/>
-        </a:xfrm>
-      </p:grpSpPr>
-      <p:sp>
-        <p:nvSpPr>
-          <p:cNvPr id="2" name="Title 1"/>
-          <p:cNvSpPr>
-            <a:spLocks noGrp="1"/>
-          </p:cNvSpPr>
-          <p:nvPr>
-            <p:ph type="title"/>
-          </p:nvPr>
-        </p:nvSpPr>
-        <p:spPr>
-          <a:xfrm>
-            <a:off x="457200" y="63579"/>
-            <a:ext cx="8153400" cy="1107996"/>
-          </a:xfrm>
-        </p:spPr>
-        <p:txBody>
-          <a:bodyPr wrap="square">
-            <a:spAutoFit/>
-          </a:bodyPr>
-          <a:lstStyle/>
-          <a:p>
-            <a:r>
-              <a:rPr lang="en-US" sz="3600" dirty="0">
-                <a:latin typeface="+mj-lt"/>
-              </a:rPr>
-              <a:t>Social Analytics Social Network Analysis Metrics</a:t>
-            </a:r>
-          </a:p>
-        </p:txBody>
-      </p:sp>
-      <p:sp>
-        <p:nvSpPr>
-          <p:cNvPr id="6" name="Content Placeholder 4"/>
-          <p:cNvSpPr>
-            <a:spLocks noGrp="1"/>
-          </p:cNvSpPr>
-          <p:nvPr>
-            <p:ph idx="1"/>
-          </p:nvPr>
-        </p:nvSpPr>
-        <p:spPr>
-          <a:xfrm>
-            <a:off x="466725" y="1447800"/>
-            <a:ext cx="3790950" cy="4870564"/>
-          </a:xfrm>
-        </p:spPr>
-        <p:txBody>
-          <a:bodyPr>
-            <a:spAutoFit/>
-          </a:bodyPr>
-          <a:lstStyle/>
-          <a:p>
-            <a:pPr marL="257175" indent="-257175"/>
-            <a:r>
-              <a:rPr lang="en-US" sz="2400" dirty="0">
-                <a:solidFill>
-                  <a:schemeClr val="bg2"/>
-                </a:solidFill>
-              </a:rPr>
-              <a:t>Connections</a:t>
-            </a:r>
-          </a:p>
-          <a:p>
-            <a:pPr marL="714375" lvl="1" indent="-266700"/>
-            <a:r>
-              <a:rPr lang="en-US" sz="2400" dirty="0" err="1"/>
-              <a:t>Homophily</a:t>
-            </a:r>
-            <a:endParaRPr lang="en-US" sz="2400" dirty="0"/>
-          </a:p>
-          <a:p>
-            <a:pPr marL="714375" lvl="1" indent="-266700"/>
-            <a:r>
-              <a:rPr lang="en-US" sz="2400" dirty="0" err="1"/>
-              <a:t>Multiplexity</a:t>
-            </a:r>
-            <a:endParaRPr lang="en-US" sz="2400" dirty="0"/>
-          </a:p>
-          <a:p>
-            <a:pPr marL="714375" lvl="1" indent="-266700"/>
-            <a:r>
-              <a:rPr lang="en-US" sz="2400" dirty="0"/>
-              <a:t>Mutuality/reciprocity</a:t>
-            </a:r>
-          </a:p>
-          <a:p>
-            <a:pPr marL="714375" lvl="1" indent="-266700"/>
-            <a:r>
-              <a:rPr lang="en-US" sz="2400" dirty="0"/>
-              <a:t>Network closure</a:t>
-            </a:r>
-          </a:p>
-          <a:p>
-            <a:pPr marL="714375" lvl="1" indent="-266700"/>
-            <a:r>
-              <a:rPr lang="en-US" sz="2400" dirty="0"/>
-              <a:t>Propinquity</a:t>
-            </a:r>
-          </a:p>
-          <a:p>
-            <a:pPr marL="257175" indent="-257175"/>
-            <a:r>
-              <a:rPr lang="en-US" sz="2400" dirty="0">
-                <a:solidFill>
-                  <a:schemeClr val="bg2"/>
-                </a:solidFill>
-              </a:rPr>
-              <a:t>Segmentation</a:t>
-            </a:r>
-          </a:p>
-          <a:p>
-            <a:pPr marL="714375" lvl="1" indent="-266700"/>
-            <a:r>
-              <a:rPr lang="en-US" sz="2400" dirty="0"/>
-              <a:t>Cliques and social circles</a:t>
-            </a:r>
-          </a:p>
-          <a:p>
-            <a:pPr marL="714375" lvl="1" indent="-266700"/>
-            <a:r>
-              <a:rPr lang="en-US" sz="2400" dirty="0"/>
-              <a:t>Clustering coefficient</a:t>
-            </a:r>
-          </a:p>
-          <a:p>
-            <a:pPr marL="714375" lvl="1" indent="-266700"/>
-            <a:r>
-              <a:rPr lang="en-US" sz="2400" dirty="0"/>
-              <a:t>Cohesion</a:t>
-            </a:r>
-          </a:p>
-        </p:txBody>
-      </p:sp>
-      <p:sp>
-        <p:nvSpPr>
-          <p:cNvPr id="7" name="Content Placeholder 4"/>
-          <p:cNvSpPr>
-            <a:spLocks noGrp="1"/>
-          </p:cNvSpPr>
-          <p:nvPr>
-            <p:ph idx="1"/>
-          </p:nvPr>
-        </p:nvSpPr>
-        <p:spPr>
-          <a:xfrm>
-            <a:off x="4572000" y="1447800"/>
-            <a:ext cx="4038600" cy="2600712"/>
-          </a:xfrm>
-        </p:spPr>
-        <p:txBody>
-          <a:bodyPr>
-            <a:spAutoFit/>
-          </a:bodyPr>
-          <a:lstStyle/>
-          <a:p>
-            <a:r>
-              <a:rPr lang="en-US" sz="2400" kern="0" dirty="0">
-                <a:solidFill>
-                  <a:schemeClr val="bg2"/>
-                </a:solidFill>
-              </a:rPr>
-              <a:t>Distribution</a:t>
-            </a:r>
-            <a:endParaRPr lang="en-US" sz="2400" dirty="0">
-              <a:solidFill>
-                <a:schemeClr val="bg2"/>
-              </a:solidFill>
-            </a:endParaRPr>
-          </a:p>
-          <a:p>
-            <a:pPr lvl="1"/>
-            <a:r>
-              <a:rPr lang="en-US" sz="2400" dirty="0"/>
-              <a:t>Bridge</a:t>
-            </a:r>
-          </a:p>
-          <a:p>
-            <a:pPr lvl="1"/>
-            <a:r>
-              <a:rPr lang="en-US" sz="2400" dirty="0"/>
-              <a:t>Centrality</a:t>
-            </a:r>
-          </a:p>
-          <a:p>
-            <a:pPr lvl="1"/>
-            <a:r>
-              <a:rPr lang="en-US" sz="2400" dirty="0"/>
-              <a:t>Density</a:t>
-            </a:r>
-          </a:p>
-          <a:p>
-            <a:pPr lvl="1"/>
-            <a:r>
-              <a:rPr lang="en-US" sz="2400" dirty="0"/>
-              <a:t>Distance</a:t>
-            </a:r>
-          </a:p>
-          <a:p>
-            <a:pPr lvl="1"/>
-            <a:r>
-              <a:rPr lang="en-US" sz="2400" dirty="0"/>
-              <a:t>Structural holes</a:t>
-            </a:r>
-          </a:p>
-        </p:txBody>
-      </p:sp>
-    </p:spTree>
-    <p:extLst>
-      <p:ext uri="{BB962C8B-B14F-4D97-AF65-F5344CB8AC3E}">
-        <p14:creationId xmlns:p14="http://schemas.microsoft.com/office/powerpoint/2010/main" val="634812570"/>
-      </p:ext>
-    </p:extLst>
-  </p:cSld>
-  <p:clrMapOvr>
-    <a:masterClrMapping/>
-  </p:clrMapOvr>
-</p:sld>
-</file>
-
-<file path=ppt/slides/slide55.xml><?xml version="1.0" encoding="utf-8"?>
-<p:sld xmlns:a="http://schemas.openxmlformats.org/drawingml/2006/main" xmlns:r="http://schemas.openxmlformats.org/officeDocument/2006/relationships" xmlns:p="http://schemas.openxmlformats.org/presentationml/2006/main">
-  <p:cSld>
-    <p:spTree>
-      <p:nvGrpSpPr>
-        <p:cNvPr id="1" name=""/>
-        <p:cNvGrpSpPr/>
-        <p:nvPr/>
-      </p:nvGrpSpPr>
-      <p:grpSpPr>
-        <a:xfrm>
-          <a:off x="0" y="0"/>
-          <a:ext cx="0" cy="0"/>
-          <a:chOff x="0" y="0"/>
-          <a:chExt cx="0" cy="0"/>
-        </a:xfrm>
-      </p:grpSpPr>
-      <p:sp>
-        <p:nvSpPr>
-          <p:cNvPr id="2" name="Title 1"/>
-          <p:cNvSpPr>
-            <a:spLocks noGrp="1"/>
-          </p:cNvSpPr>
-          <p:nvPr>
-            <p:ph type="title"/>
-          </p:nvPr>
-        </p:nvSpPr>
-        <p:spPr>
-          <a:xfrm>
-            <a:off x="457200" y="63579"/>
-            <a:ext cx="8153400" cy="1107996"/>
-          </a:xfrm>
-        </p:spPr>
-        <p:txBody>
-          <a:bodyPr wrap="square">
-            <a:spAutoFit/>
-          </a:bodyPr>
-          <a:lstStyle/>
-          <a:p>
-            <a:r>
-              <a:rPr lang="en-US" sz="3600" dirty="0">
-                <a:latin typeface="+mj-lt"/>
-              </a:rPr>
-              <a:t>Social Media Definitions and Concepts</a:t>
-            </a:r>
-          </a:p>
-        </p:txBody>
-      </p:sp>
-      <p:sp>
-        <p:nvSpPr>
-          <p:cNvPr id="3" name="Content Placeholder 2"/>
-          <p:cNvSpPr>
-            <a:spLocks noGrp="1"/>
-          </p:cNvSpPr>
-          <p:nvPr>
-            <p:ph idx="1"/>
-          </p:nvPr>
-        </p:nvSpPr>
-        <p:spPr>
-          <a:xfrm>
-            <a:off x="457200" y="1447800"/>
-            <a:ext cx="8153400" cy="3685624"/>
-          </a:xfrm>
-        </p:spPr>
-        <p:txBody>
-          <a:bodyPr>
-            <a:spAutoFit/>
-          </a:bodyPr>
-          <a:lstStyle/>
-          <a:p>
-            <a:pPr marL="266700" indent="-257175"/>
-            <a:r>
-              <a:rPr lang="en-US" sz="2400" dirty="0"/>
-              <a:t>Enabling technologies of social interactions among people</a:t>
-            </a:r>
-          </a:p>
-          <a:p>
-            <a:pPr marL="266700" indent="-257175"/>
-            <a:r>
-              <a:rPr lang="en-US" sz="2400" dirty="0"/>
-              <a:t>Relies on enabling technologies of Web 2.0</a:t>
-            </a:r>
-          </a:p>
-          <a:p>
-            <a:pPr marL="266700" indent="-257175"/>
-            <a:r>
-              <a:rPr lang="en-US" sz="2400" dirty="0"/>
-              <a:t>Takes on many different forms</a:t>
-            </a:r>
-          </a:p>
-          <a:p>
-            <a:pPr marL="723900" lvl="1" indent="-276225"/>
-            <a:r>
-              <a:rPr lang="en-US" sz="2400" dirty="0"/>
-              <a:t>Internet forums, Web logs, social blogs, </a:t>
-            </a:r>
-            <a:r>
-              <a:rPr lang="en-US" sz="2400" dirty="0" err="1"/>
-              <a:t>microblogging</a:t>
-            </a:r>
-            <a:r>
-              <a:rPr lang="en-US" sz="2400" dirty="0"/>
-              <a:t>, wikis, social networks, podcasts, pictures, video, and product reviews</a:t>
-            </a:r>
-          </a:p>
-          <a:p>
-            <a:pPr marL="266700" indent="-257175"/>
-            <a:r>
-              <a:rPr lang="en-US" sz="2400" dirty="0"/>
-              <a:t>Different types of social media </a:t>
-            </a:r>
-          </a:p>
-          <a:p>
-            <a:pPr marL="723900" lvl="1" indent="-276225"/>
-            <a:r>
-              <a:rPr lang="en-US" sz="2400" dirty="0"/>
-              <a:t>Based on </a:t>
-            </a:r>
-            <a:r>
-              <a:rPr lang="en-US" sz="2400" dirty="0">
-                <a:solidFill>
-                  <a:schemeClr val="bg2"/>
-                </a:solidFill>
-              </a:rPr>
-              <a:t>media research </a:t>
-            </a:r>
-            <a:r>
-              <a:rPr lang="en-US" sz="2400" dirty="0"/>
-              <a:t>and </a:t>
-            </a:r>
-            <a:r>
-              <a:rPr lang="en-US" sz="2400" dirty="0">
-                <a:solidFill>
-                  <a:schemeClr val="bg2"/>
-                </a:solidFill>
-              </a:rPr>
-              <a:t>social process </a:t>
-            </a:r>
-            <a:endParaRPr lang="en-IN" sz="2400" dirty="0">
-              <a:solidFill>
-                <a:schemeClr val="bg2"/>
-              </a:solidFill>
-            </a:endParaRPr>
-          </a:p>
-        </p:txBody>
-      </p:sp>
-    </p:spTree>
-    <p:extLst>
-      <p:ext uri="{BB962C8B-B14F-4D97-AF65-F5344CB8AC3E}">
-        <p14:creationId xmlns:p14="http://schemas.microsoft.com/office/powerpoint/2010/main" val="3542463956"/>
-      </p:ext>
-    </p:extLst>
-  </p:cSld>
-  <p:clrMapOvr>
-    <a:masterClrMapping/>
-  </p:clrMapOvr>
-</p:sld>
-</file>
-
-<file path=ppt/slides/slide56.xml><?xml version="1.0" encoding="utf-8"?>
-<p:sld xmlns:a="http://schemas.openxmlformats.org/drawingml/2006/main" xmlns:r="http://schemas.openxmlformats.org/officeDocument/2006/relationships" xmlns:p="http://schemas.openxmlformats.org/presentationml/2006/main">
-  <p:cSld>
-    <p:spTree>
-      <p:nvGrpSpPr>
-        <p:cNvPr id="1" name=""/>
-        <p:cNvGrpSpPr/>
-        <p:nvPr/>
-      </p:nvGrpSpPr>
-      <p:grpSpPr>
-        <a:xfrm>
-          <a:off x="0" y="0"/>
-          <a:ext cx="0" cy="0"/>
-          <a:chOff x="0" y="0"/>
-          <a:chExt cx="0" cy="0"/>
-        </a:xfrm>
-      </p:grpSpPr>
-      <p:sp>
-        <p:nvSpPr>
-          <p:cNvPr id="2" name="Title 1"/>
-          <p:cNvSpPr>
-            <a:spLocks noGrp="1"/>
-          </p:cNvSpPr>
-          <p:nvPr>
-            <p:ph type="title"/>
-          </p:nvPr>
-        </p:nvSpPr>
-        <p:spPr>
-          <a:xfrm>
             <a:off x="457200" y="74652"/>
             <a:ext cx="8153400" cy="553998"/>
           </a:xfrm>
@@ -24145,7 +22676,7 @@
 </p:sld>
 </file>
 
-<file path=ppt/slides/slide57.xml><?xml version="1.0" encoding="utf-8"?>
+<file path=ppt/slides/slide54.xml><?xml version="1.0" encoding="utf-8"?>
 <p:sld xmlns:a="http://schemas.openxmlformats.org/drawingml/2006/main" xmlns:r="http://schemas.openxmlformats.org/officeDocument/2006/relationships" xmlns:p="http://schemas.openxmlformats.org/presentationml/2006/main">
   <p:cSld>
     <p:spTree>
@@ -24274,7 +22805,7 @@
 </p:sld>
 </file>
 
-<file path=ppt/slides/slide58.xml><?xml version="1.0" encoding="utf-8"?>
+<file path=ppt/slides/slide55.xml><?xml version="1.0" encoding="utf-8"?>
 <p:sld xmlns:a="http://schemas.openxmlformats.org/drawingml/2006/main" xmlns:r="http://schemas.openxmlformats.org/officeDocument/2006/relationships" xmlns:p="http://schemas.openxmlformats.org/presentationml/2006/main">
   <p:cSld>
     <p:spTree>
@@ -24393,7 +22924,7 @@
 </p:sld>
 </file>
 
-<file path=ppt/slides/slide59.xml><?xml version="1.0" encoding="utf-8"?>
+<file path=ppt/slides/slide56.xml><?xml version="1.0" encoding="utf-8"?>
 <p:sld xmlns:a="http://schemas.openxmlformats.org/drawingml/2006/main" xmlns:r="http://schemas.openxmlformats.org/officeDocument/2006/relationships" xmlns:p="http://schemas.openxmlformats.org/presentationml/2006/main">
   <p:cSld>
     <p:spTree>
@@ -24533,7 +23064,7 @@
 </p:sld>
 </file>
 
-<file path=ppt/slides/slide6.xml><?xml version="1.0" encoding="utf-8"?>
+<file path=ppt/slides/slide57.xml><?xml version="1.0" encoding="utf-8"?>
 <p:sld xmlns:a="http://schemas.openxmlformats.org/drawingml/2006/main" xmlns:r="http://schemas.openxmlformats.org/officeDocument/2006/relationships" xmlns:p="http://schemas.openxmlformats.org/presentationml/2006/main">
   <p:cSld>
     <p:spTree>
@@ -24562,219 +23093,6 @@
         </p:nvSpPr>
         <p:spPr>
           <a:xfrm>
-            <a:off x="457200" y="72854"/>
-            <a:ext cx="8153400" cy="553998"/>
-          </a:xfrm>
-        </p:spPr>
-        <p:txBody>
-          <a:bodyPr wrap="square">
-            <a:spAutoFit/>
-          </a:bodyPr>
-          <a:lstStyle/>
-          <a:p>
-            <a:r>
-              <a:rPr lang="en-US" sz="3600" dirty="0">
-                <a:latin typeface="+mj-lt"/>
-              </a:rPr>
-              <a:t>Opening Vignette</a:t>
-            </a:r>
-            <a:r>
-              <a:rPr lang="en-US" sz="3600" dirty="0"/>
-              <a:t> </a:t>
-            </a:r>
-            <a:r>
-              <a:rPr lang="en-US" sz="2800" dirty="0">
-                <a:latin typeface="+mj-lt"/>
-              </a:rPr>
-              <a:t>(3 of 3)</a:t>
-            </a:r>
-          </a:p>
-        </p:txBody>
-      </p:sp>
-      <p:sp>
-        <p:nvSpPr>
-          <p:cNvPr id="3" name="Content Placeholder 2"/>
-          <p:cNvSpPr>
-            <a:spLocks noGrp="1"/>
-          </p:cNvSpPr>
-          <p:nvPr>
-            <p:ph idx="1"/>
-          </p:nvPr>
-        </p:nvSpPr>
-        <p:spPr>
-          <a:xfrm>
-            <a:off x="457200" y="723900"/>
-            <a:ext cx="8153400" cy="861774"/>
-          </a:xfrm>
-        </p:spPr>
-        <p:txBody>
-          <a:bodyPr wrap="square">
-            <a:spAutoFit/>
-          </a:bodyPr>
-          <a:lstStyle/>
-          <a:p>
-            <a:pPr marL="0" lvl="0" indent="0">
-              <a:spcBef>
-                <a:spcPts val="0"/>
-              </a:spcBef>
-              <a:buClr>
-                <a:schemeClr val="lt1"/>
-              </a:buClr>
-              <a:buSzPct val="25000"/>
-              <a:buNone/>
-              <a:tabLst>
-                <a:tab pos="628650" algn="l"/>
-              </a:tabLst>
-            </a:pPr>
-            <a:r>
-              <a:rPr lang="en-US" sz="2800" b="1" dirty="0" err="1">
-                <a:solidFill>
-                  <a:srgbClr val="007FA3"/>
-                </a:solidFill>
-              </a:rPr>
-              <a:t>Amadori</a:t>
-            </a:r>
-            <a:r>
-              <a:rPr lang="en-US" sz="2800" b="1" dirty="0">
-                <a:solidFill>
-                  <a:srgbClr val="007FA3"/>
-                </a:solidFill>
-              </a:rPr>
-              <a:t> Group Converts Consumer Sentiments into Near-Real-Time Sales</a:t>
-            </a:r>
-            <a:endParaRPr lang="en-US" sz="2800" b="1" dirty="0">
-              <a:solidFill>
-                <a:srgbClr val="007FA3"/>
-              </a:solidFill>
-              <a:latin typeface="+mj-lt"/>
-              <a:ea typeface="+mj-ea"/>
-              <a:cs typeface="Times New Roman" panose="02020603050405020304" pitchFamily="18" charset="0"/>
-            </a:endParaRPr>
-          </a:p>
-        </p:txBody>
-      </p:sp>
-      <p:sp>
-        <p:nvSpPr>
-          <p:cNvPr id="5" name="Content Placeholder 4"/>
-          <p:cNvSpPr>
-            <a:spLocks noGrp="1"/>
-          </p:cNvSpPr>
-          <p:nvPr>
-            <p:ph idx="13"/>
-          </p:nvPr>
-        </p:nvSpPr>
-        <p:spPr>
-          <a:xfrm>
-            <a:off x="457200" y="1831896"/>
-            <a:ext cx="8153400" cy="3816429"/>
-          </a:xfrm>
-        </p:spPr>
-        <p:txBody>
-          <a:bodyPr wrap="square">
-            <a:spAutoFit/>
-          </a:bodyPr>
-          <a:lstStyle/>
-          <a:p>
-            <a:pPr marL="0" indent="0">
-              <a:buNone/>
-            </a:pPr>
-            <a:r>
-              <a:rPr lang="en-US" sz="2200" b="1" dirty="0"/>
-              <a:t>Discussion Questions for the Opening Vignette:</a:t>
-            </a:r>
-          </a:p>
-          <a:p>
-            <a:pPr marL="514350" indent="-514350">
-              <a:buFont typeface="+mj-lt"/>
-              <a:buAutoNum type="arabicPeriod"/>
-            </a:pPr>
-            <a:r>
-              <a:rPr lang="en-US" sz="2200" dirty="0"/>
-              <a:t>According to the vignette and based on your opinion, what are the challenges that the food industry is facing today?</a:t>
-            </a:r>
-          </a:p>
-          <a:p>
-            <a:pPr marL="514350" indent="-514350">
-              <a:buFont typeface="+mj-lt"/>
-              <a:buAutoNum type="arabicPeriod"/>
-            </a:pPr>
-            <a:r>
-              <a:rPr lang="en-US" sz="2200" dirty="0"/>
-              <a:t>How can analytics help businesses in the food industry to survive and thrive in this competitive marketplace?</a:t>
-            </a:r>
-          </a:p>
-          <a:p>
-            <a:pPr marL="514350" indent="-514350">
-              <a:buFont typeface="+mj-lt"/>
-              <a:buAutoNum type="arabicPeriod"/>
-            </a:pPr>
-            <a:r>
-              <a:rPr lang="en-US" sz="2200" dirty="0"/>
-              <a:t>What were and still are the main objectives for </a:t>
-            </a:r>
-            <a:r>
-              <a:rPr lang="en-US" sz="2200" dirty="0" err="1"/>
-              <a:t>Amadori</a:t>
-            </a:r>
-            <a:r>
-              <a:rPr lang="en-US" sz="2200" dirty="0"/>
-              <a:t> to embark into analytics? What were the results?</a:t>
-            </a:r>
-          </a:p>
-          <a:p>
-            <a:pPr marL="514350" indent="-514350">
-              <a:buFont typeface="+mj-lt"/>
-              <a:buAutoNum type="arabicPeriod"/>
-            </a:pPr>
-            <a:r>
-              <a:rPr lang="en-US" sz="2200" dirty="0"/>
-              <a:t>Can you think of other businesses in the food industry that utilize analytics to become more competitive?</a:t>
-            </a:r>
-          </a:p>
-        </p:txBody>
-      </p:sp>
-    </p:spTree>
-    <p:extLst>
-      <p:ext uri="{BB962C8B-B14F-4D97-AF65-F5344CB8AC3E}">
-        <p14:creationId xmlns:p14="http://schemas.microsoft.com/office/powerpoint/2010/main" val="3621960744"/>
-      </p:ext>
-    </p:extLst>
-  </p:cSld>
-  <p:clrMapOvr>
-    <a:masterClrMapping/>
-  </p:clrMapOvr>
-</p:sld>
-</file>
-
-<file path=ppt/slides/slide60.xml><?xml version="1.0" encoding="utf-8"?>
-<p:sld xmlns:a="http://schemas.openxmlformats.org/drawingml/2006/main" xmlns:r="http://schemas.openxmlformats.org/officeDocument/2006/relationships" xmlns:p="http://schemas.openxmlformats.org/presentationml/2006/main">
-  <p:cSld>
-    <p:spTree>
-      <p:nvGrpSpPr>
-        <p:cNvPr id="1" name=""/>
-        <p:cNvGrpSpPr/>
-        <p:nvPr/>
-      </p:nvGrpSpPr>
-      <p:grpSpPr>
-        <a:xfrm>
-          <a:off x="0" y="0"/>
-          <a:ext cx="0" cy="0"/>
-          <a:chOff x="0" y="0"/>
-          <a:chExt cx="0" cy="0"/>
-        </a:xfrm>
-      </p:grpSpPr>
-      <p:sp>
-        <p:nvSpPr>
-          <p:cNvPr id="2" name="Title 1"/>
-          <p:cNvSpPr>
-            <a:spLocks noGrp="1"/>
-          </p:cNvSpPr>
-          <p:nvPr>
-            <p:ph type="title"/>
-          </p:nvPr>
-        </p:nvSpPr>
-        <p:spPr>
-          <a:xfrm>
             <a:off x="457200" y="74652"/>
             <a:ext cx="8153400" cy="553998"/>
           </a:xfrm>
@@ -24837,7 +23155,7 @@
 </p:sld>
 </file>
 
-<file path=ppt/slides/slide61.xml><?xml version="1.0" encoding="utf-8"?>
+<file path=ppt/slides/slide58.xml><?xml version="1.0" encoding="utf-8"?>
 <p:sld xmlns:a="http://schemas.openxmlformats.org/drawingml/2006/main" xmlns:r="http://schemas.openxmlformats.org/officeDocument/2006/relationships" xmlns:p="http://schemas.openxmlformats.org/presentationml/2006/main">
   <p:cSld>
     <p:spTree>
@@ -25154,6 +23472,137 @@
 </p:sld>
 </file>
 
+<file path=ppt/slides/slide6.xml><?xml version="1.0" encoding="utf-8"?>
+<p:sld xmlns:a="http://schemas.openxmlformats.org/drawingml/2006/main" xmlns:r="http://schemas.openxmlformats.org/officeDocument/2006/relationships" xmlns:p="http://schemas.openxmlformats.org/presentationml/2006/main">
+  <p:cSld>
+    <p:spTree>
+      <p:nvGrpSpPr>
+        <p:cNvPr id="1" name=""/>
+        <p:cNvGrpSpPr/>
+        <p:nvPr/>
+      </p:nvGrpSpPr>
+      <p:grpSpPr>
+        <a:xfrm>
+          <a:off x="0" y="0"/>
+          <a:ext cx="0" cy="0"/>
+          <a:chOff x="0" y="0"/>
+          <a:chExt cx="0" cy="0"/>
+        </a:xfrm>
+      </p:grpSpPr>
+      <p:sp>
+        <p:nvSpPr>
+          <p:cNvPr id="2" name="Title 1"/>
+          <p:cNvSpPr>
+            <a:spLocks noGrp="1"/>
+          </p:cNvSpPr>
+          <p:nvPr>
+            <p:ph type="title"/>
+          </p:nvPr>
+        </p:nvSpPr>
+        <p:spPr>
+          <a:xfrm>
+            <a:off x="457200" y="82379"/>
+            <a:ext cx="8153400" cy="553998"/>
+          </a:xfrm>
+        </p:spPr>
+        <p:txBody>
+          <a:bodyPr wrap="square">
+            <a:spAutoFit/>
+          </a:bodyPr>
+          <a:lstStyle/>
+          <a:p>
+            <a:r>
+              <a:rPr lang="en-US" sz="3600" dirty="0">
+                <a:latin typeface="+mj-lt"/>
+              </a:rPr>
+              <a:t>Text Mining Concepts </a:t>
+            </a:r>
+            <a:r>
+              <a:rPr lang="en-US" sz="2800" dirty="0">
+                <a:latin typeface="+mj-lt"/>
+              </a:rPr>
+              <a:t>(1 of 2)</a:t>
+            </a:r>
+            <a:endParaRPr lang="en-US" sz="3600" dirty="0">
+              <a:latin typeface="+mj-lt"/>
+            </a:endParaRPr>
+          </a:p>
+        </p:txBody>
+      </p:sp>
+      <p:sp>
+        <p:nvSpPr>
+          <p:cNvPr id="5" name="Content Placeholder 4"/>
+          <p:cNvSpPr>
+            <a:spLocks noGrp="1"/>
+          </p:cNvSpPr>
+          <p:nvPr>
+            <p:ph idx="13"/>
+          </p:nvPr>
+        </p:nvSpPr>
+        <p:spPr>
+          <a:xfrm>
+            <a:off x="457200" y="990600"/>
+            <a:ext cx="8153400" cy="4793620"/>
+          </a:xfrm>
+        </p:spPr>
+        <p:txBody>
+          <a:bodyPr wrap="square">
+            <a:spAutoFit/>
+          </a:bodyPr>
+          <a:lstStyle/>
+          <a:p>
+            <a:r>
+              <a:rPr lang="en-US" sz="2400" dirty="0"/>
+              <a:t>85-90 percent of all corporate data is in some kind of unstructured form (e.g., text) </a:t>
+            </a:r>
+          </a:p>
+          <a:p>
+            <a:r>
+              <a:rPr lang="en-US" sz="2400" dirty="0"/>
+              <a:t>Unstructured corporate data is doubling in size every 18 months</a:t>
+            </a:r>
+          </a:p>
+          <a:p>
+            <a:r>
+              <a:rPr lang="en-US" sz="2400" dirty="0"/>
+              <a:t>Tapping into these information sources is not an option, but a need to stay competitive</a:t>
+            </a:r>
+          </a:p>
+          <a:p>
+            <a:r>
+              <a:rPr lang="en-US" sz="2400" dirty="0"/>
+              <a:t>Answer: text mining</a:t>
+            </a:r>
+          </a:p>
+          <a:p>
+            <a:pPr marL="790575" lvl="1" indent="-342900"/>
+            <a:r>
+              <a:rPr lang="en-US" sz="2400" dirty="0"/>
+              <a:t>A semi-automated process of extracting knowledge from unstructured data sources</a:t>
+            </a:r>
+          </a:p>
+          <a:p>
+            <a:pPr marL="790575" lvl="1" indent="-342900"/>
+            <a:r>
+              <a:rPr lang="en-US" sz="2400" dirty="0"/>
+              <a:t>a.k.a. text data mining or knowledge discovery in textual databases</a:t>
+            </a:r>
+          </a:p>
+        </p:txBody>
+      </p:sp>
+    </p:spTree>
+    <p:extLst>
+      <p:ext uri="{BB962C8B-B14F-4D97-AF65-F5344CB8AC3E}">
+        <p14:creationId xmlns:p14="http://schemas.microsoft.com/office/powerpoint/2010/main" val="2872842766"/>
+      </p:ext>
+    </p:extLst>
+  </p:cSld>
+  <p:clrMapOvr>
+    <a:masterClrMapping/>
+  </p:clrMapOvr>
+</p:sld>
+</file>
+
 <file path=ppt/slides/slide7.xml><?xml version="1.0" encoding="utf-8"?>
 <p:sld xmlns:a="http://schemas.openxmlformats.org/drawingml/2006/main" xmlns:r="http://schemas.openxmlformats.org/officeDocument/2006/relationships" xmlns:p="http://schemas.openxmlformats.org/presentationml/2006/main">
   <p:cSld>
@@ -25183,7 +23632,7 @@
         </p:nvSpPr>
         <p:spPr>
           <a:xfrm>
-            <a:off x="457200" y="72854"/>
+            <a:off x="457200" y="82379"/>
             <a:ext cx="8153400" cy="553998"/>
           </a:xfrm>
         </p:spPr>
@@ -25197,17 +23646,8 @@
               <a:rPr lang="en-US" sz="3600" dirty="0">
                 <a:latin typeface="+mj-lt"/>
               </a:rPr>
-              <a:t>Text Analytics and Text Mining</a:t>
-            </a:r>
-            <a:r>
-              <a:rPr lang="en-US" sz="2800" dirty="0">
-                <a:latin typeface="+mj-lt"/>
-              </a:rPr>
-              <a:t> (1 of 2)</a:t>
-            </a:r>
-            <a:endParaRPr lang="en-US" sz="3600" dirty="0">
-              <a:latin typeface="+mj-lt"/>
-            </a:endParaRPr>
+              <a:t>Data Mining versus Text Mining</a:t>
+            </a:r>
           </a:p>
         </p:txBody>
       </p:sp>
@@ -25218,13 +23658,13 @@
             <a:spLocks noGrp="1"/>
           </p:cNvSpPr>
           <p:nvPr>
-            <p:ph idx="1"/>
+            <p:ph idx="13"/>
           </p:nvPr>
         </p:nvSpPr>
         <p:spPr>
           <a:xfrm>
             <a:off x="457200" y="990600"/>
-            <a:ext cx="8153400" cy="2716128"/>
+            <a:ext cx="8153400" cy="4131900"/>
           </a:xfrm>
         </p:spPr>
         <p:txBody>
@@ -25235,116 +23675,86 @@
           <a:p>
             <a:r>
               <a:rPr lang="en-US" sz="2400" dirty="0"/>
-              <a:t>Text Analytics versus Text Mining</a:t>
-            </a:r>
-          </a:p>
-          <a:p>
-            <a:r>
-              <a:rPr lang="en-US" sz="2400" dirty="0"/>
-              <a:t>Text Analytics = </a:t>
-            </a:r>
-          </a:p>
-          <a:p>
-            <a:pPr lvl="1"/>
-            <a:r>
-              <a:rPr lang="en-US" sz="2400" dirty="0"/>
-              <a:t>Information Retrieval + </a:t>
-            </a:r>
-          </a:p>
-          <a:p>
-            <a:pPr lvl="1"/>
-            <a:r>
-              <a:rPr lang="en-US" sz="2400" dirty="0"/>
-              <a:t>Information Extraction + </a:t>
-            </a:r>
-          </a:p>
-          <a:p>
-            <a:pPr lvl="1"/>
-            <a:r>
-              <a:rPr lang="en-US" sz="2400" dirty="0"/>
-              <a:t>Data Mining + </a:t>
-            </a:r>
-          </a:p>
-          <a:p>
-            <a:pPr lvl="1"/>
-            <a:r>
-              <a:rPr lang="en-US" sz="2400" dirty="0"/>
-              <a:t>Web Mining</a:t>
-            </a:r>
-          </a:p>
-        </p:txBody>
-      </p:sp>
-      <p:sp>
-        <p:nvSpPr>
-          <p:cNvPr id="3" name="Content Placeholder 2"/>
-          <p:cNvSpPr>
-            <a:spLocks noGrp="1"/>
-          </p:cNvSpPr>
-          <p:nvPr>
-            <p:ph idx="13"/>
-          </p:nvPr>
-        </p:nvSpPr>
-        <p:spPr>
-          <a:xfrm>
-            <a:off x="457200" y="3781425"/>
-            <a:ext cx="8153400" cy="815608"/>
-          </a:xfrm>
-        </p:spPr>
-        <p:txBody>
-          <a:bodyPr wrap="square">
-            <a:spAutoFit/>
-          </a:bodyPr>
-          <a:lstStyle/>
-          <a:p>
-            <a:pPr marL="0" indent="0">
-              <a:buNone/>
-            </a:pPr>
-            <a:r>
-              <a:rPr lang="en-US" sz="2400" dirty="0"/>
-              <a:t>or simply</a:t>
-            </a:r>
-          </a:p>
-          <a:p>
-            <a:pPr lvl="1"/>
-            <a:r>
-              <a:rPr lang="en-US" sz="2400" b="1" i="1" dirty="0">
-                <a:solidFill>
-                  <a:schemeClr val="bg2"/>
-                </a:solidFill>
-              </a:rPr>
-              <a:t>Text Analytics </a:t>
-            </a:r>
+              <a:t>Both seek for novel and useful patterns</a:t>
+            </a:r>
+          </a:p>
+          <a:p>
+            <a:r>
+              <a:rPr lang="en-US" sz="2400" dirty="0"/>
+              <a:t>Both are semi-automated processes</a:t>
+            </a:r>
+          </a:p>
+          <a:p>
+            <a:r>
+              <a:rPr lang="en-US" sz="2400" dirty="0"/>
+              <a:t>Difference is the nature of the data: </a:t>
+            </a:r>
+          </a:p>
+          <a:p>
+            <a:pPr marL="790575" lvl="1" indent="-342900"/>
+            <a:r>
+              <a:rPr lang="en-US" sz="2400" dirty="0"/>
+              <a:t>Structured versus unstructured data</a:t>
+            </a:r>
+          </a:p>
+          <a:p>
+            <a:pPr marL="790575" lvl="1" indent="-342900"/>
             <a:r>
               <a:rPr lang="en-US" sz="2400" dirty="0">
                 <a:solidFill>
                   <a:schemeClr val="bg2"/>
                 </a:solidFill>
               </a:rPr>
-              <a:t>= </a:t>
-            </a:r>
-            <a:r>
-              <a:rPr lang="en-US" sz="2400" i="1" dirty="0">
-                <a:solidFill>
-                  <a:schemeClr val="bg2"/>
-                </a:solidFill>
-              </a:rPr>
-              <a:t>Information Retrieval </a:t>
-            </a:r>
+              <a:t>Structured data: </a:t>
+            </a:r>
+            <a:r>
+              <a:rPr lang="en-US" sz="2400" dirty="0"/>
+              <a:t>in databases</a:t>
+            </a:r>
+          </a:p>
+          <a:p>
+            <a:pPr marL="790575" lvl="1" indent="-342900"/>
             <a:r>
               <a:rPr lang="en-US" sz="2400" dirty="0">
                 <a:solidFill>
                   <a:schemeClr val="bg2"/>
                 </a:solidFill>
               </a:rPr>
-              <a:t>+ </a:t>
-            </a:r>
-            <a:r>
-              <a:rPr lang="en-US" sz="2400" i="1" dirty="0">
+              <a:t>Unstructured data: </a:t>
+            </a:r>
+            <a:r>
+              <a:rPr lang="en-US" sz="2400" dirty="0"/>
+              <a:t>Word documents, </a:t>
+            </a:r>
+            <a:r>
+              <a:rPr lang="en-US" sz="2400" spc="-300" dirty="0"/>
+              <a:t>P D </a:t>
+            </a:r>
+            <a:r>
+              <a:rPr lang="en-US" sz="2400" dirty="0"/>
+              <a:t>F files, text excerpts, </a:t>
+            </a:r>
+            <a:r>
+              <a:rPr lang="en-US" sz="2400" spc="-300" dirty="0"/>
+              <a:t>X M </a:t>
+            </a:r>
+            <a:r>
+              <a:rPr lang="en-US" sz="2400" dirty="0"/>
+              <a:t>L files, and so on</a:t>
+            </a:r>
+          </a:p>
+          <a:p>
+            <a:r>
+              <a:rPr lang="en-US" sz="2400" dirty="0">
                 <a:solidFill>
                   <a:schemeClr val="bg2"/>
                 </a:solidFill>
               </a:rPr>
-              <a:t>Text Mining</a:t>
+              <a:t>To perform text mining </a:t>
+            </a:r>
+            <a:r>
+              <a:rPr lang="en-US" sz="2400" dirty="0"/>
+              <a:t>– first, impose structure to the data, then mine the structured data. </a:t>
             </a:r>
           </a:p>
         </p:txBody>
@@ -25352,7 +23762,7 @@
     </p:spTree>
     <p:extLst>
       <p:ext uri="{BB962C8B-B14F-4D97-AF65-F5344CB8AC3E}">
-        <p14:creationId xmlns:p14="http://schemas.microsoft.com/office/powerpoint/2010/main" val="1562621193"/>
+        <p14:creationId xmlns:p14="http://schemas.microsoft.com/office/powerpoint/2010/main" val="2923824914"/>
       </p:ext>
     </p:extLst>
   </p:cSld>
@@ -25391,7 +23801,7 @@
         </p:nvSpPr>
         <p:spPr>
           <a:xfrm>
-            <a:off x="457200" y="72854"/>
+            <a:off x="457200" y="82379"/>
             <a:ext cx="8153400" cy="553998"/>
           </a:xfrm>
         </p:spPr>
@@ -25405,7 +23815,7 @@
               <a:rPr lang="en-US" sz="3600" dirty="0">
                 <a:latin typeface="+mj-lt"/>
               </a:rPr>
-              <a:t>Text Analytics and Text Mining </a:t>
+              <a:t>Text Mining Concepts </a:t>
             </a:r>
             <a:r>
               <a:rPr lang="en-US" sz="2800" dirty="0">
@@ -25432,7 +23842,7 @@
         <p:spPr>
           <a:xfrm>
             <a:off x="457200" y="990600"/>
-            <a:ext cx="8153400" cy="738664"/>
+            <a:ext cx="8153400" cy="4562788"/>
           </a:xfrm>
         </p:spPr>
         <p:txBody>
@@ -25441,63 +23851,51 @@
           </a:bodyPr>
           <a:lstStyle/>
           <a:p>
-            <a:pPr marL="0" indent="0">
-              <a:buNone/>
-            </a:pPr>
-            <a:r>
-              <a:rPr lang="en-US" sz="2400" b="1" dirty="0"/>
-              <a:t>Figure 7.2</a:t>
-            </a:r>
-            <a:r>
-              <a:rPr lang="en-US" sz="2400" dirty="0"/>
-              <a:t> Text Analytics, Related Application Areas, and Enabling Disciplines.</a:t>
-            </a:r>
-          </a:p>
-        </p:txBody>
-      </p:sp>
-      <p:pic>
-        <p:nvPicPr>
-          <p:cNvPr id="3074" name="Picture 2" descr="The diagram is housed in a large oval with the title Text Analytics. &#10;• At the center, a Venn diagram shows the relationship between text mining, information retrieval, natural language processing, web mining and data mining. &#10;• The central circle contains the title Text Mining and the following phrase in quotes: Knowledge Discovery in Textual Data. &#10;• A circle on the upper left of the central circle contains the title Information Retrieval. Part of the circle overlaps with the central circle. Three applications are listed in rectangles partially overlapping the circle. These applications are:&#10;• Document matching&#10;• Link analysis&#10;• Search engines&#10;• A circle on the lower left of the central circle contains the title Natural Language Processing. Part of this circle overlaps the central circle and the Information Retrieval circle. Three applications, listed in rectangles partially overlapping the Natural Language Processing circle, are:&#10;• P O S tagging&#10;• Lemmatization&#10;• Word disambiguation &#10;• A circle on the top right of the central circle contains the title Web Mining. Part of the circle overlaps the central circle. Three applications, listed in rectangles partially overlapping the circle, are:&#10;• Web content mining&#10;• Web structure mining&#10;• Web usage mining&#10;• A circle on the lower right of the central circle contains the title Data Mining. Part of this circle overlaps the central circle and the Web Mining circle. Three applications, listed in rectangles partially overlapping the Data Mining circle, are:&#10;• Classification&#10;• Clustering&#10;• Association&#10;• At the bottom of the oval, a large rectangle with an arrow pointing to the oval lists the following disciplines:&#10;• Statistics&#10;• Machine learning&#10;• Management science&#10;• Artificial intelligence&#10;• Computer science&#10;• Other disciplines&#10;"/>
-          <p:cNvPicPr>
-            <a:picLocks noChangeAspect="1" noChangeArrowheads="1"/>
-          </p:cNvPicPr>
-          <p:nvPr/>
-        </p:nvPicPr>
-        <p:blipFill rotWithShape="1">
-          <a:blip r:embed="rId3">
-            <a:extLst>
-              <a:ext uri="{28A0092B-C50C-407E-A947-70E740481C1C}">
-                <a14:useLocalDpi xmlns:a14="http://schemas.microsoft.com/office/drawing/2010/main" val="0"/>
-              </a:ext>
-            </a:extLst>
-          </a:blip>
-          <a:srcRect b="3841"/>
-          <a:stretch/>
-        </p:blipFill>
-        <p:spPr bwMode="auto">
-          <a:xfrm>
-            <a:off x="1385513" y="1946069"/>
-            <a:ext cx="6358372" cy="4334824"/>
-          </a:xfrm>
-          <a:prstGeom prst="rect">
-            <a:avLst/>
-          </a:prstGeom>
-          <a:noFill/>
-          <a:extLst>
-            <a:ext uri="{909E8E84-426E-40DD-AFC4-6F175D3DCCD1}">
-              <a14:hiddenFill xmlns:a14="http://schemas.microsoft.com/office/drawing/2010/main">
-                <a:solidFill>
-                  <a:srgbClr val="FFFFFF"/>
-                </a:solidFill>
-              </a14:hiddenFill>
-            </a:ext>
-          </a:extLst>
-        </p:spPr>
-      </p:pic>
+            <a:r>
+              <a:rPr lang="en-US" sz="2400" dirty="0"/>
+              <a:t>Benefits of text mining are obvious especially in text-rich data environments</a:t>
+            </a:r>
+          </a:p>
+          <a:p>
+            <a:pPr marL="790575" lvl="1" indent="-342900"/>
+            <a:r>
+              <a:rPr lang="en-US" sz="2400" dirty="0"/>
+              <a:t>e.g., law (court orders), academic research (research articles), finance (quarterly reports), medicine (discharge summaries), biology (molecular interactions), technology (patent files), marketing (customer comments), etc.  </a:t>
+            </a:r>
+          </a:p>
+          <a:p>
+            <a:r>
+              <a:rPr lang="en-US" sz="2400" dirty="0"/>
+              <a:t>Electronic communization records (e.g., Email)</a:t>
+            </a:r>
+          </a:p>
+          <a:p>
+            <a:pPr marL="790575" lvl="1" indent="-342900"/>
+            <a:r>
+              <a:rPr lang="en-US" sz="2400" dirty="0"/>
+              <a:t>Spam filtering</a:t>
+            </a:r>
+          </a:p>
+          <a:p>
+            <a:pPr marL="790575" lvl="1" indent="-342900"/>
+            <a:r>
+              <a:rPr lang="en-US" sz="2400" dirty="0"/>
+              <a:t>Email prioritization and categorization</a:t>
+            </a:r>
+          </a:p>
+          <a:p>
+            <a:pPr marL="790575" lvl="1" indent="-342900"/>
+            <a:r>
+              <a:rPr lang="en-US" sz="2400" dirty="0"/>
+              <a:t>Automatic response generation</a:t>
+            </a:r>
+          </a:p>
+        </p:txBody>
+      </p:sp>
     </p:spTree>
     <p:extLst>
       <p:ext uri="{BB962C8B-B14F-4D97-AF65-F5344CB8AC3E}">
-        <p14:creationId xmlns:p14="http://schemas.microsoft.com/office/powerpoint/2010/main" val="136860345"/>
+        <p14:creationId xmlns:p14="http://schemas.microsoft.com/office/powerpoint/2010/main" val="1317946711"/>
       </p:ext>
     </p:extLst>
   </p:cSld>
@@ -25550,17 +23948,8 @@
               <a:rPr lang="en-US" sz="3600" dirty="0">
                 <a:latin typeface="+mj-lt"/>
               </a:rPr>
-              <a:t>Text Mining Concepts </a:t>
-            </a:r>
-            <a:r>
-              <a:rPr lang="en-US" sz="2800" dirty="0">
-                <a:latin typeface="+mj-lt"/>
-              </a:rPr>
-              <a:t>(1 of 2)</a:t>
-            </a:r>
-            <a:endParaRPr lang="en-US" sz="3600" dirty="0">
-              <a:latin typeface="+mj-lt"/>
-            </a:endParaRPr>
+              <a:t>Text Mining Application Area</a:t>
+            </a:r>
           </a:p>
         </p:txBody>
       </p:sp>
@@ -25577,7 +23966,7 @@
         <p:spPr>
           <a:xfrm>
             <a:off x="457200" y="990600"/>
-            <a:ext cx="8153400" cy="4793620"/>
+            <a:ext cx="8153400" cy="3739485"/>
           </a:xfrm>
         </p:spPr>
         <p:txBody>
@@ -25588,39 +23977,43 @@
           <a:p>
             <a:r>
               <a:rPr lang="en-US" sz="2400" dirty="0"/>
-              <a:t>85-90 percent of all corporate data is in some kind of unstructured form (e.g., text) </a:t>
-            </a:r>
-          </a:p>
-          <a:p>
-            <a:r>
-              <a:rPr lang="en-US" sz="2400" dirty="0"/>
-              <a:t>Unstructured corporate data is doubling in size every 18 months</a:t>
-            </a:r>
-          </a:p>
-          <a:p>
-            <a:r>
-              <a:rPr lang="en-US" sz="2400" dirty="0"/>
-              <a:t>Tapping into these information sources is not an option, but a need to stay competitive</a:t>
-            </a:r>
-          </a:p>
-          <a:p>
-            <a:r>
-              <a:rPr lang="en-US" sz="2400" dirty="0"/>
-              <a:t>Answer: text mining</a:t>
-            </a:r>
-          </a:p>
-          <a:p>
-            <a:pPr marL="790575" lvl="1" indent="-342900"/>
-            <a:r>
-              <a:rPr lang="en-US" sz="2400" dirty="0"/>
-              <a:t>A semi-automated process of extracting knowledge from unstructured data sources</a:t>
-            </a:r>
-          </a:p>
-          <a:p>
-            <a:pPr marL="790575" lvl="1" indent="-342900"/>
-            <a:r>
-              <a:rPr lang="en-US" sz="2400" dirty="0"/>
-              <a:t>a.k.a. text data mining or knowledge discovery in textual databases</a:t>
+              <a:t>Information extraction</a:t>
+            </a:r>
+          </a:p>
+          <a:p>
+            <a:r>
+              <a:rPr lang="en-US" sz="2400" dirty="0"/>
+              <a:t>Topic tracking</a:t>
+            </a:r>
+          </a:p>
+          <a:p>
+            <a:r>
+              <a:rPr lang="en-US" sz="2400" dirty="0"/>
+              <a:t>Summarization</a:t>
+            </a:r>
+          </a:p>
+          <a:p>
+            <a:r>
+              <a:rPr lang="en-US" sz="2400" dirty="0"/>
+              <a:t>Categorization</a:t>
+            </a:r>
+          </a:p>
+          <a:p>
+            <a:r>
+              <a:rPr lang="en-US" sz="2400" dirty="0"/>
+              <a:t>Clustering</a:t>
+            </a:r>
+          </a:p>
+          <a:p>
+            <a:r>
+              <a:rPr lang="en-US" sz="2400" dirty="0"/>
+              <a:t>Concept linking</a:t>
+            </a:r>
+          </a:p>
+          <a:p>
+            <a:r>
+              <a:rPr lang="en-US" sz="2400" dirty="0"/>
+              <a:t>Question answering</a:t>
             </a:r>
           </a:p>
         </p:txBody>
@@ -25628,7 +24021,7 @@
     </p:spTree>
     <p:extLst>
       <p:ext uri="{BB962C8B-B14F-4D97-AF65-F5344CB8AC3E}">
-        <p14:creationId xmlns:p14="http://schemas.microsoft.com/office/powerpoint/2010/main" val="2872842766"/>
+        <p14:creationId xmlns:p14="http://schemas.microsoft.com/office/powerpoint/2010/main" val="3673619111"/>
       </p:ext>
     </p:extLst>
   </p:cSld>

--- a/Slides/Sharda_11e_full_accessible_ppt_07.pptx
+++ b/Slides/Sharda_11e_full_accessible_ppt_07.pptx
@@ -5,10 +5,10 @@
     <p:sldMasterId id="2147483648" r:id="rId1"/>
   </p:sldMasterIdLst>
   <p:notesMasterIdLst>
-    <p:notesMasterId r:id="rId60"/>
+    <p:notesMasterId r:id="rId59"/>
   </p:notesMasterIdLst>
   <p:handoutMasterIdLst>
-    <p:handoutMasterId r:id="rId61"/>
+    <p:handoutMasterId r:id="rId60"/>
   </p:handoutMasterIdLst>
   <p:sldIdLst>
     <p:sldId id="1074" r:id="rId2"/>
@@ -61,14 +61,13 @@
     <p:sldId id="1227" r:id="rId49"/>
     <p:sldId id="1228" r:id="rId50"/>
     <p:sldId id="1229" r:id="rId51"/>
-    <p:sldId id="1231" r:id="rId52"/>
-    <p:sldId id="1232" r:id="rId53"/>
-    <p:sldId id="1233" r:id="rId54"/>
-    <p:sldId id="1234" r:id="rId55"/>
-    <p:sldId id="1235" r:id="rId56"/>
-    <p:sldId id="1236" r:id="rId57"/>
-    <p:sldId id="1237" r:id="rId58"/>
-    <p:sldId id="1165" r:id="rId59"/>
+    <p:sldId id="1232" r:id="rId52"/>
+    <p:sldId id="1233" r:id="rId53"/>
+    <p:sldId id="1234" r:id="rId54"/>
+    <p:sldId id="1235" r:id="rId55"/>
+    <p:sldId id="1236" r:id="rId56"/>
+    <p:sldId id="1237" r:id="rId57"/>
+    <p:sldId id="1165" r:id="rId58"/>
   </p:sldIdLst>
   <p:sldSz cx="9144000" cy="6858000" type="screen4x3"/>
   <p:notesSz cx="6858000" cy="9144000"/>
@@ -323,7 +322,7 @@
           <a:p>
             <a:fld id="{8D8D874E-E9D5-433B-A149-BDF6BFDD40A8}" type="datetimeFigureOut">
               <a:rPr lang="en-US" smtClean="0"/>
-              <a:t>11/22/21</a:t>
+              <a:t>11/28/21</a:t>
             </a:fld>
             <a:endParaRPr lang="en-US" dirty="0"/>
           </a:p>
@@ -488,7 +487,7 @@
           <a:p>
             <a:fld id="{EA051F04-9E25-42C3-8BC5-EC2E8469D95E}" type="datetimeFigureOut">
               <a:rPr lang="en-US" smtClean="0"/>
-              <a:t>11/22/21</a:t>
+              <a:t>11/28/21</a:t>
             </a:fld>
             <a:endParaRPr lang="en-US" dirty="0"/>
           </a:p>
@@ -5412,93 +5411,6 @@
 </p:notes>
 </file>
 
-<file path=ppt/notesSlides/notesSlide57.xml><?xml version="1.0" encoding="utf-8"?>
-<p:notes xmlns:a="http://schemas.openxmlformats.org/drawingml/2006/main" xmlns:r="http://schemas.openxmlformats.org/officeDocument/2006/relationships" xmlns:p="http://schemas.openxmlformats.org/presentationml/2006/main">
-  <p:cSld>
-    <p:spTree>
-      <p:nvGrpSpPr>
-        <p:cNvPr id="1" name=""/>
-        <p:cNvGrpSpPr/>
-        <p:nvPr/>
-      </p:nvGrpSpPr>
-      <p:grpSpPr>
-        <a:xfrm>
-          <a:off x="0" y="0"/>
-          <a:ext cx="0" cy="0"/>
-          <a:chOff x="0" y="0"/>
-          <a:chExt cx="0" cy="0"/>
-        </a:xfrm>
-      </p:grpSpPr>
-      <p:sp>
-        <p:nvSpPr>
-          <p:cNvPr id="2" name="Slide Image Placeholder 1"/>
-          <p:cNvSpPr>
-            <a:spLocks noGrp="1" noRot="1" noChangeAspect="1"/>
-          </p:cNvSpPr>
-          <p:nvPr>
-            <p:ph type="sldImg"/>
-          </p:nvPr>
-        </p:nvSpPr>
-        <p:spPr/>
-      </p:sp>
-      <p:sp>
-        <p:nvSpPr>
-          <p:cNvPr id="3" name="Notes Placeholder 2"/>
-          <p:cNvSpPr>
-            <a:spLocks noGrp="1"/>
-          </p:cNvSpPr>
-          <p:nvPr>
-            <p:ph type="body" idx="1"/>
-          </p:nvPr>
-        </p:nvSpPr>
-        <p:spPr/>
-        <p:txBody>
-          <a:bodyPr/>
-          <a:lstStyle/>
-          <a:p>
-            <a:pPr defTabSz="931774">
-              <a:defRPr/>
-            </a:pPr>
-            <a:endParaRPr lang="en-US" dirty="0"/>
-          </a:p>
-        </p:txBody>
-      </p:sp>
-      <p:sp>
-        <p:nvSpPr>
-          <p:cNvPr id="4" name="Slide Number Placeholder 3"/>
-          <p:cNvSpPr>
-            <a:spLocks noGrp="1"/>
-          </p:cNvSpPr>
-          <p:nvPr>
-            <p:ph type="sldNum" sz="quarter" idx="10"/>
-          </p:nvPr>
-        </p:nvSpPr>
-        <p:spPr/>
-        <p:txBody>
-          <a:bodyPr/>
-          <a:lstStyle/>
-          <a:p>
-            <a:fld id="{A73D6722-9B4D-4E29-B226-C325925A8118}" type="slidenum">
-              <a:rPr lang="en-US" smtClean="0"/>
-              <a:t>57</a:t>
-            </a:fld>
-            <a:endParaRPr lang="en-US" dirty="0"/>
-          </a:p>
-        </p:txBody>
-      </p:sp>
-    </p:spTree>
-    <p:extLst>
-      <p:ext uri="{BB962C8B-B14F-4D97-AF65-F5344CB8AC3E}">
-        <p14:creationId xmlns:p14="http://schemas.microsoft.com/office/powerpoint/2010/main" val="2124979669"/>
-      </p:ext>
-    </p:extLst>
-  </p:cSld>
-  <p:clrMapOvr>
-    <a:masterClrMapping/>
-  </p:clrMapOvr>
-</p:notes>
-</file>
-
 <file path=ppt/notesSlides/notesSlide6.xml><?xml version="1.0" encoding="utf-8"?>
 <p:notes xmlns:a="http://schemas.openxmlformats.org/drawingml/2006/main" xmlns:r="http://schemas.openxmlformats.org/officeDocument/2006/relationships" xmlns:p="http://schemas.openxmlformats.org/presentationml/2006/main">
   <p:cSld>
@@ -6111,7 +6023,7 @@
           <a:p>
             <a:fld id="{A9DF6EFB-3F44-496C-A842-1E0B3D3B975A}" type="datetimeFigureOut">
               <a:rPr lang="en-US" smtClean="0"/>
-              <a:t>11/22/21</a:t>
+              <a:t>11/28/21</a:t>
             </a:fld>
             <a:endParaRPr lang="en-US" dirty="0"/>
           </a:p>
@@ -6479,7 +6391,7 @@
           <a:p>
             <a:fld id="{A9DF6EFB-3F44-496C-A842-1E0B3D3B975A}" type="datetimeFigureOut">
               <a:rPr lang="en-US" smtClean="0"/>
-              <a:t>11/22/21</a:t>
+              <a:t>11/28/21</a:t>
             </a:fld>
             <a:endParaRPr lang="en-US" dirty="0"/>
           </a:p>
@@ -6826,7 +6738,7 @@
           <a:p>
             <a:fld id="{A9DF6EFB-3F44-496C-A842-1E0B3D3B975A}" type="datetimeFigureOut">
               <a:rPr lang="en-US" smtClean="0"/>
-              <a:t>11/22/21</a:t>
+              <a:t>11/28/21</a:t>
             </a:fld>
             <a:endParaRPr lang="en-US" dirty="0"/>
           </a:p>
@@ -7169,7 +7081,7 @@
           <a:p>
             <a:fld id="{A9DF6EFB-3F44-496C-A842-1E0B3D3B975A}" type="datetimeFigureOut">
               <a:rPr lang="en-US" smtClean="0"/>
-              <a:t>11/22/21</a:t>
+              <a:t>11/28/21</a:t>
             </a:fld>
             <a:endParaRPr lang="en-US" dirty="0"/>
           </a:p>
@@ -7291,7 +7203,7 @@
           <a:p>
             <a:fld id="{A9DF6EFB-3F44-496C-A842-1E0B3D3B975A}" type="datetimeFigureOut">
               <a:rPr lang="en-US" smtClean="0"/>
-              <a:t>11/22/21</a:t>
+              <a:t>11/28/21</a:t>
             </a:fld>
             <a:endParaRPr lang="en-US" dirty="0"/>
           </a:p>
@@ -7400,7 +7312,7 @@
             <a:fld id="{A9DF6EFB-3F44-496C-A842-1E0B3D3B975A}" type="datetimeFigureOut">
               <a:rPr lang="en-US" smtClean="0"/>
               <a:pPr/>
-              <a:t>11/22/21</a:t>
+              <a:t>11/28/21</a:t>
             </a:fld>
             <a:endParaRPr lang="en-US" dirty="0"/>
           </a:p>
@@ -8396,7 +8308,7 @@
             <a:fld id="{A9DF6EFB-3F44-496C-A842-1E0B3D3B975A}" type="datetimeFigureOut">
               <a:rPr lang="en-US" smtClean="0"/>
               <a:pPr/>
-              <a:t>11/22/21</a:t>
+              <a:t>11/28/21</a:t>
             </a:fld>
             <a:endParaRPr lang="en-US" dirty="0"/>
           </a:p>
@@ -8785,7 +8697,7 @@
             <a:fld id="{A9DF6EFB-3F44-496C-A842-1E0B3D3B975A}" type="datetimeFigureOut">
               <a:rPr lang="en-US" smtClean="0"/>
               <a:pPr/>
-              <a:t>11/22/21</a:t>
+              <a:t>11/28/21</a:t>
             </a:fld>
             <a:endParaRPr lang="en-US" dirty="0"/>
           </a:p>
@@ -9055,7 +8967,7 @@
             <a:fld id="{A9DF6EFB-3F44-496C-A842-1E0B3D3B975A}" type="datetimeFigureOut">
               <a:rPr lang="en-US" smtClean="0"/>
               <a:pPr/>
-              <a:t>11/22/21</a:t>
+              <a:t>11/28/21</a:t>
             </a:fld>
             <a:endParaRPr lang="en-US" dirty="0"/>
           </a:p>
@@ -9318,7 +9230,7 @@
           <a:p>
             <a:fld id="{A9DF6EFB-3F44-496C-A842-1E0B3D3B975A}" type="datetimeFigureOut">
               <a:rPr lang="en-US" smtClean="0"/>
-              <a:t>11/22/21</a:t>
+              <a:t>11/28/21</a:t>
             </a:fld>
             <a:endParaRPr lang="en-US" dirty="0"/>
           </a:p>
@@ -9554,7 +9466,7 @@
             <a:fld id="{A9DF6EFB-3F44-496C-A842-1E0B3D3B975A}" type="datetimeFigureOut">
               <a:rPr lang="en-US" smtClean="0"/>
               <a:pPr/>
-              <a:t>11/22/21</a:t>
+              <a:t>11/28/21</a:t>
             </a:fld>
             <a:endParaRPr lang="en-US" dirty="0"/>
           </a:p>
@@ -9931,7 +9843,7 @@
           <a:p>
             <a:fld id="{A9DF6EFB-3F44-496C-A842-1E0B3D3B975A}" type="datetimeFigureOut">
               <a:rPr lang="en-US" smtClean="0"/>
-              <a:t>11/22/21</a:t>
+              <a:t>11/28/21</a:t>
             </a:fld>
             <a:endParaRPr lang="en-US" dirty="0"/>
           </a:p>
@@ -10557,7 +10469,7 @@
           <a:p>
             <a:fld id="{A9DF6EFB-3F44-496C-A842-1E0B3D3B975A}" type="datetimeFigureOut">
               <a:rPr lang="en-US" smtClean="0"/>
-              <a:t>11/22/21</a:t>
+              <a:t>11/28/21</a:t>
             </a:fld>
             <a:endParaRPr lang="en-US" dirty="0"/>
           </a:p>
@@ -11687,7 +11599,7 @@
           <a:p>
             <a:fld id="{A9DF6EFB-3F44-496C-A842-1E0B3D3B975A}" type="datetimeFigureOut">
               <a:rPr lang="en-US" smtClean="0"/>
-              <a:t>11/22/21</a:t>
+              <a:t>11/28/21</a:t>
             </a:fld>
             <a:endParaRPr lang="en-US" dirty="0"/>
           </a:p>
@@ -11948,7 +11860,7 @@
             <a:fld id="{A9DF6EFB-3F44-496C-A842-1E0B3D3B975A}" type="datetimeFigureOut">
               <a:rPr lang="en-US" smtClean="0"/>
               <a:pPr/>
-              <a:t>11/22/21</a:t>
+              <a:t>11/28/21</a:t>
             </a:fld>
             <a:endParaRPr lang="en-US" dirty="0"/>
           </a:p>
@@ -22173,14 +22085,14 @@
               <a:rPr lang="en-US" sz="3600" dirty="0">
                 <a:latin typeface="+mj-lt"/>
               </a:rPr>
-              <a:t>Social Analytics Social Network Analysis Metrics</a:t>
-            </a:r>
-          </a:p>
-        </p:txBody>
-      </p:sp>
-      <p:sp>
-        <p:nvSpPr>
-          <p:cNvPr id="6" name="Content Placeholder 4"/>
+              <a:t>Social Media Definitions and Concepts</a:t>
+            </a:r>
+          </a:p>
+        </p:txBody>
+      </p:sp>
+      <p:sp>
+        <p:nvSpPr>
+          <p:cNvPr id="3" name="Content Placeholder 2"/>
           <p:cNvSpPr>
             <a:spLocks noGrp="1"/>
           </p:cNvSpPr>
@@ -22190,8 +22102,8 @@
         </p:nvSpPr>
         <p:spPr>
           <a:xfrm>
-            <a:off x="466725" y="1447800"/>
-            <a:ext cx="3790950" cy="4870564"/>
+            <a:off x="457200" y="1447800"/>
+            <a:ext cx="8153400" cy="3685624"/>
           </a:xfrm>
         </p:spPr>
         <p:txBody>
@@ -22200,164 +22112,86 @@
           </a:bodyPr>
           <a:lstStyle/>
           <a:p>
-            <a:pPr marL="257175" indent="-257175"/>
+            <a:pPr marL="266700" indent="-257175"/>
+            <a:r>
+              <a:rPr lang="en-US" sz="2400" dirty="0"/>
+              <a:t>Enabling technologies of social interactions among people</a:t>
+            </a:r>
+          </a:p>
+          <a:p>
+            <a:pPr marL="266700" indent="-257175"/>
+            <a:r>
+              <a:rPr lang="en-US" sz="2400" dirty="0"/>
+              <a:t>Relies on enabling technologies of Web 2.0</a:t>
+            </a:r>
+          </a:p>
+          <a:p>
+            <a:pPr marL="266700" indent="-257175"/>
+            <a:r>
+              <a:rPr lang="en-US" sz="2400" dirty="0"/>
+              <a:t>Takes on many different forms</a:t>
+            </a:r>
+          </a:p>
+          <a:p>
+            <a:pPr marL="723900" lvl="1" indent="-276225"/>
+            <a:r>
+              <a:rPr lang="en-US" sz="2400" dirty="0"/>
+              <a:t>Internet forums, Web logs, social blogs, </a:t>
+            </a:r>
+            <a:r>
+              <a:rPr lang="en-US" sz="2400" dirty="0" err="1"/>
+              <a:t>microblogging</a:t>
+            </a:r>
+            <a:r>
+              <a:rPr lang="en-US" sz="2400" dirty="0"/>
+              <a:t>, wikis, social networks, podcasts, pictures, video, and product reviews</a:t>
+            </a:r>
+          </a:p>
+          <a:p>
+            <a:pPr marL="266700" indent="-257175"/>
+            <a:r>
+              <a:rPr lang="en-US" sz="2400" dirty="0"/>
+              <a:t>Different types of social media </a:t>
+            </a:r>
+          </a:p>
+          <a:p>
+            <a:pPr marL="723900" lvl="1" indent="-276225"/>
+            <a:r>
+              <a:rPr lang="en-US" sz="2400" dirty="0"/>
+              <a:t>Based on </a:t>
+            </a:r>
             <a:r>
               <a:rPr lang="en-US" sz="2400" dirty="0">
                 <a:solidFill>
                   <a:schemeClr val="bg2"/>
                 </a:solidFill>
               </a:rPr>
-              <a:t>Connections</a:t>
-            </a:r>
-          </a:p>
-          <a:p>
-            <a:pPr marL="714375" lvl="1" indent="-266700"/>
-            <a:r>
-              <a:rPr lang="en-US" sz="2400" dirty="0" err="1"/>
-              <a:t>Homophily</a:t>
-            </a:r>
-            <a:endParaRPr lang="en-US" sz="2400" dirty="0"/>
-          </a:p>
-          <a:p>
-            <a:pPr marL="714375" lvl="1" indent="-266700"/>
-            <a:r>
-              <a:rPr lang="en-US" sz="2400" dirty="0" err="1"/>
-              <a:t>Multiplexity</a:t>
-            </a:r>
-            <a:endParaRPr lang="en-US" sz="2400" dirty="0"/>
-          </a:p>
-          <a:p>
-            <a:pPr marL="714375" lvl="1" indent="-266700"/>
-            <a:r>
-              <a:rPr lang="en-US" sz="2400" dirty="0"/>
-              <a:t>Mutuality/reciprocity</a:t>
-            </a:r>
-          </a:p>
-          <a:p>
-            <a:pPr marL="714375" lvl="1" indent="-266700"/>
-            <a:r>
-              <a:rPr lang="en-US" sz="2400" dirty="0"/>
-              <a:t>Network closure</a:t>
-            </a:r>
-          </a:p>
-          <a:p>
-            <a:pPr marL="714375" lvl="1" indent="-266700"/>
-            <a:r>
-              <a:rPr lang="en-US" sz="2400" dirty="0"/>
-              <a:t>Propinquity</a:t>
-            </a:r>
-          </a:p>
-          <a:p>
-            <a:pPr marL="257175" indent="-257175"/>
+              <a:t>media research </a:t>
+            </a:r>
+            <a:r>
+              <a:rPr lang="en-US" sz="2400" dirty="0"/>
+              <a:t>and </a:t>
+            </a:r>
             <a:r>
               <a:rPr lang="en-US" sz="2400" dirty="0">
                 <a:solidFill>
                   <a:schemeClr val="bg2"/>
                 </a:solidFill>
               </a:rPr>
-              <a:t>Segmentation</a:t>
-            </a:r>
-          </a:p>
-          <a:p>
-            <a:pPr marL="714375" lvl="1" indent="-266700"/>
-            <a:r>
-              <a:rPr lang="en-US" sz="2400" dirty="0"/>
-              <a:t>Cliques and social circles</a:t>
-            </a:r>
-          </a:p>
-          <a:p>
-            <a:pPr marL="714375" lvl="1" indent="-266700"/>
-            <a:r>
-              <a:rPr lang="en-US" sz="2400" dirty="0"/>
-              <a:t>Clustering coefficient</a:t>
-            </a:r>
-          </a:p>
-          <a:p>
-            <a:pPr marL="714375" lvl="1" indent="-266700"/>
-            <a:r>
-              <a:rPr lang="en-US" sz="2400" dirty="0"/>
-              <a:t>Cohesion</a:t>
-            </a:r>
-          </a:p>
-        </p:txBody>
-      </p:sp>
-      <p:sp>
-        <p:nvSpPr>
-          <p:cNvPr id="7" name="Content Placeholder 4"/>
-          <p:cNvSpPr>
-            <a:spLocks noGrp="1"/>
-          </p:cNvSpPr>
-          <p:nvPr>
-            <p:ph idx="1"/>
-          </p:nvPr>
-        </p:nvSpPr>
-        <p:spPr>
-          <a:xfrm>
-            <a:off x="4572000" y="1447800"/>
-            <a:ext cx="4038600" cy="2600712"/>
-          </a:xfrm>
-        </p:spPr>
-        <p:txBody>
-          <a:bodyPr>
-            <a:spAutoFit/>
-          </a:bodyPr>
-          <a:lstStyle/>
-          <a:p>
-            <a:r>
-              <a:rPr lang="en-US" sz="2400" kern="0" dirty="0">
-                <a:solidFill>
-                  <a:schemeClr val="bg2"/>
-                </a:solidFill>
-              </a:rPr>
-              <a:t>Distribution</a:t>
-            </a:r>
-            <a:endParaRPr lang="en-US" sz="2400" dirty="0">
+              <a:t>social process </a:t>
+            </a:r>
+            <a:endParaRPr lang="en-IN" sz="2400" dirty="0">
               <a:solidFill>
                 <a:schemeClr val="bg2"/>
               </a:solidFill>
             </a:endParaRPr>
           </a:p>
-          <a:p>
-            <a:pPr lvl="1"/>
-            <a:r>
-              <a:rPr lang="en-US" sz="2400" dirty="0"/>
-              <a:t>Bridge</a:t>
-            </a:r>
-          </a:p>
-          <a:p>
-            <a:pPr lvl="1"/>
-            <a:r>
-              <a:rPr lang="en-US" sz="2400" dirty="0"/>
-              <a:t>Centrality</a:t>
-            </a:r>
-          </a:p>
-          <a:p>
-            <a:pPr lvl="1"/>
-            <a:r>
-              <a:rPr lang="en-US" sz="2400" dirty="0"/>
-              <a:t>Density</a:t>
-            </a:r>
-          </a:p>
-          <a:p>
-            <a:pPr lvl="1"/>
-            <a:r>
-              <a:rPr lang="en-US" sz="2400" dirty="0"/>
-              <a:t>Distance</a:t>
-            </a:r>
-          </a:p>
-          <a:p>
-            <a:pPr lvl="1"/>
-            <a:r>
-              <a:rPr lang="en-US" sz="2400" dirty="0"/>
-              <a:t>Structural holes</a:t>
-            </a:r>
-          </a:p>
         </p:txBody>
       </p:sp>
     </p:spTree>
     <p:extLst>
       <p:ext uri="{BB962C8B-B14F-4D97-AF65-F5344CB8AC3E}">
-        <p14:creationId xmlns:p14="http://schemas.microsoft.com/office/powerpoint/2010/main" val="634812570"/>
+        <p14:creationId xmlns:p14="http://schemas.microsoft.com/office/powerpoint/2010/main" val="3542463956"/>
       </p:ext>
     </p:extLst>
   </p:cSld>
@@ -22396,165 +22230,6 @@
         </p:nvSpPr>
         <p:spPr>
           <a:xfrm>
-            <a:off x="457200" y="63579"/>
-            <a:ext cx="8153400" cy="1107996"/>
-          </a:xfrm>
-        </p:spPr>
-        <p:txBody>
-          <a:bodyPr wrap="square">
-            <a:spAutoFit/>
-          </a:bodyPr>
-          <a:lstStyle/>
-          <a:p>
-            <a:r>
-              <a:rPr lang="en-US" sz="3600" dirty="0">
-                <a:latin typeface="+mj-lt"/>
-              </a:rPr>
-              <a:t>Social Media Definitions and Concepts</a:t>
-            </a:r>
-          </a:p>
-        </p:txBody>
-      </p:sp>
-      <p:sp>
-        <p:nvSpPr>
-          <p:cNvPr id="3" name="Content Placeholder 2"/>
-          <p:cNvSpPr>
-            <a:spLocks noGrp="1"/>
-          </p:cNvSpPr>
-          <p:nvPr>
-            <p:ph idx="1"/>
-          </p:nvPr>
-        </p:nvSpPr>
-        <p:spPr>
-          <a:xfrm>
-            <a:off x="457200" y="1447800"/>
-            <a:ext cx="8153400" cy="3685624"/>
-          </a:xfrm>
-        </p:spPr>
-        <p:txBody>
-          <a:bodyPr>
-            <a:spAutoFit/>
-          </a:bodyPr>
-          <a:lstStyle/>
-          <a:p>
-            <a:pPr marL="266700" indent="-257175"/>
-            <a:r>
-              <a:rPr lang="en-US" sz="2400" dirty="0"/>
-              <a:t>Enabling technologies of social interactions among people</a:t>
-            </a:r>
-          </a:p>
-          <a:p>
-            <a:pPr marL="266700" indent="-257175"/>
-            <a:r>
-              <a:rPr lang="en-US" sz="2400" dirty="0"/>
-              <a:t>Relies on enabling technologies of Web 2.0</a:t>
-            </a:r>
-          </a:p>
-          <a:p>
-            <a:pPr marL="266700" indent="-257175"/>
-            <a:r>
-              <a:rPr lang="en-US" sz="2400" dirty="0"/>
-              <a:t>Takes on many different forms</a:t>
-            </a:r>
-          </a:p>
-          <a:p>
-            <a:pPr marL="723900" lvl="1" indent="-276225"/>
-            <a:r>
-              <a:rPr lang="en-US" sz="2400" dirty="0"/>
-              <a:t>Internet forums, Web logs, social blogs, </a:t>
-            </a:r>
-            <a:r>
-              <a:rPr lang="en-US" sz="2400" dirty="0" err="1"/>
-              <a:t>microblogging</a:t>
-            </a:r>
-            <a:r>
-              <a:rPr lang="en-US" sz="2400" dirty="0"/>
-              <a:t>, wikis, social networks, podcasts, pictures, video, and product reviews</a:t>
-            </a:r>
-          </a:p>
-          <a:p>
-            <a:pPr marL="266700" indent="-257175"/>
-            <a:r>
-              <a:rPr lang="en-US" sz="2400" dirty="0"/>
-              <a:t>Different types of social media </a:t>
-            </a:r>
-          </a:p>
-          <a:p>
-            <a:pPr marL="723900" lvl="1" indent="-276225"/>
-            <a:r>
-              <a:rPr lang="en-US" sz="2400" dirty="0"/>
-              <a:t>Based on </a:t>
-            </a:r>
-            <a:r>
-              <a:rPr lang="en-US" sz="2400" dirty="0">
-                <a:solidFill>
-                  <a:schemeClr val="bg2"/>
-                </a:solidFill>
-              </a:rPr>
-              <a:t>media research </a:t>
-            </a:r>
-            <a:r>
-              <a:rPr lang="en-US" sz="2400" dirty="0"/>
-              <a:t>and </a:t>
-            </a:r>
-            <a:r>
-              <a:rPr lang="en-US" sz="2400" dirty="0">
-                <a:solidFill>
-                  <a:schemeClr val="bg2"/>
-                </a:solidFill>
-              </a:rPr>
-              <a:t>social process </a:t>
-            </a:r>
-            <a:endParaRPr lang="en-IN" sz="2400" dirty="0">
-              <a:solidFill>
-                <a:schemeClr val="bg2"/>
-              </a:solidFill>
-            </a:endParaRPr>
-          </a:p>
-        </p:txBody>
-      </p:sp>
-    </p:spTree>
-    <p:extLst>
-      <p:ext uri="{BB962C8B-B14F-4D97-AF65-F5344CB8AC3E}">
-        <p14:creationId xmlns:p14="http://schemas.microsoft.com/office/powerpoint/2010/main" val="3542463956"/>
-      </p:ext>
-    </p:extLst>
-  </p:cSld>
-  <p:clrMapOvr>
-    <a:masterClrMapping/>
-  </p:clrMapOvr>
-</p:sld>
-</file>
-
-<file path=ppt/slides/slide53.xml><?xml version="1.0" encoding="utf-8"?>
-<p:sld xmlns:a="http://schemas.openxmlformats.org/drawingml/2006/main" xmlns:r="http://schemas.openxmlformats.org/officeDocument/2006/relationships" xmlns:p="http://schemas.openxmlformats.org/presentationml/2006/main">
-  <p:cSld>
-    <p:spTree>
-      <p:nvGrpSpPr>
-        <p:cNvPr id="1" name=""/>
-        <p:cNvGrpSpPr/>
-        <p:nvPr/>
-      </p:nvGrpSpPr>
-      <p:grpSpPr>
-        <a:xfrm>
-          <a:off x="0" y="0"/>
-          <a:ext cx="0" cy="0"/>
-          <a:chOff x="0" y="0"/>
-          <a:chExt cx="0" cy="0"/>
-        </a:xfrm>
-      </p:grpSpPr>
-      <p:sp>
-        <p:nvSpPr>
-          <p:cNvPr id="2" name="Title 1"/>
-          <p:cNvSpPr>
-            <a:spLocks noGrp="1"/>
-          </p:cNvSpPr>
-          <p:nvPr>
-            <p:ph type="title"/>
-          </p:nvPr>
-        </p:nvSpPr>
-        <p:spPr>
-          <a:xfrm>
             <a:off x="457200" y="74652"/>
             <a:ext cx="8153400" cy="553998"/>
           </a:xfrm>
@@ -22676,7 +22351,7 @@
 </p:sld>
 </file>
 
-<file path=ppt/slides/slide54.xml><?xml version="1.0" encoding="utf-8"?>
+<file path=ppt/slides/slide53.xml><?xml version="1.0" encoding="utf-8"?>
 <p:sld xmlns:a="http://schemas.openxmlformats.org/drawingml/2006/main" xmlns:r="http://schemas.openxmlformats.org/officeDocument/2006/relationships" xmlns:p="http://schemas.openxmlformats.org/presentationml/2006/main">
   <p:cSld>
     <p:spTree>
@@ -22805,6 +22480,125 @@
 </p:sld>
 </file>
 
+<file path=ppt/slides/slide54.xml><?xml version="1.0" encoding="utf-8"?>
+<p:sld xmlns:a="http://schemas.openxmlformats.org/drawingml/2006/main" xmlns:r="http://schemas.openxmlformats.org/officeDocument/2006/relationships" xmlns:p="http://schemas.openxmlformats.org/presentationml/2006/main">
+  <p:cSld>
+    <p:spTree>
+      <p:nvGrpSpPr>
+        <p:cNvPr id="1" name=""/>
+        <p:cNvGrpSpPr/>
+        <p:nvPr/>
+      </p:nvGrpSpPr>
+      <p:grpSpPr>
+        <a:xfrm>
+          <a:off x="0" y="0"/>
+          <a:ext cx="0" cy="0"/>
+          <a:chOff x="0" y="0"/>
+          <a:chExt cx="0" cy="0"/>
+        </a:xfrm>
+      </p:grpSpPr>
+      <p:sp>
+        <p:nvSpPr>
+          <p:cNvPr id="2" name="Title 1"/>
+          <p:cNvSpPr>
+            <a:spLocks noGrp="1"/>
+          </p:cNvSpPr>
+          <p:nvPr>
+            <p:ph type="title"/>
+          </p:nvPr>
+        </p:nvSpPr>
+        <p:spPr>
+          <a:xfrm>
+            <a:off x="457200" y="74652"/>
+            <a:ext cx="8153400" cy="553998"/>
+          </a:xfrm>
+        </p:spPr>
+        <p:txBody>
+          <a:bodyPr wrap="square">
+            <a:spAutoFit/>
+          </a:bodyPr>
+          <a:lstStyle/>
+          <a:p>
+            <a:r>
+              <a:rPr lang="en-US" sz="3600" dirty="0">
+                <a:latin typeface="+mj-lt"/>
+              </a:rPr>
+              <a:t>Social Media Analytics</a:t>
+            </a:r>
+          </a:p>
+        </p:txBody>
+      </p:sp>
+      <p:sp>
+        <p:nvSpPr>
+          <p:cNvPr id="3" name="Content Placeholder 2"/>
+          <p:cNvSpPr>
+            <a:spLocks noGrp="1"/>
+          </p:cNvSpPr>
+          <p:nvPr>
+            <p:ph idx="1"/>
+          </p:nvPr>
+        </p:nvSpPr>
+        <p:spPr>
+          <a:xfrm>
+            <a:off x="457200" y="990600"/>
+            <a:ext cx="8153400" cy="3377848"/>
+          </a:xfrm>
+        </p:spPr>
+        <p:txBody>
+          <a:bodyPr>
+            <a:spAutoFit/>
+          </a:bodyPr>
+          <a:lstStyle/>
+          <a:p>
+            <a:pPr marL="266700" indent="-266700"/>
+            <a:r>
+              <a:rPr lang="en-US" sz="2400" dirty="0"/>
+              <a:t>It is the systematic and scientific ways to consume the vast amount of content created by Web-based social media outlets, tools, and techniques for the betterment of an organization’s competitiveness</a:t>
+            </a:r>
+          </a:p>
+          <a:p>
+            <a:pPr marL="266700" indent="-266700"/>
+            <a:r>
+              <a:rPr lang="en-US" sz="2400" dirty="0"/>
+              <a:t>Tools to measure social media impact:</a:t>
+            </a:r>
+          </a:p>
+          <a:p>
+            <a:pPr marL="714375" lvl="1" indent="-266700"/>
+            <a:r>
+              <a:rPr lang="en-US" sz="2400" dirty="0"/>
+              <a:t>Descriptive analytics</a:t>
+            </a:r>
+          </a:p>
+          <a:p>
+            <a:pPr marL="714375" lvl="1" indent="-266700"/>
+            <a:r>
+              <a:rPr lang="en-US" sz="2400" dirty="0"/>
+              <a:t>Social network analysis</a:t>
+            </a:r>
+          </a:p>
+          <a:p>
+            <a:pPr marL="714375" lvl="1" indent="-266700"/>
+            <a:r>
+              <a:rPr lang="en-US" sz="2400" dirty="0"/>
+              <a:t>Advanced analytics</a:t>
+            </a:r>
+          </a:p>
+        </p:txBody>
+      </p:sp>
+    </p:spTree>
+    <p:extLst>
+      <p:ext uri="{BB962C8B-B14F-4D97-AF65-F5344CB8AC3E}">
+        <p14:creationId xmlns:p14="http://schemas.microsoft.com/office/powerpoint/2010/main" val="3786934230"/>
+      </p:ext>
+    </p:extLst>
+  </p:cSld>
+  <p:clrMapOvr>
+    <a:masterClrMapping/>
+  </p:clrMapOvr>
+</p:sld>
+</file>
+
 <file path=ppt/slides/slide55.xml><?xml version="1.0" encoding="utf-8"?>
 <p:sld xmlns:a="http://schemas.openxmlformats.org/drawingml/2006/main" xmlns:r="http://schemas.openxmlformats.org/officeDocument/2006/relationships" xmlns:p="http://schemas.openxmlformats.org/presentationml/2006/main">
   <p:cSld>
@@ -22834,8 +22628,8 @@
         </p:nvSpPr>
         <p:spPr>
           <a:xfrm>
-            <a:off x="457200" y="74652"/>
-            <a:ext cx="8153400" cy="553998"/>
+            <a:off x="457200" y="63579"/>
+            <a:ext cx="8153400" cy="1107996"/>
           </a:xfrm>
         </p:spPr>
         <p:txBody>
@@ -22848,7 +22642,7 @@
               <a:rPr lang="en-US" sz="3600" dirty="0">
                 <a:latin typeface="+mj-lt"/>
               </a:rPr>
-              <a:t>Social Media Analytics</a:t>
+              <a:t>Best Practices in Social Media Analytics</a:t>
             </a:r>
           </a:p>
         </p:txBody>
@@ -22865,8 +22659,8 @@
         </p:nvSpPr>
         <p:spPr>
           <a:xfrm>
-            <a:off x="457200" y="990600"/>
-            <a:ext cx="8153400" cy="3377848"/>
+            <a:off x="457200" y="1419226"/>
+            <a:ext cx="8153400" cy="4670509"/>
           </a:xfrm>
         </p:spPr>
         <p:txBody>
@@ -22875,38 +22669,59 @@
           </a:bodyPr>
           <a:lstStyle/>
           <a:p>
-            <a:pPr marL="266700" indent="-266700"/>
-            <a:r>
-              <a:rPr lang="en-US" sz="2400" dirty="0"/>
-              <a:t>It is the systematic and scientific ways to consume the vast amount of content created by Web-based social media outlets, tools, and techniques for the betterment of an organization’s competitiveness</a:t>
-            </a:r>
-          </a:p>
-          <a:p>
-            <a:pPr marL="266700" indent="-266700"/>
-            <a:r>
-              <a:rPr lang="en-US" sz="2400" dirty="0"/>
-              <a:t>Tools to measure social media impact:</a:t>
-            </a:r>
-          </a:p>
-          <a:p>
-            <a:pPr marL="714375" lvl="1" indent="-266700"/>
-            <a:r>
-              <a:rPr lang="en-US" sz="2400" dirty="0"/>
-              <a:t>Descriptive analytics</a:t>
-            </a:r>
-          </a:p>
-          <a:p>
-            <a:pPr marL="714375" lvl="1" indent="-266700"/>
-            <a:r>
-              <a:rPr lang="en-US" sz="2400" dirty="0"/>
-              <a:t>Social network analysis</a:t>
-            </a:r>
-          </a:p>
-          <a:p>
-            <a:pPr marL="714375" lvl="1" indent="-266700"/>
-            <a:r>
-              <a:rPr lang="en-US" sz="2400" dirty="0"/>
-              <a:t>Advanced analytics</a:t>
+            <a:pPr marL="276225" indent="-276225"/>
+            <a:r>
+              <a:rPr lang="en-US" sz="2400" dirty="0"/>
+              <a:t>Think of measurement as a guidance system, not a rating system</a:t>
+            </a:r>
+          </a:p>
+          <a:p>
+            <a:pPr marL="276225" indent="-276225"/>
+            <a:r>
+              <a:rPr lang="en-US" sz="2400" dirty="0"/>
+              <a:t>Track the elusive sentiment</a:t>
+            </a:r>
+          </a:p>
+          <a:p>
+            <a:pPr marL="276225" indent="-276225"/>
+            <a:r>
+              <a:rPr lang="en-US" sz="2400" dirty="0"/>
+              <a:t>Continuously improve the accuracy of text analysis</a:t>
+            </a:r>
+          </a:p>
+          <a:p>
+            <a:pPr marL="276225" indent="-276225"/>
+            <a:r>
+              <a:rPr lang="en-US" sz="2400" dirty="0"/>
+              <a:t>Look at the ripple effect</a:t>
+            </a:r>
+          </a:p>
+          <a:p>
+            <a:pPr marL="276225" indent="-276225"/>
+            <a:r>
+              <a:rPr lang="en-US" sz="2400" dirty="0"/>
+              <a:t>Look beyond the brand</a:t>
+            </a:r>
+          </a:p>
+          <a:p>
+            <a:pPr marL="276225" indent="-276225"/>
+            <a:r>
+              <a:rPr lang="en-US" sz="2400" dirty="0"/>
+              <a:t>Identify your most powerful influencers</a:t>
+            </a:r>
+          </a:p>
+          <a:p>
+            <a:pPr marL="276225" indent="-276225"/>
+            <a:r>
+              <a:rPr lang="en-US" sz="2400" dirty="0"/>
+              <a:t>Look closely at the accuracy of your analytic tool</a:t>
+            </a:r>
+          </a:p>
+          <a:p>
+            <a:pPr marL="276225" indent="-276225"/>
+            <a:r>
+              <a:rPr lang="en-US" sz="2400" dirty="0"/>
+              <a:t>Incorporate social media intelligence into planning</a:t>
             </a:r>
           </a:p>
         </p:txBody>
@@ -22914,7 +22729,7 @@
     </p:spTree>
     <p:extLst>
       <p:ext uri="{BB962C8B-B14F-4D97-AF65-F5344CB8AC3E}">
-        <p14:creationId xmlns:p14="http://schemas.microsoft.com/office/powerpoint/2010/main" val="3786934230"/>
+        <p14:creationId xmlns:p14="http://schemas.microsoft.com/office/powerpoint/2010/main" val="2321517492"/>
       </p:ext>
     </p:extLst>
   </p:cSld>
@@ -22953,146 +22768,6 @@
         </p:nvSpPr>
         <p:spPr>
           <a:xfrm>
-            <a:off x="457200" y="63579"/>
-            <a:ext cx="8153400" cy="1107996"/>
-          </a:xfrm>
-        </p:spPr>
-        <p:txBody>
-          <a:bodyPr wrap="square">
-            <a:spAutoFit/>
-          </a:bodyPr>
-          <a:lstStyle/>
-          <a:p>
-            <a:r>
-              <a:rPr lang="en-US" sz="3600" dirty="0">
-                <a:latin typeface="+mj-lt"/>
-              </a:rPr>
-              <a:t>Best Practices in Social Media Analytics</a:t>
-            </a:r>
-          </a:p>
-        </p:txBody>
-      </p:sp>
-      <p:sp>
-        <p:nvSpPr>
-          <p:cNvPr id="3" name="Content Placeholder 2"/>
-          <p:cNvSpPr>
-            <a:spLocks noGrp="1"/>
-          </p:cNvSpPr>
-          <p:nvPr>
-            <p:ph idx="1"/>
-          </p:nvPr>
-        </p:nvSpPr>
-        <p:spPr>
-          <a:xfrm>
-            <a:off x="457200" y="1419226"/>
-            <a:ext cx="8153400" cy="4670509"/>
-          </a:xfrm>
-        </p:spPr>
-        <p:txBody>
-          <a:bodyPr>
-            <a:spAutoFit/>
-          </a:bodyPr>
-          <a:lstStyle/>
-          <a:p>
-            <a:pPr marL="276225" indent="-276225"/>
-            <a:r>
-              <a:rPr lang="en-US" sz="2400" dirty="0"/>
-              <a:t>Think of measurement as a guidance system, not a rating system</a:t>
-            </a:r>
-          </a:p>
-          <a:p>
-            <a:pPr marL="276225" indent="-276225"/>
-            <a:r>
-              <a:rPr lang="en-US" sz="2400" dirty="0"/>
-              <a:t>Track the elusive sentiment</a:t>
-            </a:r>
-          </a:p>
-          <a:p>
-            <a:pPr marL="276225" indent="-276225"/>
-            <a:r>
-              <a:rPr lang="en-US" sz="2400" dirty="0"/>
-              <a:t>Continuously improve the accuracy of text analysis</a:t>
-            </a:r>
-          </a:p>
-          <a:p>
-            <a:pPr marL="276225" indent="-276225"/>
-            <a:r>
-              <a:rPr lang="en-US" sz="2400" dirty="0"/>
-              <a:t>Look at the ripple effect</a:t>
-            </a:r>
-          </a:p>
-          <a:p>
-            <a:pPr marL="276225" indent="-276225"/>
-            <a:r>
-              <a:rPr lang="en-US" sz="2400" dirty="0"/>
-              <a:t>Look beyond the brand</a:t>
-            </a:r>
-          </a:p>
-          <a:p>
-            <a:pPr marL="276225" indent="-276225"/>
-            <a:r>
-              <a:rPr lang="en-US" sz="2400" dirty="0"/>
-              <a:t>Identify your most powerful influencers</a:t>
-            </a:r>
-          </a:p>
-          <a:p>
-            <a:pPr marL="276225" indent="-276225"/>
-            <a:r>
-              <a:rPr lang="en-US" sz="2400" dirty="0"/>
-              <a:t>Look closely at the accuracy of your analytic tool</a:t>
-            </a:r>
-          </a:p>
-          <a:p>
-            <a:pPr marL="276225" indent="-276225"/>
-            <a:r>
-              <a:rPr lang="en-US" sz="2400" dirty="0"/>
-              <a:t>Incorporate social media intelligence into planning</a:t>
-            </a:r>
-          </a:p>
-        </p:txBody>
-      </p:sp>
-    </p:spTree>
-    <p:extLst>
-      <p:ext uri="{BB962C8B-B14F-4D97-AF65-F5344CB8AC3E}">
-        <p14:creationId xmlns:p14="http://schemas.microsoft.com/office/powerpoint/2010/main" val="2321517492"/>
-      </p:ext>
-    </p:extLst>
-  </p:cSld>
-  <p:clrMapOvr>
-    <a:masterClrMapping/>
-  </p:clrMapOvr>
-</p:sld>
-</file>
-
-<file path=ppt/slides/slide57.xml><?xml version="1.0" encoding="utf-8"?>
-<p:sld xmlns:a="http://schemas.openxmlformats.org/drawingml/2006/main" xmlns:r="http://schemas.openxmlformats.org/officeDocument/2006/relationships" xmlns:p="http://schemas.openxmlformats.org/presentationml/2006/main">
-  <p:cSld>
-    <p:spTree>
-      <p:nvGrpSpPr>
-        <p:cNvPr id="1" name=""/>
-        <p:cNvGrpSpPr/>
-        <p:nvPr/>
-      </p:nvGrpSpPr>
-      <p:grpSpPr>
-        <a:xfrm>
-          <a:off x="0" y="0"/>
-          <a:ext cx="0" cy="0"/>
-          <a:chOff x="0" y="0"/>
-          <a:chExt cx="0" cy="0"/>
-        </a:xfrm>
-      </p:grpSpPr>
-      <p:sp>
-        <p:nvSpPr>
-          <p:cNvPr id="2" name="Title 1"/>
-          <p:cNvSpPr>
-            <a:spLocks noGrp="1"/>
-          </p:cNvSpPr>
-          <p:nvPr>
-            <p:ph type="title"/>
-          </p:nvPr>
-        </p:nvSpPr>
-        <p:spPr>
-          <a:xfrm>
             <a:off x="457200" y="74652"/>
             <a:ext cx="8153400" cy="553998"/>
           </a:xfrm>
@@ -23155,7 +22830,7 @@
 </p:sld>
 </file>
 
-<file path=ppt/slides/slide58.xml><?xml version="1.0" encoding="utf-8"?>
+<file path=ppt/slides/slide57.xml><?xml version="1.0" encoding="utf-8"?>
 <p:sld xmlns:a="http://schemas.openxmlformats.org/drawingml/2006/main" xmlns:r="http://schemas.openxmlformats.org/officeDocument/2006/relationships" xmlns:p="http://schemas.openxmlformats.org/presentationml/2006/main">
   <p:cSld>
     <p:spTree>

--- a/Slides/Sharda_11e_full_accessible_ppt_07.pptx
+++ b/Slides/Sharda_11e_full_accessible_ppt_07.pptx
@@ -322,7 +322,7 @@
           <a:p>
             <a:fld id="{8D8D874E-E9D5-433B-A149-BDF6BFDD40A8}" type="datetimeFigureOut">
               <a:rPr lang="en-US" smtClean="0"/>
-              <a:t>11/28/21</a:t>
+              <a:t>11/30/21</a:t>
             </a:fld>
             <a:endParaRPr lang="en-US" dirty="0"/>
           </a:p>
@@ -487,7 +487,7 @@
           <a:p>
             <a:fld id="{EA051F04-9E25-42C3-8BC5-EC2E8469D95E}" type="datetimeFigureOut">
               <a:rPr lang="en-US" smtClean="0"/>
-              <a:t>11/28/21</a:t>
+              <a:t>11/30/21</a:t>
             </a:fld>
             <a:endParaRPr lang="en-US" dirty="0"/>
           </a:p>
@@ -6023,7 +6023,7 @@
           <a:p>
             <a:fld id="{A9DF6EFB-3F44-496C-A842-1E0B3D3B975A}" type="datetimeFigureOut">
               <a:rPr lang="en-US" smtClean="0"/>
-              <a:t>11/28/21</a:t>
+              <a:t>11/30/21</a:t>
             </a:fld>
             <a:endParaRPr lang="en-US" dirty="0"/>
           </a:p>
@@ -6391,7 +6391,7 @@
           <a:p>
             <a:fld id="{A9DF6EFB-3F44-496C-A842-1E0B3D3B975A}" type="datetimeFigureOut">
               <a:rPr lang="en-US" smtClean="0"/>
-              <a:t>11/28/21</a:t>
+              <a:t>11/30/21</a:t>
             </a:fld>
             <a:endParaRPr lang="en-US" dirty="0"/>
           </a:p>
@@ -6738,7 +6738,7 @@
           <a:p>
             <a:fld id="{A9DF6EFB-3F44-496C-A842-1E0B3D3B975A}" type="datetimeFigureOut">
               <a:rPr lang="en-US" smtClean="0"/>
-              <a:t>11/28/21</a:t>
+              <a:t>11/30/21</a:t>
             </a:fld>
             <a:endParaRPr lang="en-US" dirty="0"/>
           </a:p>
@@ -7081,7 +7081,7 @@
           <a:p>
             <a:fld id="{A9DF6EFB-3F44-496C-A842-1E0B3D3B975A}" type="datetimeFigureOut">
               <a:rPr lang="en-US" smtClean="0"/>
-              <a:t>11/28/21</a:t>
+              <a:t>11/30/21</a:t>
             </a:fld>
             <a:endParaRPr lang="en-US" dirty="0"/>
           </a:p>
@@ -7203,7 +7203,7 @@
           <a:p>
             <a:fld id="{A9DF6EFB-3F44-496C-A842-1E0B3D3B975A}" type="datetimeFigureOut">
               <a:rPr lang="en-US" smtClean="0"/>
-              <a:t>11/28/21</a:t>
+              <a:t>11/30/21</a:t>
             </a:fld>
             <a:endParaRPr lang="en-US" dirty="0"/>
           </a:p>
@@ -7312,7 +7312,7 @@
             <a:fld id="{A9DF6EFB-3F44-496C-A842-1E0B3D3B975A}" type="datetimeFigureOut">
               <a:rPr lang="en-US" smtClean="0"/>
               <a:pPr/>
-              <a:t>11/28/21</a:t>
+              <a:t>11/30/21</a:t>
             </a:fld>
             <a:endParaRPr lang="en-US" dirty="0"/>
           </a:p>
@@ -8308,7 +8308,7 @@
             <a:fld id="{A9DF6EFB-3F44-496C-A842-1E0B3D3B975A}" type="datetimeFigureOut">
               <a:rPr lang="en-US" smtClean="0"/>
               <a:pPr/>
-              <a:t>11/28/21</a:t>
+              <a:t>11/30/21</a:t>
             </a:fld>
             <a:endParaRPr lang="en-US" dirty="0"/>
           </a:p>
@@ -8697,7 +8697,7 @@
             <a:fld id="{A9DF6EFB-3F44-496C-A842-1E0B3D3B975A}" type="datetimeFigureOut">
               <a:rPr lang="en-US" smtClean="0"/>
               <a:pPr/>
-              <a:t>11/28/21</a:t>
+              <a:t>11/30/21</a:t>
             </a:fld>
             <a:endParaRPr lang="en-US" dirty="0"/>
           </a:p>
@@ -8967,7 +8967,7 @@
             <a:fld id="{A9DF6EFB-3F44-496C-A842-1E0B3D3B975A}" type="datetimeFigureOut">
               <a:rPr lang="en-US" smtClean="0"/>
               <a:pPr/>
-              <a:t>11/28/21</a:t>
+              <a:t>11/30/21</a:t>
             </a:fld>
             <a:endParaRPr lang="en-US" dirty="0"/>
           </a:p>
@@ -9230,7 +9230,7 @@
           <a:p>
             <a:fld id="{A9DF6EFB-3F44-496C-A842-1E0B3D3B975A}" type="datetimeFigureOut">
               <a:rPr lang="en-US" smtClean="0"/>
-              <a:t>11/28/21</a:t>
+              <a:t>11/30/21</a:t>
             </a:fld>
             <a:endParaRPr lang="en-US" dirty="0"/>
           </a:p>
@@ -9466,7 +9466,7 @@
             <a:fld id="{A9DF6EFB-3F44-496C-A842-1E0B3D3B975A}" type="datetimeFigureOut">
               <a:rPr lang="en-US" smtClean="0"/>
               <a:pPr/>
-              <a:t>11/28/21</a:t>
+              <a:t>11/30/21</a:t>
             </a:fld>
             <a:endParaRPr lang="en-US" dirty="0"/>
           </a:p>
@@ -9843,7 +9843,7 @@
           <a:p>
             <a:fld id="{A9DF6EFB-3F44-496C-A842-1E0B3D3B975A}" type="datetimeFigureOut">
               <a:rPr lang="en-US" smtClean="0"/>
-              <a:t>11/28/21</a:t>
+              <a:t>11/30/21</a:t>
             </a:fld>
             <a:endParaRPr lang="en-US" dirty="0"/>
           </a:p>
@@ -10469,7 +10469,7 @@
           <a:p>
             <a:fld id="{A9DF6EFB-3F44-496C-A842-1E0B3D3B975A}" type="datetimeFigureOut">
               <a:rPr lang="en-US" smtClean="0"/>
-              <a:t>11/28/21</a:t>
+              <a:t>11/30/21</a:t>
             </a:fld>
             <a:endParaRPr lang="en-US" dirty="0"/>
           </a:p>
@@ -11599,7 +11599,7 @@
           <a:p>
             <a:fld id="{A9DF6EFB-3F44-496C-A842-1E0B3D3B975A}" type="datetimeFigureOut">
               <a:rPr lang="en-US" smtClean="0"/>
-              <a:t>11/28/21</a:t>
+              <a:t>11/30/21</a:t>
             </a:fld>
             <a:endParaRPr lang="en-US" dirty="0"/>
           </a:p>
@@ -11860,7 +11860,7 @@
             <a:fld id="{A9DF6EFB-3F44-496C-A842-1E0B3D3B975A}" type="datetimeFigureOut">
               <a:rPr lang="en-US" smtClean="0"/>
               <a:pPr/>
-              <a:t>11/28/21</a:t>
+              <a:t>11/30/21</a:t>
             </a:fld>
             <a:endParaRPr lang="en-US" dirty="0"/>
           </a:p>
@@ -13624,7 +13624,7 @@
         <p:spPr>
           <a:xfrm>
             <a:off x="457200" y="762000"/>
-            <a:ext cx="8153400" cy="4301177"/>
+            <a:ext cx="8153400" cy="3739485"/>
           </a:xfrm>
         </p:spPr>
         <p:txBody>
@@ -13678,14 +13678,7 @@
             <a:pPr marL="266700" indent="-266700"/>
             <a:r>
               <a:rPr lang="en-US" sz="2400" dirty="0"/>
-              <a:t>Text proofing, optical character recognition</a:t>
-            </a:r>
-          </a:p>
-          <a:p>
-            <a:pPr marL="266700" indent="-266700"/>
-            <a:r>
-              <a:rPr lang="en-US" sz="2400" dirty="0"/>
-              <a:t>Optical character recognition</a:t>
+              <a:t>Optical character recognition (OCR)</a:t>
             </a:r>
             <a:endParaRPr lang="en-US" sz="2200" dirty="0"/>
           </a:p>
@@ -13834,7 +13827,7 @@
             <a:pPr marL="714375" lvl="1" indent="-266700"/>
             <a:r>
               <a:rPr lang="en-US" sz="2400" dirty="0"/>
-              <a:t>Deception detection (…example coming up)</a:t>
+              <a:t>Deception detection </a:t>
             </a:r>
           </a:p>
           <a:p>
